--- a/Презентация.pptx
+++ b/Презентация.pptx
@@ -751,15 +751,7 @@
             </a:r>
             <a:r>
               <a:rPr lang="ru-RU" dirty="0"/>
-              <a:t> Саша и Новиков Женя, сегодня мы рады представить вам решение в рамках трека доступные </a:t>
-            </a:r>
-            <a:r>
-              <a:rPr lang="ru-RU" dirty="0" err="1"/>
-              <a:t>лкарства</a:t>
-            </a:r>
-            <a:r>
-              <a:rPr lang="ru-RU" dirty="0"/>
-              <a:t> для всех.</a:t>
+              <a:t> Саша и Новиков Женя, сегодня мы рады представить вам решение в рамках трека доступные лекарства для всех.</a:t>
             </a:r>
           </a:p>
         </p:txBody>
@@ -846,15 +838,7 @@
           <a:p>
             <a:r>
               <a:rPr lang="ru-RU" dirty="0"/>
-              <a:t>Коротко о проблематике: Нехватка лекарственных препаратов в нынешних условиях – это чрезвычайная серьезная проблема, связана она бывает порой с плохой оптимизацией поставки медпрепаратов на склады. Мы предлагаем свое решение, которое заключается в разработке доступного, самое главное удобного интерфейса, у которого при этом под капотом спрятана быстрая качественная математическая модель </a:t>
-            </a:r>
-            <a:r>
-              <a:rPr lang="ru-RU" dirty="0" err="1"/>
-              <a:t>искуственного</a:t>
-            </a:r>
-            <a:r>
-              <a:rPr lang="ru-RU" dirty="0"/>
-              <a:t> </a:t>
+              <a:t>Коротко о проблематике: Нехватка лекарственных препаратов в нынешних условиях – это чрезвычайная серьезная проблема, связана она бывает порой с плохой оптимизацией поставки медпрепаратов на склады. Мы предлагаем свое решение, которое заключается в разработке доступного, самое главное удобного интерфейса, у которого при этом под капотом спрятана быстрая качественная математическая модель искусственного </a:t>
             </a:r>
             <a:r>
               <a:rPr lang="ru-RU" dirty="0" err="1"/>
@@ -866,7 +850,7 @@
             </a:r>
             <a:r>
               <a:rPr lang="ru-RU" dirty="0" err="1"/>
-              <a:t>предскзаание</a:t>
+              <a:t>предскзания</a:t>
             </a:r>
             <a:r>
               <a:rPr lang="ru-RU" dirty="0"/>
@@ -957,7 +941,7 @@
           <a:p>
             <a:r>
               <a:rPr lang="ru-RU" dirty="0"/>
-              <a:t>Предварительная работа с данными выявила необходимость добавления внешней информации в силу отсутствия каких-либо корреляций. Большое внимание ввиду нынешней обстановке уделялось данным по коронавирусу, которые составляют не более 3% от общего набора. Для точного предсказания добавлена информация по заражаемости, населению и расположению субъектов, а также температуре. Данные показатели были выбраны как наиболее коррелируемые с трендом потребления лекарственных препаратов.</a:t>
+              <a:t>Предварительная работа с данными выявила необходимость добавления внешней информации в силу отсутствия каких-либо корреляций. Большое внимание ввиду нынешней обстановки уделялось данным по коронавирусу, которые составляют не более 3% от общего набора. Для точного предсказания добавлена информация по заражаемости, населению и расположению субъектов, а также температуре. Данные показатели были выбраны как наиболее коррелируемые с трендом потребления лекарственных препаратов.</a:t>
             </a:r>
             <a:r>
               <a:rPr lang="en-US" dirty="0"/>
@@ -965,15 +949,7 @@
             </a:r>
             <a:r>
               <a:rPr lang="ru-RU" dirty="0"/>
-              <a:t>При этом поскольку мы предсказываем на два месяца, то фактор заражаемости в конкретный месяц </a:t>
-            </a:r>
-            <a:r>
-              <a:rPr lang="ru-RU" dirty="0" err="1"/>
-              <a:t>равенпредыдущему</a:t>
-            </a:r>
-            <a:r>
-              <a:rPr lang="ru-RU" dirty="0"/>
-              <a:t> через один месяцу (к примеру, для августа это июнь, для мая – март).</a:t>
+              <a:t>При этом поскольку мы предсказываем на два месяца, то фактор заражаемости в конкретный месяц равен предыдущему через один месяцу (к примеру, для августа это июнь, для мая – март).</a:t>
             </a:r>
           </a:p>
         </p:txBody>
@@ -1068,15 +1044,7 @@
             </a:r>
             <a:r>
               <a:rPr lang="ru-RU" dirty="0"/>
-              <a:t> препараты. На выходе получаем быстрый алгоритм, способный дать \</a:t>
-            </a:r>
-            <a:r>
-              <a:rPr lang="ru-RU" dirty="0" err="1"/>
-              <a:t>кспресс</a:t>
-            </a:r>
-            <a:r>
-              <a:rPr lang="ru-RU" dirty="0"/>
-              <a:t> оценку спроса на следующие два месяца, а также показать вклад каждого признака в итоговое предсказание, что позволяет оценить его важность</a:t>
+              <a:t> препараты. На выходе получаем быстрый алгоритм, способный дать экспресс оценку спроса на следующие два месяца, а также показать вклад каждого признака в итоговое предсказание, что позволяет оценить его важность. Наилучшая медианное процентное отклонение предсказанных значений от действительных составило 14%.</a:t>
             </a:r>
           </a:p>
         </p:txBody>
@@ -1169,15 +1137,7 @@
           <a:p>
             <a:r>
               <a:rPr lang="ru-RU" dirty="0"/>
-              <a:t>Напоследок хотелось бы сказать, что у нас еще много мыслей, как </a:t>
-            </a:r>
-            <a:r>
-              <a:rPr lang="ru-RU"/>
-              <a:t>можно сделать модель еще лучше, </a:t>
-            </a:r>
-            <a:r>
-              <a:rPr lang="ru-RU" dirty="0"/>
-              <a:t>конкретно </a:t>
+              <a:t>Напоследок хотелось бы сказать, что у нас еще много мыслей, как можно сделать модель лучше, конкретно добавить больше внешних данных, использовать более сложные математические модели с хорошо подобранными параметрами.</a:t>
             </a:r>
           </a:p>
         </p:txBody>
@@ -14599,6 +14559,41 @@
           </a:p>
         </p:txBody>
       </p:sp>
+      <p:sp>
+        <p:nvSpPr>
+          <p:cNvPr id="20" name="TextBox 19">
+            <a:extLst>
+              <a:ext uri="{FF2B5EF4-FFF2-40B4-BE49-F238E27FC236}">
+                <a16:creationId xmlns:a16="http://schemas.microsoft.com/office/drawing/2014/main" id="{66958AB4-B49A-4B48-AD0B-F574AA08914A}"/>
+              </a:ext>
+            </a:extLst>
+          </p:cNvPr>
+          <p:cNvSpPr txBox="1"/>
+          <p:nvPr/>
+        </p:nvSpPr>
+        <p:spPr>
+          <a:xfrm>
+            <a:off x="4387467" y="5739251"/>
+            <a:ext cx="3732107" cy="523220"/>
+          </a:xfrm>
+          <a:prstGeom prst="rect">
+            <a:avLst/>
+          </a:prstGeom>
+          <a:noFill/>
+        </p:spPr>
+        <p:txBody>
+          <a:bodyPr wrap="square" rtlCol="0">
+            <a:spAutoFit/>
+          </a:bodyPr>
+          <a:lstStyle/>
+          <a:p>
+            <a:r>
+              <a:rPr lang="ru-RU" sz="2800" dirty="0"/>
+              <a:t>Погрешность: 14 %</a:t>
+            </a:r>
+          </a:p>
+        </p:txBody>
+      </p:sp>
     </p:spTree>
     <p:extLst>
       <p:ext uri="{BB962C8B-B14F-4D97-AF65-F5344CB8AC3E}">
@@ -14879,8 +14874,8 @@
         </p:nvSpPr>
         <p:spPr>
           <a:xfrm>
-            <a:off x="993564" y="1583927"/>
-            <a:ext cx="4160851" cy="4443233"/>
+            <a:off x="711017" y="1399262"/>
+            <a:ext cx="4160851" cy="3961306"/>
           </a:xfrm>
           <a:prstGeom prst="rect">
             <a:avLst/>
@@ -15111,10 +15106,10 @@
           <a:p>
             <a:pPr algn="ctr"/>
             <a:r>
-              <a:rPr lang="ru-RU" sz="3200"/>
+              <a:rPr lang="ru-RU" sz="3200" dirty="0"/>
               <a:t>Приятный дизайн</a:t>
             </a:r>
-            <a:endParaRPr lang="ru-RU" sz="3200" dirty="0"/>
+            <a:endParaRPr lang="en-US" sz="3200" dirty="0"/>
           </a:p>
         </p:txBody>
       </p:sp>
@@ -15176,7 +15171,7 @@
         </p:blipFill>
         <p:spPr>
           <a:xfrm>
-            <a:off x="5962916" y="234000"/>
+            <a:off x="6089933" y="234000"/>
             <a:ext cx="4579992" cy="6257357"/>
           </a:xfrm>
           <a:prstGeom prst="rect">
@@ -15184,6 +15179,41 @@
           </a:prstGeom>
         </p:spPr>
       </p:pic>
+      <p:sp>
+        <p:nvSpPr>
+          <p:cNvPr id="2" name="TextBox 1">
+            <a:extLst>
+              <a:ext uri="{FF2B5EF4-FFF2-40B4-BE49-F238E27FC236}">
+                <a16:creationId xmlns:a16="http://schemas.microsoft.com/office/drawing/2014/main" id="{8A1A71FC-0C6A-4F5A-88FB-90F0B617B5AC}"/>
+              </a:ext>
+            </a:extLst>
+          </p:cNvPr>
+          <p:cNvSpPr txBox="1"/>
+          <p:nvPr/>
+        </p:nvSpPr>
+        <p:spPr>
+          <a:xfrm>
+            <a:off x="1313569" y="5719334"/>
+            <a:ext cx="3565766" cy="369332"/>
+          </a:xfrm>
+          <a:prstGeom prst="rect">
+            <a:avLst/>
+          </a:prstGeom>
+          <a:noFill/>
+        </p:spPr>
+        <p:txBody>
+          <a:bodyPr wrap="square" rtlCol="0">
+            <a:spAutoFit/>
+          </a:bodyPr>
+          <a:lstStyle/>
+          <a:p>
+            <a:r>
+              <a:rPr lang="ru-RU" u="sng" dirty="0"/>
+              <a:t>Демонстрационное видео</a:t>
+            </a:r>
+          </a:p>
+        </p:txBody>
+      </p:sp>
     </p:spTree>
     <p:extLst>
       <p:ext uri="{BB962C8B-B14F-4D97-AF65-F5344CB8AC3E}">

--- a/Презентация.pptx
+++ b/Презентация.pptx
@@ -5,10 +5,10 @@
     <p:sldMasterId id="2147483648" r:id="rId1"/>
   </p:sldMasterIdLst>
   <p:notesMasterIdLst>
-    <p:notesMasterId r:id="rId14"/>
+    <p:notesMasterId r:id="rId8"/>
   </p:notesMasterIdLst>
   <p:handoutMasterIdLst>
-    <p:handoutMasterId r:id="rId15"/>
+    <p:handoutMasterId r:id="rId9"/>
   </p:handoutMasterIdLst>
   <p:sldIdLst>
     <p:sldId id="257" r:id="rId2"/>
@@ -17,12 +17,6 @@
     <p:sldId id="282" r:id="rId5"/>
     <p:sldId id="283" r:id="rId6"/>
     <p:sldId id="273" r:id="rId7"/>
-    <p:sldId id="275" r:id="rId8"/>
-    <p:sldId id="271" r:id="rId9"/>
-    <p:sldId id="269" r:id="rId10"/>
-    <p:sldId id="274" r:id="rId11"/>
-    <p:sldId id="259" r:id="rId12"/>
-    <p:sldId id="267" r:id="rId13"/>
   </p:sldIdLst>
   <p:sldSz cx="12192000" cy="6858000"/>
   <p:notesSz cx="6858000" cy="9144000"/>
@@ -725,34 +719,7 @@
           <a:bodyPr/>
           <a:lstStyle/>
           <a:p>
-            <a:r>
-              <a:rPr lang="ru-RU" dirty="0"/>
-              <a:t>Господа, Добрый день, меня зовут </a:t>
-            </a:r>
-            <a:r>
-              <a:rPr lang="ru-RU" dirty="0" err="1"/>
-              <a:t>Сахнюк</a:t>
-            </a:r>
-            <a:r>
-              <a:rPr lang="ru-RU" dirty="0"/>
-              <a:t> Владлен, я являюсь капитаном команды </a:t>
-            </a:r>
-            <a:r>
-              <a:rPr lang="en-US" dirty="0"/>
-              <a:t>GPOWER </a:t>
-            </a:r>
-            <a:r>
-              <a:rPr lang="ru-RU" dirty="0"/>
-              <a:t>Москвы, со мной вместе над проектом работали </a:t>
-            </a:r>
-            <a:r>
-              <a:rPr lang="ru-RU" dirty="0" err="1"/>
-              <a:t>Шарифуллин</a:t>
-            </a:r>
-            <a:r>
-              <a:rPr lang="ru-RU" dirty="0"/>
-              <a:t> Саша и Новиков Женя, сегодня мы рады представить вам решение в рамках трека доступные лекарства для всех.</a:t>
-            </a:r>
+            <a:endParaRPr lang="ru-RU" dirty="0"/>
           </a:p>
         </p:txBody>
       </p:sp>
@@ -836,26 +803,7 @@
           <a:bodyPr/>
           <a:lstStyle/>
           <a:p>
-            <a:r>
-              <a:rPr lang="ru-RU" dirty="0"/>
-              <a:t>Коротко о проблематике: Нехватка лекарственных препаратов в нынешних условиях – это чрезвычайная серьезная проблема, связана она бывает порой с плохой оптимизацией поставки медпрепаратов на склады. Мы предлагаем свое решение, которое заключается в разработке доступного, самое главное удобного интерфейса, у которого при этом под капотом спрятана быстрая качественная математическая модель искусственного </a:t>
-            </a:r>
-            <a:r>
-              <a:rPr lang="ru-RU" dirty="0" err="1"/>
-              <a:t>интелекта</a:t>
-            </a:r>
-            <a:r>
-              <a:rPr lang="ru-RU" dirty="0"/>
-              <a:t> для </a:t>
-            </a:r>
-            <a:r>
-              <a:rPr lang="ru-RU" dirty="0" err="1"/>
-              <a:t>предскзания</a:t>
-            </a:r>
-            <a:r>
-              <a:rPr lang="ru-RU" dirty="0"/>
-              <a:t> спроса на 2 месяца вперед. Как разрабатывалась модель и чем она так хороша мы увидим на следующих слайдах.</a:t>
-            </a:r>
+            <a:endParaRPr lang="ru-RU" dirty="0"/>
           </a:p>
         </p:txBody>
       </p:sp>
@@ -939,18 +887,7 @@
           <a:bodyPr/>
           <a:lstStyle/>
           <a:p>
-            <a:r>
-              <a:rPr lang="ru-RU" dirty="0"/>
-              <a:t>Предварительная работа с данными выявила необходимость добавления внешней информации в силу отсутствия каких-либо корреляций. Большое внимание ввиду нынешней обстановки уделялось данным по коронавирусу, которые составляют не более 3% от общего набора. Для точного предсказания добавлена информация по заражаемости, населению и расположению субъектов, а также температуре. Данные показатели были выбраны как наиболее коррелируемые с трендом потребления лекарственных препаратов.</a:t>
-            </a:r>
-            <a:r>
-              <a:rPr lang="en-US" dirty="0"/>
-              <a:t> </a:t>
-            </a:r>
-            <a:r>
-              <a:rPr lang="ru-RU" dirty="0"/>
-              <a:t>При этом поскольку мы предсказываем на два месяца, то фактор заражаемости в конкретный месяц равен предыдущему через один месяцу (к примеру, для августа это июнь, для мая – март).</a:t>
-            </a:r>
+            <a:endParaRPr lang="ru-RU" dirty="0"/>
           </a:p>
         </p:txBody>
       </p:sp>
@@ -1034,18 +971,7 @@
           <a:bodyPr/>
           <a:lstStyle/>
           <a:p>
-            <a:r>
-              <a:rPr lang="ru-RU" dirty="0"/>
-              <a:t>Как мы работаем с нашим продуктом? Всё очень просто – сначала отделяем тестовые месяцы для оценки качества (сентябрь, октябрь), затем тренировочные данные загружаем в модель, где используется логарифмическая функция потерь, штрафующая за большие отклонения вниз и за маленькие вверх. Выбор данной метрики связан со спецификой задачи, ведь в условиях сильной заражаемости лучше поставить больше лекарств, нежели </a:t>
-            </a:r>
-            <a:r>
-              <a:rPr lang="ru-RU" dirty="0" err="1"/>
-              <a:t>недодоставить</a:t>
-            </a:r>
-            <a:r>
-              <a:rPr lang="ru-RU" dirty="0"/>
-              <a:t> препараты. На выходе получаем быстрый алгоритм, способный дать экспресс оценку спроса на следующие два месяца, а также показать вклад каждого признака в итоговое предсказание, что позволяет оценить его важность. Наилучшая медианное процентное отклонение предсказанных значений от действительных составило 14%.</a:t>
-            </a:r>
+            <a:endParaRPr lang="ru-RU" dirty="0"/>
           </a:p>
         </p:txBody>
       </p:sp>
@@ -1129,16 +1055,7 @@
           <a:bodyPr/>
           <a:lstStyle/>
           <a:p>
-            <a:r>
-              <a:rPr lang="ru-RU" dirty="0"/>
-              <a:t>Здесь представлен интерфейс нашего решения. Функционал приложения позволяет загружать, визуализировать, манипулировать данными, а также делать предсказания для конкретного МНН по субъектам. Наша программа способна за считанные секунды выдать результат, сравнимый по качеству с работой операторов логистики, однако нам для этого требуются считанные секунды, в то время как профессионалы тратят на это часы.</a:t>
-            </a:r>
-          </a:p>
-          <a:p>
-            <a:r>
-              <a:rPr lang="ru-RU" dirty="0"/>
-              <a:t>Напоследок хотелось бы сказать, что у нас еще много мыслей, как можно сделать модель лучше, конкретно добавить больше внешних данных, использовать более сложные математические модели с хорошо подобранными параметрами.</a:t>
-            </a:r>
+            <a:endParaRPr lang="ru-RU" dirty="0"/>
           </a:p>
         </p:txBody>
       </p:sp>
@@ -1169,6 +1086,90 @@
     <p:extLst>
       <p:ext uri="{BB962C8B-B14F-4D97-AF65-F5344CB8AC3E}">
         <p14:creationId xmlns:p14="http://schemas.microsoft.com/office/powerpoint/2010/main" val="356048861"/>
+      </p:ext>
+    </p:extLst>
+  </p:cSld>
+  <p:clrMapOvr>
+    <a:masterClrMapping/>
+  </p:clrMapOvr>
+</p:notes>
+</file>
+
+<file path=ppt/notesSlides/notesSlide6.xml><?xml version="1.0" encoding="utf-8"?>
+<p:notes xmlns:a="http://schemas.openxmlformats.org/drawingml/2006/main" xmlns:r="http://schemas.openxmlformats.org/officeDocument/2006/relationships" xmlns:p="http://schemas.openxmlformats.org/presentationml/2006/main">
+  <p:cSld>
+    <p:spTree>
+      <p:nvGrpSpPr>
+        <p:cNvPr id="1" name=""/>
+        <p:cNvGrpSpPr/>
+        <p:nvPr/>
+      </p:nvGrpSpPr>
+      <p:grpSpPr>
+        <a:xfrm>
+          <a:off x="0" y="0"/>
+          <a:ext cx="0" cy="0"/>
+          <a:chOff x="0" y="0"/>
+          <a:chExt cx="0" cy="0"/>
+        </a:xfrm>
+      </p:grpSpPr>
+      <p:sp>
+        <p:nvSpPr>
+          <p:cNvPr id="2" name="Образ слайда 1"/>
+          <p:cNvSpPr>
+            <a:spLocks noGrp="1" noRot="1" noChangeAspect="1"/>
+          </p:cNvSpPr>
+          <p:nvPr>
+            <p:ph type="sldImg"/>
+          </p:nvPr>
+        </p:nvSpPr>
+        <p:spPr/>
+      </p:sp>
+      <p:sp>
+        <p:nvSpPr>
+          <p:cNvPr id="3" name="Заметки 2"/>
+          <p:cNvSpPr>
+            <a:spLocks noGrp="1"/>
+          </p:cNvSpPr>
+          <p:nvPr>
+            <p:ph type="body" idx="1"/>
+          </p:nvPr>
+        </p:nvSpPr>
+        <p:spPr/>
+        <p:txBody>
+          <a:bodyPr/>
+          <a:lstStyle/>
+          <a:p>
+            <a:endParaRPr lang="ru-RU" dirty="0"/>
+          </a:p>
+        </p:txBody>
+      </p:sp>
+      <p:sp>
+        <p:nvSpPr>
+          <p:cNvPr id="4" name="Номер слайда 3"/>
+          <p:cNvSpPr>
+            <a:spLocks noGrp="1"/>
+          </p:cNvSpPr>
+          <p:nvPr>
+            <p:ph type="sldNum" sz="quarter" idx="5"/>
+          </p:nvPr>
+        </p:nvSpPr>
+        <p:spPr/>
+        <p:txBody>
+          <a:bodyPr/>
+          <a:lstStyle/>
+          <a:p>
+            <a:fld id="{BE2416DB-6991-4BD2-A42D-24CA64AE1FF7}" type="slidenum">
+              <a:rPr lang="ru-RU" smtClean="0"/>
+              <a:t>6</a:t>
+            </a:fld>
+            <a:endParaRPr lang="ru-RU"/>
+          </a:p>
+        </p:txBody>
+      </p:sp>
+    </p:spTree>
+    <p:extLst>
+      <p:ext uri="{BB962C8B-B14F-4D97-AF65-F5344CB8AC3E}">
+        <p14:creationId xmlns:p14="http://schemas.microsoft.com/office/powerpoint/2010/main" val="3421686646"/>
       </p:ext>
     </p:extLst>
   </p:cSld>
@@ -8732,2477 +8733,6 @@
 </p:sld>
 </file>
 
-<file path=ppt/slides/slide10.xml><?xml version="1.0" encoding="utf-8"?>
-<p:sld xmlns:a="http://schemas.openxmlformats.org/drawingml/2006/main" xmlns:r="http://schemas.openxmlformats.org/officeDocument/2006/relationships" xmlns:p="http://schemas.openxmlformats.org/presentationml/2006/main" show="0">
-  <p:cSld>
-    <p:spTree>
-      <p:nvGrpSpPr>
-        <p:cNvPr id="1" name=""/>
-        <p:cNvGrpSpPr/>
-        <p:nvPr/>
-      </p:nvGrpSpPr>
-      <p:grpSpPr>
-        <a:xfrm>
-          <a:off x="0" y="0"/>
-          <a:ext cx="0" cy="0"/>
-          <a:chOff x="0" y="0"/>
-          <a:chExt cx="0" cy="0"/>
-        </a:xfrm>
-      </p:grpSpPr>
-      <p:sp>
-        <p:nvSpPr>
-          <p:cNvPr id="2" name="Заголовок 1">
-            <a:extLst>
-              <a:ext uri="{FF2B5EF4-FFF2-40B4-BE49-F238E27FC236}">
-                <a16:creationId xmlns:a16="http://schemas.microsoft.com/office/drawing/2014/main" id="{927B6047-1227-4491-8FB1-C8E54DFC9CBC}"/>
-              </a:ext>
-            </a:extLst>
-          </p:cNvPr>
-          <p:cNvSpPr>
-            <a:spLocks noGrp="1"/>
-          </p:cNvSpPr>
-          <p:nvPr>
-            <p:ph type="title"/>
-          </p:nvPr>
-        </p:nvSpPr>
-        <p:spPr/>
-        <p:txBody>
-          <a:bodyPr/>
-          <a:lstStyle/>
-          <a:p>
-            <a:r>
-              <a:rPr lang="ru-RU" dirty="0"/>
-              <a:t>Вставьте </a:t>
-            </a:r>
-            <a:r>
-              <a:rPr lang="ru-RU" dirty="0">
-                <a:solidFill>
-                  <a:schemeClr val="accent3"/>
-                </a:solidFill>
-              </a:rPr>
-              <a:t>заголовок слайда</a:t>
-            </a:r>
-          </a:p>
-        </p:txBody>
-      </p:sp>
-      <p:sp>
-        <p:nvSpPr>
-          <p:cNvPr id="4" name="Прямоугольник 3">
-            <a:extLst>
-              <a:ext uri="{FF2B5EF4-FFF2-40B4-BE49-F238E27FC236}">
-                <a16:creationId xmlns:a16="http://schemas.microsoft.com/office/drawing/2014/main" id="{A0C08B42-36F1-41C2-AAE3-3792499C6B3A}"/>
-              </a:ext>
-            </a:extLst>
-          </p:cNvPr>
-          <p:cNvSpPr/>
-          <p:nvPr/>
-        </p:nvSpPr>
-        <p:spPr>
-          <a:xfrm>
-            <a:off x="1776000" y="2117288"/>
-            <a:ext cx="2250000" cy="765000"/>
-          </a:xfrm>
-          <a:prstGeom prst="rect">
-            <a:avLst/>
-          </a:prstGeom>
-          <a:ln>
-            <a:noFill/>
-          </a:ln>
-          <a:effectLst>
-            <a:outerShdw blurRad="241300" sx="102000" sy="102000" algn="ctr" rotWithShape="0">
-              <a:prstClr val="black">
-                <a:alpha val="40000"/>
-              </a:prstClr>
-            </a:outerShdw>
-          </a:effectLst>
-        </p:spPr>
-        <p:style>
-          <a:lnRef idx="2">
-            <a:schemeClr val="accent1">
-              <a:shade val="50000"/>
-            </a:schemeClr>
-          </a:lnRef>
-          <a:fillRef idx="1">
-            <a:schemeClr val="accent1"/>
-          </a:fillRef>
-          <a:effectRef idx="0">
-            <a:schemeClr val="accent1"/>
-          </a:effectRef>
-          <a:fontRef idx="minor">
-            <a:schemeClr val="lt1"/>
-          </a:fontRef>
-        </p:style>
-        <p:txBody>
-          <a:bodyPr rtlCol="0" anchor="ctr"/>
-          <a:lstStyle/>
-          <a:p>
-            <a:pPr algn="ctr"/>
-            <a:endParaRPr lang="ru-RU"/>
-          </a:p>
-        </p:txBody>
-      </p:sp>
-      <p:sp>
-        <p:nvSpPr>
-          <p:cNvPr id="5" name="Прямоугольник 4">
-            <a:extLst>
-              <a:ext uri="{FF2B5EF4-FFF2-40B4-BE49-F238E27FC236}">
-                <a16:creationId xmlns:a16="http://schemas.microsoft.com/office/drawing/2014/main" id="{6B431A14-E589-47D0-8477-C6ED33D1511D}"/>
-              </a:ext>
-            </a:extLst>
-          </p:cNvPr>
-          <p:cNvSpPr/>
-          <p:nvPr/>
-        </p:nvSpPr>
-        <p:spPr>
-          <a:xfrm>
-            <a:off x="4026000" y="2113932"/>
-            <a:ext cx="2250000" cy="765000"/>
-          </a:xfrm>
-          <a:prstGeom prst="rect">
-            <a:avLst/>
-          </a:prstGeom>
-          <a:solidFill>
-            <a:schemeClr val="accent2"/>
-          </a:solidFill>
-          <a:ln>
-            <a:noFill/>
-          </a:ln>
-          <a:effectLst>
-            <a:outerShdw blurRad="241300" sx="102000" sy="102000" algn="ctr" rotWithShape="0">
-              <a:prstClr val="black">
-                <a:alpha val="40000"/>
-              </a:prstClr>
-            </a:outerShdw>
-          </a:effectLst>
-        </p:spPr>
-        <p:style>
-          <a:lnRef idx="2">
-            <a:schemeClr val="accent1">
-              <a:shade val="50000"/>
-            </a:schemeClr>
-          </a:lnRef>
-          <a:fillRef idx="1">
-            <a:schemeClr val="accent1"/>
-          </a:fillRef>
-          <a:effectRef idx="0">
-            <a:schemeClr val="accent1"/>
-          </a:effectRef>
-          <a:fontRef idx="minor">
-            <a:schemeClr val="lt1"/>
-          </a:fontRef>
-        </p:style>
-        <p:txBody>
-          <a:bodyPr rtlCol="0" anchor="ctr"/>
-          <a:lstStyle/>
-          <a:p>
-            <a:pPr algn="ctr"/>
-            <a:endParaRPr lang="ru-RU"/>
-          </a:p>
-        </p:txBody>
-      </p:sp>
-      <p:sp>
-        <p:nvSpPr>
-          <p:cNvPr id="6" name="Прямоугольник 5">
-            <a:extLst>
-              <a:ext uri="{FF2B5EF4-FFF2-40B4-BE49-F238E27FC236}">
-                <a16:creationId xmlns:a16="http://schemas.microsoft.com/office/drawing/2014/main" id="{D1E6ABAA-B1F7-4D47-B81C-AFC1BB9B7DDD}"/>
-              </a:ext>
-            </a:extLst>
-          </p:cNvPr>
-          <p:cNvSpPr/>
-          <p:nvPr/>
-        </p:nvSpPr>
-        <p:spPr>
-          <a:xfrm>
-            <a:off x="6276437" y="2113932"/>
-            <a:ext cx="2250000" cy="765000"/>
-          </a:xfrm>
-          <a:prstGeom prst="rect">
-            <a:avLst/>
-          </a:prstGeom>
-          <a:solidFill>
-            <a:schemeClr val="accent3"/>
-          </a:solidFill>
-          <a:ln>
-            <a:noFill/>
-          </a:ln>
-          <a:effectLst>
-            <a:outerShdw blurRad="241300" sx="102000" sy="102000" algn="ctr" rotWithShape="0">
-              <a:prstClr val="black">
-                <a:alpha val="40000"/>
-              </a:prstClr>
-            </a:outerShdw>
-          </a:effectLst>
-        </p:spPr>
-        <p:style>
-          <a:lnRef idx="2">
-            <a:schemeClr val="accent1">
-              <a:shade val="50000"/>
-            </a:schemeClr>
-          </a:lnRef>
-          <a:fillRef idx="1">
-            <a:schemeClr val="accent1"/>
-          </a:fillRef>
-          <a:effectRef idx="0">
-            <a:schemeClr val="accent1"/>
-          </a:effectRef>
-          <a:fontRef idx="minor">
-            <a:schemeClr val="lt1"/>
-          </a:fontRef>
-        </p:style>
-        <p:txBody>
-          <a:bodyPr rtlCol="0" anchor="ctr"/>
-          <a:lstStyle/>
-          <a:p>
-            <a:pPr algn="ctr"/>
-            <a:endParaRPr lang="ru-RU"/>
-          </a:p>
-        </p:txBody>
-      </p:sp>
-      <p:sp>
-        <p:nvSpPr>
-          <p:cNvPr id="7" name="Прямоугольник 6">
-            <a:extLst>
-              <a:ext uri="{FF2B5EF4-FFF2-40B4-BE49-F238E27FC236}">
-                <a16:creationId xmlns:a16="http://schemas.microsoft.com/office/drawing/2014/main" id="{45A0F407-DAB3-484D-AF56-F7EEC36D0C2F}"/>
-              </a:ext>
-            </a:extLst>
-          </p:cNvPr>
-          <p:cNvSpPr/>
-          <p:nvPr/>
-        </p:nvSpPr>
-        <p:spPr>
-          <a:xfrm>
-            <a:off x="8527800" y="2113932"/>
-            <a:ext cx="2250000" cy="765000"/>
-          </a:xfrm>
-          <a:prstGeom prst="rect">
-            <a:avLst/>
-          </a:prstGeom>
-          <a:solidFill>
-            <a:schemeClr val="accent6"/>
-          </a:solidFill>
-          <a:ln>
-            <a:noFill/>
-          </a:ln>
-          <a:effectLst>
-            <a:outerShdw blurRad="241300" sx="102000" sy="102000" algn="ctr" rotWithShape="0">
-              <a:prstClr val="black">
-                <a:alpha val="40000"/>
-              </a:prstClr>
-            </a:outerShdw>
-          </a:effectLst>
-        </p:spPr>
-        <p:style>
-          <a:lnRef idx="2">
-            <a:schemeClr val="accent1">
-              <a:shade val="50000"/>
-            </a:schemeClr>
-          </a:lnRef>
-          <a:fillRef idx="1">
-            <a:schemeClr val="accent1"/>
-          </a:fillRef>
-          <a:effectRef idx="0">
-            <a:schemeClr val="accent1"/>
-          </a:effectRef>
-          <a:fontRef idx="minor">
-            <a:schemeClr val="lt1"/>
-          </a:fontRef>
-        </p:style>
-        <p:txBody>
-          <a:bodyPr rtlCol="0" anchor="ctr"/>
-          <a:lstStyle/>
-          <a:p>
-            <a:pPr algn="ctr"/>
-            <a:endParaRPr lang="ru-RU"/>
-          </a:p>
-        </p:txBody>
-      </p:sp>
-      <p:sp>
-        <p:nvSpPr>
-          <p:cNvPr id="8" name="Прямоугольник 7">
-            <a:extLst>
-              <a:ext uri="{FF2B5EF4-FFF2-40B4-BE49-F238E27FC236}">
-                <a16:creationId xmlns:a16="http://schemas.microsoft.com/office/drawing/2014/main" id="{A88BA6BD-A7A2-476B-8FE2-B9E2F93FFBE8}"/>
-              </a:ext>
-            </a:extLst>
-          </p:cNvPr>
-          <p:cNvSpPr/>
-          <p:nvPr/>
-        </p:nvSpPr>
-        <p:spPr>
-          <a:xfrm>
-            <a:off x="1776000" y="2888999"/>
-            <a:ext cx="2250000" cy="2970001"/>
-          </a:xfrm>
-          <a:prstGeom prst="rect">
-            <a:avLst/>
-          </a:prstGeom>
-          <a:solidFill>
-            <a:schemeClr val="bg1"/>
-          </a:solidFill>
-          <a:ln>
-            <a:noFill/>
-          </a:ln>
-          <a:effectLst>
-            <a:outerShdw blurRad="241300" sx="102000" sy="102000" algn="ctr" rotWithShape="0">
-              <a:prstClr val="black">
-                <a:alpha val="40000"/>
-              </a:prstClr>
-            </a:outerShdw>
-          </a:effectLst>
-        </p:spPr>
-        <p:style>
-          <a:lnRef idx="2">
-            <a:schemeClr val="accent1">
-              <a:shade val="50000"/>
-            </a:schemeClr>
-          </a:lnRef>
-          <a:fillRef idx="1">
-            <a:schemeClr val="accent1"/>
-          </a:fillRef>
-          <a:effectRef idx="0">
-            <a:schemeClr val="accent1"/>
-          </a:effectRef>
-          <a:fontRef idx="minor">
-            <a:schemeClr val="lt1"/>
-          </a:fontRef>
-        </p:style>
-        <p:txBody>
-          <a:bodyPr rtlCol="0" anchor="ctr"/>
-          <a:lstStyle/>
-          <a:p>
-            <a:pPr algn="ctr"/>
-            <a:endParaRPr lang="ru-RU"/>
-          </a:p>
-        </p:txBody>
-      </p:sp>
-      <p:sp>
-        <p:nvSpPr>
-          <p:cNvPr id="9" name="Прямоугольник 8">
-            <a:extLst>
-              <a:ext uri="{FF2B5EF4-FFF2-40B4-BE49-F238E27FC236}">
-                <a16:creationId xmlns:a16="http://schemas.microsoft.com/office/drawing/2014/main" id="{3BB886A5-696B-49DA-A237-A597D43BE685}"/>
-              </a:ext>
-            </a:extLst>
-          </p:cNvPr>
-          <p:cNvSpPr/>
-          <p:nvPr/>
-        </p:nvSpPr>
-        <p:spPr>
-          <a:xfrm>
-            <a:off x="4026000" y="2885643"/>
-            <a:ext cx="2250000" cy="2970001"/>
-          </a:xfrm>
-          <a:prstGeom prst="rect">
-            <a:avLst/>
-          </a:prstGeom>
-          <a:solidFill>
-            <a:schemeClr val="bg1"/>
-          </a:solidFill>
-          <a:ln>
-            <a:noFill/>
-          </a:ln>
-          <a:effectLst>
-            <a:outerShdw blurRad="241300" sx="102000" sy="102000" algn="ctr" rotWithShape="0">
-              <a:prstClr val="black">
-                <a:alpha val="40000"/>
-              </a:prstClr>
-            </a:outerShdw>
-          </a:effectLst>
-        </p:spPr>
-        <p:style>
-          <a:lnRef idx="2">
-            <a:schemeClr val="accent1">
-              <a:shade val="50000"/>
-            </a:schemeClr>
-          </a:lnRef>
-          <a:fillRef idx="1">
-            <a:schemeClr val="accent1"/>
-          </a:fillRef>
-          <a:effectRef idx="0">
-            <a:schemeClr val="accent1"/>
-          </a:effectRef>
-          <a:fontRef idx="minor">
-            <a:schemeClr val="lt1"/>
-          </a:fontRef>
-        </p:style>
-        <p:txBody>
-          <a:bodyPr rtlCol="0" anchor="ctr"/>
-          <a:lstStyle/>
-          <a:p>
-            <a:pPr algn="ctr"/>
-            <a:endParaRPr lang="ru-RU"/>
-          </a:p>
-        </p:txBody>
-      </p:sp>
-      <p:sp>
-        <p:nvSpPr>
-          <p:cNvPr id="10" name="Прямоугольник 9">
-            <a:extLst>
-              <a:ext uri="{FF2B5EF4-FFF2-40B4-BE49-F238E27FC236}">
-                <a16:creationId xmlns:a16="http://schemas.microsoft.com/office/drawing/2014/main" id="{DFC2BAB8-4DDC-4D3F-9432-BD335E52355E}"/>
-              </a:ext>
-            </a:extLst>
-          </p:cNvPr>
-          <p:cNvSpPr/>
-          <p:nvPr/>
-        </p:nvSpPr>
-        <p:spPr>
-          <a:xfrm>
-            <a:off x="6276437" y="2885643"/>
-            <a:ext cx="2250000" cy="2970001"/>
-          </a:xfrm>
-          <a:prstGeom prst="rect">
-            <a:avLst/>
-          </a:prstGeom>
-          <a:solidFill>
-            <a:schemeClr val="bg1"/>
-          </a:solidFill>
-          <a:ln>
-            <a:noFill/>
-          </a:ln>
-          <a:effectLst>
-            <a:outerShdw blurRad="241300" sx="102000" sy="102000" algn="ctr" rotWithShape="0">
-              <a:prstClr val="black">
-                <a:alpha val="40000"/>
-              </a:prstClr>
-            </a:outerShdw>
-          </a:effectLst>
-        </p:spPr>
-        <p:style>
-          <a:lnRef idx="2">
-            <a:schemeClr val="accent1">
-              <a:shade val="50000"/>
-            </a:schemeClr>
-          </a:lnRef>
-          <a:fillRef idx="1">
-            <a:schemeClr val="accent1"/>
-          </a:fillRef>
-          <a:effectRef idx="0">
-            <a:schemeClr val="accent1"/>
-          </a:effectRef>
-          <a:fontRef idx="minor">
-            <a:schemeClr val="lt1"/>
-          </a:fontRef>
-        </p:style>
-        <p:txBody>
-          <a:bodyPr rtlCol="0" anchor="ctr"/>
-          <a:lstStyle/>
-          <a:p>
-            <a:pPr algn="ctr"/>
-            <a:endParaRPr lang="ru-RU"/>
-          </a:p>
-        </p:txBody>
-      </p:sp>
-      <p:sp>
-        <p:nvSpPr>
-          <p:cNvPr id="11" name="Прямоугольник 10">
-            <a:extLst>
-              <a:ext uri="{FF2B5EF4-FFF2-40B4-BE49-F238E27FC236}">
-                <a16:creationId xmlns:a16="http://schemas.microsoft.com/office/drawing/2014/main" id="{39A943BA-A41D-43A9-809F-C4D35AA0B94F}"/>
-              </a:ext>
-            </a:extLst>
-          </p:cNvPr>
-          <p:cNvSpPr/>
-          <p:nvPr/>
-        </p:nvSpPr>
-        <p:spPr>
-          <a:xfrm>
-            <a:off x="8527800" y="2885643"/>
-            <a:ext cx="2250000" cy="2970001"/>
-          </a:xfrm>
-          <a:prstGeom prst="rect">
-            <a:avLst/>
-          </a:prstGeom>
-          <a:solidFill>
-            <a:schemeClr val="bg1"/>
-          </a:solidFill>
-          <a:ln>
-            <a:noFill/>
-          </a:ln>
-          <a:effectLst>
-            <a:outerShdw blurRad="241300" sx="102000" sy="102000" algn="ctr" rotWithShape="0">
-              <a:prstClr val="black">
-                <a:alpha val="40000"/>
-              </a:prstClr>
-            </a:outerShdw>
-          </a:effectLst>
-        </p:spPr>
-        <p:style>
-          <a:lnRef idx="2">
-            <a:schemeClr val="accent1">
-              <a:shade val="50000"/>
-            </a:schemeClr>
-          </a:lnRef>
-          <a:fillRef idx="1">
-            <a:schemeClr val="accent1"/>
-          </a:fillRef>
-          <a:effectRef idx="0">
-            <a:schemeClr val="accent1"/>
-          </a:effectRef>
-          <a:fontRef idx="minor">
-            <a:schemeClr val="lt1"/>
-          </a:fontRef>
-        </p:style>
-        <p:txBody>
-          <a:bodyPr rtlCol="0" anchor="ctr"/>
-          <a:lstStyle/>
-          <a:p>
-            <a:pPr algn="ctr"/>
-            <a:endParaRPr lang="ru-RU"/>
-          </a:p>
-        </p:txBody>
-      </p:sp>
-      <p:sp>
-        <p:nvSpPr>
-          <p:cNvPr id="12" name="Прямоугольник 11">
-            <a:extLst>
-              <a:ext uri="{FF2B5EF4-FFF2-40B4-BE49-F238E27FC236}">
-                <a16:creationId xmlns:a16="http://schemas.microsoft.com/office/drawing/2014/main" id="{48195AB6-BA8F-4E20-8D35-286E8838BF2F}"/>
-              </a:ext>
-            </a:extLst>
-          </p:cNvPr>
-          <p:cNvSpPr/>
-          <p:nvPr/>
-        </p:nvSpPr>
-        <p:spPr>
-          <a:xfrm>
-            <a:off x="1780257" y="5675644"/>
-            <a:ext cx="2250000" cy="183356"/>
-          </a:xfrm>
-          <a:prstGeom prst="rect">
-            <a:avLst/>
-          </a:prstGeom>
-          <a:ln>
-            <a:noFill/>
-          </a:ln>
-          <a:effectLst>
-            <a:outerShdw blurRad="241300" sx="102000" sy="102000" algn="ctr" rotWithShape="0">
-              <a:prstClr val="black">
-                <a:alpha val="40000"/>
-              </a:prstClr>
-            </a:outerShdw>
-          </a:effectLst>
-        </p:spPr>
-        <p:style>
-          <a:lnRef idx="2">
-            <a:schemeClr val="accent1">
-              <a:shade val="50000"/>
-            </a:schemeClr>
-          </a:lnRef>
-          <a:fillRef idx="1">
-            <a:schemeClr val="accent1"/>
-          </a:fillRef>
-          <a:effectRef idx="0">
-            <a:schemeClr val="accent1"/>
-          </a:effectRef>
-          <a:fontRef idx="minor">
-            <a:schemeClr val="lt1"/>
-          </a:fontRef>
-        </p:style>
-        <p:txBody>
-          <a:bodyPr rtlCol="0" anchor="ctr"/>
-          <a:lstStyle/>
-          <a:p>
-            <a:pPr algn="ctr"/>
-            <a:endParaRPr lang="ru-RU"/>
-          </a:p>
-        </p:txBody>
-      </p:sp>
-      <p:sp>
-        <p:nvSpPr>
-          <p:cNvPr id="13" name="Прямоугольник 12">
-            <a:extLst>
-              <a:ext uri="{FF2B5EF4-FFF2-40B4-BE49-F238E27FC236}">
-                <a16:creationId xmlns:a16="http://schemas.microsoft.com/office/drawing/2014/main" id="{F95E1DEA-DB19-458D-97AD-C2E9B32F861A}"/>
-              </a:ext>
-            </a:extLst>
-          </p:cNvPr>
-          <p:cNvSpPr/>
-          <p:nvPr/>
-        </p:nvSpPr>
-        <p:spPr>
-          <a:xfrm>
-            <a:off x="4031157" y="5672288"/>
-            <a:ext cx="2250000" cy="183356"/>
-          </a:xfrm>
-          <a:prstGeom prst="rect">
-            <a:avLst/>
-          </a:prstGeom>
-          <a:solidFill>
-            <a:schemeClr val="accent2"/>
-          </a:solidFill>
-          <a:ln>
-            <a:noFill/>
-          </a:ln>
-          <a:effectLst>
-            <a:outerShdw blurRad="241300" sx="102000" sy="102000" algn="ctr" rotWithShape="0">
-              <a:prstClr val="black">
-                <a:alpha val="40000"/>
-              </a:prstClr>
-            </a:outerShdw>
-          </a:effectLst>
-        </p:spPr>
-        <p:style>
-          <a:lnRef idx="2">
-            <a:schemeClr val="accent1">
-              <a:shade val="50000"/>
-            </a:schemeClr>
-          </a:lnRef>
-          <a:fillRef idx="1">
-            <a:schemeClr val="accent1"/>
-          </a:fillRef>
-          <a:effectRef idx="0">
-            <a:schemeClr val="accent1"/>
-          </a:effectRef>
-          <a:fontRef idx="minor">
-            <a:schemeClr val="lt1"/>
-          </a:fontRef>
-        </p:style>
-        <p:txBody>
-          <a:bodyPr rtlCol="0" anchor="ctr"/>
-          <a:lstStyle/>
-          <a:p>
-            <a:pPr algn="ctr"/>
-            <a:endParaRPr lang="ru-RU"/>
-          </a:p>
-        </p:txBody>
-      </p:sp>
-      <p:sp>
-        <p:nvSpPr>
-          <p:cNvPr id="14" name="Прямоугольник 13">
-            <a:extLst>
-              <a:ext uri="{FF2B5EF4-FFF2-40B4-BE49-F238E27FC236}">
-                <a16:creationId xmlns:a16="http://schemas.microsoft.com/office/drawing/2014/main" id="{77F8F6D5-8C18-4F76-B905-9DE992A4CD86}"/>
-              </a:ext>
-            </a:extLst>
-          </p:cNvPr>
-          <p:cNvSpPr/>
-          <p:nvPr/>
-        </p:nvSpPr>
-        <p:spPr>
-          <a:xfrm>
-            <a:off x="6280694" y="5672288"/>
-            <a:ext cx="2250000" cy="183356"/>
-          </a:xfrm>
-          <a:prstGeom prst="rect">
-            <a:avLst/>
-          </a:prstGeom>
-          <a:solidFill>
-            <a:schemeClr val="accent3"/>
-          </a:solidFill>
-          <a:ln>
-            <a:noFill/>
-          </a:ln>
-          <a:effectLst>
-            <a:outerShdw blurRad="241300" sx="102000" sy="102000" algn="ctr" rotWithShape="0">
-              <a:prstClr val="black">
-                <a:alpha val="40000"/>
-              </a:prstClr>
-            </a:outerShdw>
-          </a:effectLst>
-        </p:spPr>
-        <p:style>
-          <a:lnRef idx="2">
-            <a:schemeClr val="accent1">
-              <a:shade val="50000"/>
-            </a:schemeClr>
-          </a:lnRef>
-          <a:fillRef idx="1">
-            <a:schemeClr val="accent1"/>
-          </a:fillRef>
-          <a:effectRef idx="0">
-            <a:schemeClr val="accent1"/>
-          </a:effectRef>
-          <a:fontRef idx="minor">
-            <a:schemeClr val="lt1"/>
-          </a:fontRef>
-        </p:style>
-        <p:txBody>
-          <a:bodyPr rtlCol="0" anchor="ctr"/>
-          <a:lstStyle/>
-          <a:p>
-            <a:pPr algn="ctr"/>
-            <a:endParaRPr lang="ru-RU"/>
-          </a:p>
-        </p:txBody>
-      </p:sp>
-      <p:sp>
-        <p:nvSpPr>
-          <p:cNvPr id="15" name="Прямоугольник 14">
-            <a:extLst>
-              <a:ext uri="{FF2B5EF4-FFF2-40B4-BE49-F238E27FC236}">
-                <a16:creationId xmlns:a16="http://schemas.microsoft.com/office/drawing/2014/main" id="{2EF07FE4-D37C-47BB-A72B-8924338F547E}"/>
-              </a:ext>
-            </a:extLst>
-          </p:cNvPr>
-          <p:cNvSpPr/>
-          <p:nvPr/>
-        </p:nvSpPr>
-        <p:spPr>
-          <a:xfrm>
-            <a:off x="8532057" y="5672288"/>
-            <a:ext cx="2250000" cy="183356"/>
-          </a:xfrm>
-          <a:prstGeom prst="rect">
-            <a:avLst/>
-          </a:prstGeom>
-          <a:solidFill>
-            <a:schemeClr val="accent6"/>
-          </a:solidFill>
-          <a:ln>
-            <a:noFill/>
-          </a:ln>
-          <a:effectLst>
-            <a:outerShdw blurRad="241300" sx="102000" sy="102000" algn="ctr" rotWithShape="0">
-              <a:prstClr val="black">
-                <a:alpha val="40000"/>
-              </a:prstClr>
-            </a:outerShdw>
-          </a:effectLst>
-        </p:spPr>
-        <p:style>
-          <a:lnRef idx="2">
-            <a:schemeClr val="accent1">
-              <a:shade val="50000"/>
-            </a:schemeClr>
-          </a:lnRef>
-          <a:fillRef idx="1">
-            <a:schemeClr val="accent1"/>
-          </a:fillRef>
-          <a:effectRef idx="0">
-            <a:schemeClr val="accent1"/>
-          </a:effectRef>
-          <a:fontRef idx="minor">
-            <a:schemeClr val="lt1"/>
-          </a:fontRef>
-        </p:style>
-        <p:txBody>
-          <a:bodyPr rtlCol="0" anchor="ctr"/>
-          <a:lstStyle/>
-          <a:p>
-            <a:pPr algn="ctr"/>
-            <a:endParaRPr lang="ru-RU"/>
-          </a:p>
-        </p:txBody>
-      </p:sp>
-      <p:pic>
-        <p:nvPicPr>
-          <p:cNvPr id="16" name="Рисунок 15">
-            <a:extLst>
-              <a:ext uri="{FF2B5EF4-FFF2-40B4-BE49-F238E27FC236}">
-                <a16:creationId xmlns:a16="http://schemas.microsoft.com/office/drawing/2014/main" id="{BED7D96B-086A-4FA2-913A-A2A67955B30A}"/>
-              </a:ext>
-            </a:extLst>
-          </p:cNvPr>
-          <p:cNvPicPr>
-            <a:picLocks noChangeAspect="1"/>
-          </p:cNvPicPr>
-          <p:nvPr/>
-        </p:nvPicPr>
-        <p:blipFill>
-          <a:blip r:embed="rId2" cstate="screen">
-            <a:extLst>
-              <a:ext uri="{28A0092B-C50C-407E-A947-70E740481C1C}">
-                <a14:useLocalDpi xmlns:a14="http://schemas.microsoft.com/office/drawing/2010/main"/>
-              </a:ext>
-              <a:ext uri="{96DAC541-7B7A-43D3-8B79-37D633B846F1}">
-                <asvg:svgBlip xmlns:asvg="http://schemas.microsoft.com/office/drawing/2016/SVG/main" r:embed="rId3"/>
-              </a:ext>
-            </a:extLst>
-          </a:blip>
-          <a:stretch>
-            <a:fillRect/>
-          </a:stretch>
-        </p:blipFill>
-        <p:spPr>
-          <a:xfrm>
-            <a:off x="2631000" y="3078418"/>
-            <a:ext cx="540000" cy="540000"/>
-          </a:xfrm>
-          <a:prstGeom prst="rect">
-            <a:avLst/>
-          </a:prstGeom>
-        </p:spPr>
-      </p:pic>
-      <p:pic>
-        <p:nvPicPr>
-          <p:cNvPr id="17" name="Рисунок 16">
-            <a:extLst>
-              <a:ext uri="{FF2B5EF4-FFF2-40B4-BE49-F238E27FC236}">
-                <a16:creationId xmlns:a16="http://schemas.microsoft.com/office/drawing/2014/main" id="{C0944F84-7CE7-4285-B556-C6BD480A6508}"/>
-              </a:ext>
-            </a:extLst>
-          </p:cNvPr>
-          <p:cNvPicPr>
-            <a:picLocks noChangeAspect="1"/>
-          </p:cNvPicPr>
-          <p:nvPr/>
-        </p:nvPicPr>
-        <p:blipFill>
-          <a:blip r:embed="rId4" cstate="screen">
-            <a:extLst>
-              <a:ext uri="{28A0092B-C50C-407E-A947-70E740481C1C}">
-                <a14:useLocalDpi xmlns:a14="http://schemas.microsoft.com/office/drawing/2010/main"/>
-              </a:ext>
-              <a:ext uri="{96DAC541-7B7A-43D3-8B79-37D633B846F1}">
-                <asvg:svgBlip xmlns:asvg="http://schemas.microsoft.com/office/drawing/2016/SVG/main" r:embed="rId5"/>
-              </a:ext>
-            </a:extLst>
-          </a:blip>
-          <a:stretch>
-            <a:fillRect/>
-          </a:stretch>
-        </p:blipFill>
-        <p:spPr>
-          <a:xfrm>
-            <a:off x="4876743" y="3078418"/>
-            <a:ext cx="540000" cy="540000"/>
-          </a:xfrm>
-          <a:prstGeom prst="rect">
-            <a:avLst/>
-          </a:prstGeom>
-        </p:spPr>
-      </p:pic>
-      <p:pic>
-        <p:nvPicPr>
-          <p:cNvPr id="18" name="Рисунок 17">
-            <a:extLst>
-              <a:ext uri="{FF2B5EF4-FFF2-40B4-BE49-F238E27FC236}">
-                <a16:creationId xmlns:a16="http://schemas.microsoft.com/office/drawing/2014/main" id="{36BE92C6-231B-4284-9F25-F909BDC7511B}"/>
-              </a:ext>
-            </a:extLst>
-          </p:cNvPr>
-          <p:cNvPicPr>
-            <a:picLocks noChangeAspect="1"/>
-          </p:cNvPicPr>
-          <p:nvPr/>
-        </p:nvPicPr>
-        <p:blipFill>
-          <a:blip r:embed="rId6" cstate="screen">
-            <a:extLst>
-              <a:ext uri="{28A0092B-C50C-407E-A947-70E740481C1C}">
-                <a14:useLocalDpi xmlns:a14="http://schemas.microsoft.com/office/drawing/2010/main"/>
-              </a:ext>
-              <a:ext uri="{96DAC541-7B7A-43D3-8B79-37D633B846F1}">
-                <asvg:svgBlip xmlns:asvg="http://schemas.microsoft.com/office/drawing/2016/SVG/main" r:embed="rId7"/>
-              </a:ext>
-            </a:extLst>
-          </a:blip>
-          <a:srcRect/>
-          <a:stretch/>
-        </p:blipFill>
-        <p:spPr>
-          <a:xfrm>
-            <a:off x="7126743" y="3078418"/>
-            <a:ext cx="540000" cy="540000"/>
-          </a:xfrm>
-          <a:prstGeom prst="rect">
-            <a:avLst/>
-          </a:prstGeom>
-        </p:spPr>
-      </p:pic>
-      <p:pic>
-        <p:nvPicPr>
-          <p:cNvPr id="19" name="Рисунок 18">
-            <a:extLst>
-              <a:ext uri="{FF2B5EF4-FFF2-40B4-BE49-F238E27FC236}">
-                <a16:creationId xmlns:a16="http://schemas.microsoft.com/office/drawing/2014/main" id="{B38AE8FC-346B-4B75-A7A1-7E658008582B}"/>
-              </a:ext>
-            </a:extLst>
-          </p:cNvPr>
-          <p:cNvPicPr>
-            <a:picLocks noChangeAspect="1"/>
-          </p:cNvPicPr>
-          <p:nvPr/>
-        </p:nvPicPr>
-        <p:blipFill>
-          <a:blip r:embed="rId8" cstate="screen">
-            <a:extLst>
-              <a:ext uri="{28A0092B-C50C-407E-A947-70E740481C1C}">
-                <a14:useLocalDpi xmlns:a14="http://schemas.microsoft.com/office/drawing/2010/main"/>
-              </a:ext>
-              <a:ext uri="{96DAC541-7B7A-43D3-8B79-37D633B846F1}">
-                <asvg:svgBlip xmlns:asvg="http://schemas.microsoft.com/office/drawing/2016/SVG/main" r:embed="rId9"/>
-              </a:ext>
-            </a:extLst>
-          </a:blip>
-          <a:srcRect/>
-          <a:stretch/>
-        </p:blipFill>
-        <p:spPr>
-          <a:xfrm>
-            <a:off x="9376514" y="3078418"/>
-            <a:ext cx="540000" cy="540000"/>
-          </a:xfrm>
-          <a:prstGeom prst="rect">
-            <a:avLst/>
-          </a:prstGeom>
-        </p:spPr>
-      </p:pic>
-      <p:sp>
-        <p:nvSpPr>
-          <p:cNvPr id="20" name="TextBox 19">
-            <a:extLst>
-              <a:ext uri="{FF2B5EF4-FFF2-40B4-BE49-F238E27FC236}">
-                <a16:creationId xmlns:a16="http://schemas.microsoft.com/office/drawing/2014/main" id="{B868C9FC-A7FD-4D1F-9E89-B42634FAEE3F}"/>
-              </a:ext>
-            </a:extLst>
-          </p:cNvPr>
-          <p:cNvSpPr txBox="1"/>
-          <p:nvPr/>
-        </p:nvSpPr>
-        <p:spPr>
-          <a:xfrm>
-            <a:off x="2583041" y="2123359"/>
-            <a:ext cx="755335" cy="769441"/>
-          </a:xfrm>
-          <a:prstGeom prst="rect">
-            <a:avLst/>
-          </a:prstGeom>
-          <a:noFill/>
-        </p:spPr>
-        <p:txBody>
-          <a:bodyPr wrap="none" rtlCol="0">
-            <a:spAutoFit/>
-          </a:bodyPr>
-          <a:lstStyle/>
-          <a:p>
-            <a:pPr algn="ctr"/>
-            <a:r>
-              <a:rPr lang="ru-RU" sz="4400" b="1" dirty="0">
-                <a:solidFill>
-                  <a:schemeClr val="bg1"/>
-                </a:solidFill>
-              </a:rPr>
-              <a:t>01</a:t>
-            </a:r>
-          </a:p>
-        </p:txBody>
-      </p:sp>
-      <p:sp>
-        <p:nvSpPr>
-          <p:cNvPr id="21" name="TextBox 20">
-            <a:extLst>
-              <a:ext uri="{FF2B5EF4-FFF2-40B4-BE49-F238E27FC236}">
-                <a16:creationId xmlns:a16="http://schemas.microsoft.com/office/drawing/2014/main" id="{59CA693B-8555-4836-847F-2FB3CB1964A8}"/>
-              </a:ext>
-            </a:extLst>
-          </p:cNvPr>
-          <p:cNvSpPr txBox="1"/>
-          <p:nvPr/>
-        </p:nvSpPr>
-        <p:spPr>
-          <a:xfrm>
-            <a:off x="4836884" y="2139432"/>
-            <a:ext cx="755335" cy="769441"/>
-          </a:xfrm>
-          <a:prstGeom prst="rect">
-            <a:avLst/>
-          </a:prstGeom>
-          <a:noFill/>
-        </p:spPr>
-        <p:txBody>
-          <a:bodyPr wrap="none" rtlCol="0">
-            <a:spAutoFit/>
-          </a:bodyPr>
-          <a:lstStyle/>
-          <a:p>
-            <a:pPr algn="ctr"/>
-            <a:r>
-              <a:rPr lang="ru-RU" sz="4400" b="1" dirty="0">
-                <a:solidFill>
-                  <a:schemeClr val="bg1"/>
-                </a:solidFill>
-              </a:rPr>
-              <a:t>02</a:t>
-            </a:r>
-          </a:p>
-        </p:txBody>
-      </p:sp>
-      <p:sp>
-        <p:nvSpPr>
-          <p:cNvPr id="22" name="TextBox 21">
-            <a:extLst>
-              <a:ext uri="{FF2B5EF4-FFF2-40B4-BE49-F238E27FC236}">
-                <a16:creationId xmlns:a16="http://schemas.microsoft.com/office/drawing/2014/main" id="{BA7A015A-A44A-4B76-855A-1FE204F281E8}"/>
-              </a:ext>
-            </a:extLst>
-          </p:cNvPr>
-          <p:cNvSpPr txBox="1"/>
-          <p:nvPr/>
-        </p:nvSpPr>
-        <p:spPr>
-          <a:xfrm>
-            <a:off x="7028026" y="2139432"/>
-            <a:ext cx="755335" cy="769441"/>
-          </a:xfrm>
-          <a:prstGeom prst="rect">
-            <a:avLst/>
-          </a:prstGeom>
-          <a:noFill/>
-        </p:spPr>
-        <p:txBody>
-          <a:bodyPr wrap="none" rtlCol="0">
-            <a:spAutoFit/>
-          </a:bodyPr>
-          <a:lstStyle/>
-          <a:p>
-            <a:pPr algn="ctr"/>
-            <a:r>
-              <a:rPr lang="ru-RU" sz="4400" b="1" dirty="0">
-                <a:solidFill>
-                  <a:schemeClr val="bg1"/>
-                </a:solidFill>
-              </a:rPr>
-              <a:t>03</a:t>
-            </a:r>
-          </a:p>
-        </p:txBody>
-      </p:sp>
-      <p:sp>
-        <p:nvSpPr>
-          <p:cNvPr id="23" name="TextBox 22">
-            <a:extLst>
-              <a:ext uri="{FF2B5EF4-FFF2-40B4-BE49-F238E27FC236}">
-                <a16:creationId xmlns:a16="http://schemas.microsoft.com/office/drawing/2014/main" id="{97D7C437-E284-46C9-8883-8C7C3C9A0EBF}"/>
-              </a:ext>
-            </a:extLst>
-          </p:cNvPr>
-          <p:cNvSpPr txBox="1"/>
-          <p:nvPr/>
-        </p:nvSpPr>
-        <p:spPr>
-          <a:xfrm>
-            <a:off x="9264301" y="2139432"/>
-            <a:ext cx="755335" cy="769441"/>
-          </a:xfrm>
-          <a:prstGeom prst="rect">
-            <a:avLst/>
-          </a:prstGeom>
-          <a:noFill/>
-        </p:spPr>
-        <p:txBody>
-          <a:bodyPr wrap="none" rtlCol="0">
-            <a:spAutoFit/>
-          </a:bodyPr>
-          <a:lstStyle/>
-          <a:p>
-            <a:pPr algn="ctr"/>
-            <a:r>
-              <a:rPr lang="ru-RU" sz="4400" b="1" dirty="0">
-                <a:solidFill>
-                  <a:schemeClr val="bg1"/>
-                </a:solidFill>
-              </a:rPr>
-              <a:t>04</a:t>
-            </a:r>
-          </a:p>
-        </p:txBody>
-      </p:sp>
-      <p:sp>
-        <p:nvSpPr>
-          <p:cNvPr id="24" name="TextBox 23">
-            <a:extLst>
-              <a:ext uri="{FF2B5EF4-FFF2-40B4-BE49-F238E27FC236}">
-                <a16:creationId xmlns:a16="http://schemas.microsoft.com/office/drawing/2014/main" id="{F6DA1C8E-B0C7-4AD3-8FF8-48856A28757F}"/>
-              </a:ext>
-            </a:extLst>
-          </p:cNvPr>
-          <p:cNvSpPr txBox="1"/>
-          <p:nvPr/>
-        </p:nvSpPr>
-        <p:spPr>
-          <a:xfrm>
-            <a:off x="1909192" y="3818978"/>
-            <a:ext cx="1936808" cy="461665"/>
-          </a:xfrm>
-          <a:prstGeom prst="rect">
-            <a:avLst/>
-          </a:prstGeom>
-          <a:noFill/>
-        </p:spPr>
-        <p:txBody>
-          <a:bodyPr wrap="square" rtlCol="0">
-            <a:spAutoFit/>
-          </a:bodyPr>
-          <a:lstStyle/>
-          <a:p>
-            <a:pPr algn="ctr"/>
-            <a:r>
-              <a:rPr lang="en-US" sz="2400" b="1" dirty="0">
-                <a:solidFill>
-                  <a:schemeClr val="accent1"/>
-                </a:solidFill>
-              </a:rPr>
-              <a:t>Lorem ipsum</a:t>
-            </a:r>
-            <a:endParaRPr lang="ru-RU" sz="2400" b="1" dirty="0">
-              <a:solidFill>
-                <a:schemeClr val="accent1"/>
-              </a:solidFill>
-            </a:endParaRPr>
-          </a:p>
-        </p:txBody>
-      </p:sp>
-      <p:sp>
-        <p:nvSpPr>
-          <p:cNvPr id="25" name="TextBox 24">
-            <a:extLst>
-              <a:ext uri="{FF2B5EF4-FFF2-40B4-BE49-F238E27FC236}">
-                <a16:creationId xmlns:a16="http://schemas.microsoft.com/office/drawing/2014/main" id="{C31F6E92-4BDE-4260-B1D6-EE7B140EF806}"/>
-              </a:ext>
-            </a:extLst>
-          </p:cNvPr>
-          <p:cNvSpPr txBox="1"/>
-          <p:nvPr/>
-        </p:nvSpPr>
-        <p:spPr>
-          <a:xfrm>
-            <a:off x="1931372" y="4397032"/>
-            <a:ext cx="1939257" cy="954107"/>
-          </a:xfrm>
-          <a:prstGeom prst="rect">
-            <a:avLst/>
-          </a:prstGeom>
-          <a:noFill/>
-        </p:spPr>
-        <p:txBody>
-          <a:bodyPr wrap="square" rtlCol="0">
-            <a:spAutoFit/>
-          </a:bodyPr>
-          <a:lstStyle/>
-          <a:p>
-            <a:pPr algn="ctr"/>
-            <a:r>
-              <a:rPr lang="en-US" sz="1400" dirty="0"/>
-              <a:t>Lorem ipsum dolor sit </a:t>
-            </a:r>
-            <a:r>
-              <a:rPr lang="en-US" sz="1400" dirty="0" err="1"/>
-              <a:t>amet</a:t>
-            </a:r>
-            <a:r>
-              <a:rPr lang="en-US" sz="1400" dirty="0"/>
-              <a:t>, </a:t>
-            </a:r>
-            <a:r>
-              <a:rPr lang="en-US" sz="1400" dirty="0" err="1"/>
-              <a:t>consectetur</a:t>
-            </a:r>
-            <a:r>
-              <a:rPr lang="en-US" sz="1400" dirty="0"/>
-              <a:t> </a:t>
-            </a:r>
-            <a:r>
-              <a:rPr lang="en-US" sz="1400" dirty="0" err="1"/>
-              <a:t>adipiscing</a:t>
-            </a:r>
-            <a:r>
-              <a:rPr lang="en-US" sz="1400" dirty="0"/>
-              <a:t> </a:t>
-            </a:r>
-            <a:r>
-              <a:rPr lang="en-US" sz="1400" dirty="0" err="1"/>
-              <a:t>elit</a:t>
-            </a:r>
-            <a:r>
-              <a:rPr lang="en-US" sz="1400" dirty="0"/>
-              <a:t>, sed do </a:t>
-            </a:r>
-            <a:r>
-              <a:rPr lang="en-US" sz="1400" dirty="0" err="1"/>
-              <a:t>eiusmod</a:t>
-            </a:r>
-            <a:r>
-              <a:rPr lang="en-US" sz="1400" dirty="0"/>
-              <a:t> </a:t>
-            </a:r>
-            <a:r>
-              <a:rPr lang="en-US" sz="1400" dirty="0" err="1"/>
-              <a:t>tempor</a:t>
-            </a:r>
-            <a:r>
-              <a:rPr lang="en-US" sz="1400" dirty="0"/>
-              <a:t>. </a:t>
-            </a:r>
-          </a:p>
-        </p:txBody>
-      </p:sp>
-      <p:sp>
-        <p:nvSpPr>
-          <p:cNvPr id="26" name="TextBox 25">
-            <a:extLst>
-              <a:ext uri="{FF2B5EF4-FFF2-40B4-BE49-F238E27FC236}">
-                <a16:creationId xmlns:a16="http://schemas.microsoft.com/office/drawing/2014/main" id="{04181017-442A-4EA5-A76E-1658B189A28F}"/>
-              </a:ext>
-            </a:extLst>
-          </p:cNvPr>
-          <p:cNvSpPr txBox="1"/>
-          <p:nvPr/>
-        </p:nvSpPr>
-        <p:spPr>
-          <a:xfrm>
-            <a:off x="4183820" y="3815492"/>
-            <a:ext cx="1936808" cy="461665"/>
-          </a:xfrm>
-          <a:prstGeom prst="rect">
-            <a:avLst/>
-          </a:prstGeom>
-          <a:noFill/>
-        </p:spPr>
-        <p:txBody>
-          <a:bodyPr wrap="square" rtlCol="0">
-            <a:spAutoFit/>
-          </a:bodyPr>
-          <a:lstStyle/>
-          <a:p>
-            <a:pPr algn="ctr"/>
-            <a:r>
-              <a:rPr lang="en-US" sz="2400" b="1" dirty="0">
-                <a:solidFill>
-                  <a:schemeClr val="accent2"/>
-                </a:solidFill>
-              </a:rPr>
-              <a:t>Lorem ipsum</a:t>
-            </a:r>
-            <a:endParaRPr lang="ru-RU" sz="2400" b="1" dirty="0">
-              <a:solidFill>
-                <a:schemeClr val="accent2"/>
-              </a:solidFill>
-            </a:endParaRPr>
-          </a:p>
-        </p:txBody>
-      </p:sp>
-      <p:sp>
-        <p:nvSpPr>
-          <p:cNvPr id="27" name="TextBox 26">
-            <a:extLst>
-              <a:ext uri="{FF2B5EF4-FFF2-40B4-BE49-F238E27FC236}">
-                <a16:creationId xmlns:a16="http://schemas.microsoft.com/office/drawing/2014/main" id="{93BB918C-C6BD-4944-A60F-D8AA452E0BAC}"/>
-              </a:ext>
-            </a:extLst>
-          </p:cNvPr>
-          <p:cNvSpPr txBox="1"/>
-          <p:nvPr/>
-        </p:nvSpPr>
-        <p:spPr>
-          <a:xfrm>
-            <a:off x="4206000" y="4393546"/>
-            <a:ext cx="1939257" cy="954107"/>
-          </a:xfrm>
-          <a:prstGeom prst="rect">
-            <a:avLst/>
-          </a:prstGeom>
-          <a:noFill/>
-        </p:spPr>
-        <p:txBody>
-          <a:bodyPr wrap="square" rtlCol="0">
-            <a:spAutoFit/>
-          </a:bodyPr>
-          <a:lstStyle/>
-          <a:p>
-            <a:pPr algn="ctr"/>
-            <a:r>
-              <a:rPr lang="en-US" sz="1400" dirty="0"/>
-              <a:t>Lorem ipsum dolor sit </a:t>
-            </a:r>
-            <a:r>
-              <a:rPr lang="en-US" sz="1400" dirty="0" err="1"/>
-              <a:t>amet</a:t>
-            </a:r>
-            <a:r>
-              <a:rPr lang="en-US" sz="1400" dirty="0"/>
-              <a:t>, </a:t>
-            </a:r>
-            <a:r>
-              <a:rPr lang="en-US" sz="1400" dirty="0" err="1"/>
-              <a:t>consectetur</a:t>
-            </a:r>
-            <a:r>
-              <a:rPr lang="en-US" sz="1400" dirty="0"/>
-              <a:t> </a:t>
-            </a:r>
-            <a:r>
-              <a:rPr lang="en-US" sz="1400" dirty="0" err="1"/>
-              <a:t>adipiscing</a:t>
-            </a:r>
-            <a:r>
-              <a:rPr lang="en-US" sz="1400" dirty="0"/>
-              <a:t> </a:t>
-            </a:r>
-            <a:r>
-              <a:rPr lang="en-US" sz="1400" dirty="0" err="1"/>
-              <a:t>elit</a:t>
-            </a:r>
-            <a:r>
-              <a:rPr lang="en-US" sz="1400" dirty="0"/>
-              <a:t>, sed do </a:t>
-            </a:r>
-            <a:r>
-              <a:rPr lang="en-US" sz="1400" dirty="0" err="1"/>
-              <a:t>eiusmod</a:t>
-            </a:r>
-            <a:r>
-              <a:rPr lang="en-US" sz="1400" dirty="0"/>
-              <a:t> </a:t>
-            </a:r>
-            <a:r>
-              <a:rPr lang="en-US" sz="1400" dirty="0" err="1"/>
-              <a:t>tempor</a:t>
-            </a:r>
-            <a:r>
-              <a:rPr lang="en-US" sz="1400" dirty="0"/>
-              <a:t>. </a:t>
-            </a:r>
-          </a:p>
-        </p:txBody>
-      </p:sp>
-      <p:sp>
-        <p:nvSpPr>
-          <p:cNvPr id="28" name="TextBox 27">
-            <a:extLst>
-              <a:ext uri="{FF2B5EF4-FFF2-40B4-BE49-F238E27FC236}">
-                <a16:creationId xmlns:a16="http://schemas.microsoft.com/office/drawing/2014/main" id="{3F4FB1E2-71CA-4285-99AB-63649D92FBE1}"/>
-              </a:ext>
-            </a:extLst>
-          </p:cNvPr>
-          <p:cNvSpPr txBox="1"/>
-          <p:nvPr/>
-        </p:nvSpPr>
-        <p:spPr>
-          <a:xfrm>
-            <a:off x="6409191" y="3815492"/>
-            <a:ext cx="1936808" cy="461665"/>
-          </a:xfrm>
-          <a:prstGeom prst="rect">
-            <a:avLst/>
-          </a:prstGeom>
-          <a:noFill/>
-        </p:spPr>
-        <p:txBody>
-          <a:bodyPr wrap="square" rtlCol="0">
-            <a:spAutoFit/>
-          </a:bodyPr>
-          <a:lstStyle/>
-          <a:p>
-            <a:pPr algn="ctr"/>
-            <a:r>
-              <a:rPr lang="en-US" sz="2400" b="1" dirty="0">
-                <a:solidFill>
-                  <a:schemeClr val="accent3"/>
-                </a:solidFill>
-              </a:rPr>
-              <a:t>Lorem ipsum</a:t>
-            </a:r>
-            <a:endParaRPr lang="ru-RU" sz="2400" b="1" dirty="0">
-              <a:solidFill>
-                <a:schemeClr val="accent3"/>
-              </a:solidFill>
-            </a:endParaRPr>
-          </a:p>
-        </p:txBody>
-      </p:sp>
-      <p:sp>
-        <p:nvSpPr>
-          <p:cNvPr id="29" name="TextBox 28">
-            <a:extLst>
-              <a:ext uri="{FF2B5EF4-FFF2-40B4-BE49-F238E27FC236}">
-                <a16:creationId xmlns:a16="http://schemas.microsoft.com/office/drawing/2014/main" id="{8180C934-C3BA-4FDE-8BBE-8EEB8E669B9B}"/>
-              </a:ext>
-            </a:extLst>
-          </p:cNvPr>
-          <p:cNvSpPr txBox="1"/>
-          <p:nvPr/>
-        </p:nvSpPr>
-        <p:spPr>
-          <a:xfrm>
-            <a:off x="6431371" y="4393546"/>
-            <a:ext cx="1939257" cy="954107"/>
-          </a:xfrm>
-          <a:prstGeom prst="rect">
-            <a:avLst/>
-          </a:prstGeom>
-          <a:noFill/>
-        </p:spPr>
-        <p:txBody>
-          <a:bodyPr wrap="square" rtlCol="0">
-            <a:spAutoFit/>
-          </a:bodyPr>
-          <a:lstStyle/>
-          <a:p>
-            <a:pPr algn="ctr"/>
-            <a:r>
-              <a:rPr lang="en-US" sz="1400" dirty="0"/>
-              <a:t>Lorem ipsum dolor sit </a:t>
-            </a:r>
-            <a:r>
-              <a:rPr lang="en-US" sz="1400" dirty="0" err="1"/>
-              <a:t>amet</a:t>
-            </a:r>
-            <a:r>
-              <a:rPr lang="en-US" sz="1400" dirty="0"/>
-              <a:t>, </a:t>
-            </a:r>
-            <a:r>
-              <a:rPr lang="en-US" sz="1400" dirty="0" err="1"/>
-              <a:t>consectetur</a:t>
-            </a:r>
-            <a:r>
-              <a:rPr lang="en-US" sz="1400" dirty="0"/>
-              <a:t> </a:t>
-            </a:r>
-            <a:r>
-              <a:rPr lang="en-US" sz="1400" dirty="0" err="1"/>
-              <a:t>adipiscing</a:t>
-            </a:r>
-            <a:r>
-              <a:rPr lang="en-US" sz="1400" dirty="0"/>
-              <a:t> </a:t>
-            </a:r>
-            <a:r>
-              <a:rPr lang="en-US" sz="1400" dirty="0" err="1"/>
-              <a:t>elit</a:t>
-            </a:r>
-            <a:r>
-              <a:rPr lang="en-US" sz="1400" dirty="0"/>
-              <a:t>, sed do </a:t>
-            </a:r>
-            <a:r>
-              <a:rPr lang="en-US" sz="1400" dirty="0" err="1"/>
-              <a:t>eiusmod</a:t>
-            </a:r>
-            <a:r>
-              <a:rPr lang="en-US" sz="1400" dirty="0"/>
-              <a:t> </a:t>
-            </a:r>
-            <a:r>
-              <a:rPr lang="en-US" sz="1400" dirty="0" err="1"/>
-              <a:t>tempor</a:t>
-            </a:r>
-            <a:r>
-              <a:rPr lang="en-US" sz="1400" dirty="0"/>
-              <a:t>. </a:t>
-            </a:r>
-          </a:p>
-        </p:txBody>
-      </p:sp>
-      <p:sp>
-        <p:nvSpPr>
-          <p:cNvPr id="30" name="TextBox 29">
-            <a:extLst>
-              <a:ext uri="{FF2B5EF4-FFF2-40B4-BE49-F238E27FC236}">
-                <a16:creationId xmlns:a16="http://schemas.microsoft.com/office/drawing/2014/main" id="{D574F04A-A36B-4AE8-AF3B-7EEC30B8174E}"/>
-              </a:ext>
-            </a:extLst>
-          </p:cNvPr>
-          <p:cNvSpPr txBox="1"/>
-          <p:nvPr/>
-        </p:nvSpPr>
-        <p:spPr>
-          <a:xfrm>
-            <a:off x="8637011" y="3812006"/>
-            <a:ext cx="1936808" cy="461665"/>
-          </a:xfrm>
-          <a:prstGeom prst="rect">
-            <a:avLst/>
-          </a:prstGeom>
-          <a:noFill/>
-        </p:spPr>
-        <p:txBody>
-          <a:bodyPr wrap="square" rtlCol="0">
-            <a:spAutoFit/>
-          </a:bodyPr>
-          <a:lstStyle/>
-          <a:p>
-            <a:pPr algn="ctr"/>
-            <a:r>
-              <a:rPr lang="en-US" sz="2400" b="1" dirty="0">
-                <a:solidFill>
-                  <a:schemeClr val="accent6"/>
-                </a:solidFill>
-              </a:rPr>
-              <a:t>Lorem ipsum</a:t>
-            </a:r>
-            <a:endParaRPr lang="ru-RU" sz="2400" b="1" dirty="0">
-              <a:solidFill>
-                <a:schemeClr val="accent6"/>
-              </a:solidFill>
-            </a:endParaRPr>
-          </a:p>
-        </p:txBody>
-      </p:sp>
-      <p:sp>
-        <p:nvSpPr>
-          <p:cNvPr id="31" name="TextBox 30">
-            <a:extLst>
-              <a:ext uri="{FF2B5EF4-FFF2-40B4-BE49-F238E27FC236}">
-                <a16:creationId xmlns:a16="http://schemas.microsoft.com/office/drawing/2014/main" id="{D6A1F4E3-5489-44E5-BCDF-5483E99BB2CE}"/>
-              </a:ext>
-            </a:extLst>
-          </p:cNvPr>
-          <p:cNvSpPr txBox="1"/>
-          <p:nvPr/>
-        </p:nvSpPr>
-        <p:spPr>
-          <a:xfrm>
-            <a:off x="8659191" y="4390060"/>
-            <a:ext cx="1939257" cy="954107"/>
-          </a:xfrm>
-          <a:prstGeom prst="rect">
-            <a:avLst/>
-          </a:prstGeom>
-          <a:noFill/>
-        </p:spPr>
-        <p:txBody>
-          <a:bodyPr wrap="square" rtlCol="0">
-            <a:spAutoFit/>
-          </a:bodyPr>
-          <a:lstStyle/>
-          <a:p>
-            <a:pPr algn="ctr"/>
-            <a:r>
-              <a:rPr lang="en-US" sz="1400" dirty="0"/>
-              <a:t>Lorem ipsum dolor sit </a:t>
-            </a:r>
-            <a:r>
-              <a:rPr lang="en-US" sz="1400" dirty="0" err="1"/>
-              <a:t>amet</a:t>
-            </a:r>
-            <a:r>
-              <a:rPr lang="en-US" sz="1400" dirty="0"/>
-              <a:t>, </a:t>
-            </a:r>
-            <a:r>
-              <a:rPr lang="en-US" sz="1400" dirty="0" err="1"/>
-              <a:t>consectetur</a:t>
-            </a:r>
-            <a:r>
-              <a:rPr lang="en-US" sz="1400" dirty="0"/>
-              <a:t> </a:t>
-            </a:r>
-            <a:r>
-              <a:rPr lang="en-US" sz="1400" dirty="0" err="1"/>
-              <a:t>adipiscing</a:t>
-            </a:r>
-            <a:r>
-              <a:rPr lang="en-US" sz="1400" dirty="0"/>
-              <a:t> </a:t>
-            </a:r>
-            <a:r>
-              <a:rPr lang="en-US" sz="1400" dirty="0" err="1"/>
-              <a:t>elit</a:t>
-            </a:r>
-            <a:r>
-              <a:rPr lang="en-US" sz="1400" dirty="0"/>
-              <a:t>, sed do </a:t>
-            </a:r>
-            <a:r>
-              <a:rPr lang="en-US" sz="1400" dirty="0" err="1"/>
-              <a:t>eiusmod</a:t>
-            </a:r>
-            <a:r>
-              <a:rPr lang="en-US" sz="1400" dirty="0"/>
-              <a:t> </a:t>
-            </a:r>
-            <a:r>
-              <a:rPr lang="en-US" sz="1400" dirty="0" err="1"/>
-              <a:t>tempor</a:t>
-            </a:r>
-            <a:r>
-              <a:rPr lang="en-US" sz="1400" dirty="0"/>
-              <a:t>. </a:t>
-            </a:r>
-          </a:p>
-        </p:txBody>
-      </p:sp>
-    </p:spTree>
-    <p:extLst>
-      <p:ext uri="{BB962C8B-B14F-4D97-AF65-F5344CB8AC3E}">
-        <p14:creationId xmlns:p14="http://schemas.microsoft.com/office/powerpoint/2010/main" val="1736559659"/>
-      </p:ext>
-    </p:extLst>
-  </p:cSld>
-  <p:clrMapOvr>
-    <a:masterClrMapping/>
-  </p:clrMapOvr>
-  <mc:AlternateContent xmlns:mc="http://schemas.openxmlformats.org/markup-compatibility/2006" xmlns:p14="http://schemas.microsoft.com/office/powerpoint/2010/main">
-    <mc:Choice Requires="p14">
-      <p:transition spd="med" p14:dur="700">
-        <p:fade/>
-      </p:transition>
-    </mc:Choice>
-    <mc:Fallback xmlns="">
-      <p:transition spd="med">
-        <p:fade/>
-      </p:transition>
-    </mc:Fallback>
-  </mc:AlternateContent>
-</p:sld>
-</file>
-
-<file path=ppt/slides/slide11.xml><?xml version="1.0" encoding="utf-8"?>
-<p:sld xmlns:a="http://schemas.openxmlformats.org/drawingml/2006/main" xmlns:r="http://schemas.openxmlformats.org/officeDocument/2006/relationships" xmlns:p="http://schemas.openxmlformats.org/presentationml/2006/main" show="0">
-  <p:cSld>
-    <p:spTree>
-      <p:nvGrpSpPr>
-        <p:cNvPr id="1" name=""/>
-        <p:cNvGrpSpPr/>
-        <p:nvPr/>
-      </p:nvGrpSpPr>
-      <p:grpSpPr>
-        <a:xfrm>
-          <a:off x="0" y="0"/>
-          <a:ext cx="0" cy="0"/>
-          <a:chOff x="0" y="0"/>
-          <a:chExt cx="0" cy="0"/>
-        </a:xfrm>
-      </p:grpSpPr>
-      <p:pic>
-        <p:nvPicPr>
-          <p:cNvPr id="11" name="Рисунок 10">
-            <a:extLst>
-              <a:ext uri="{FF2B5EF4-FFF2-40B4-BE49-F238E27FC236}">
-                <a16:creationId xmlns:a16="http://schemas.microsoft.com/office/drawing/2014/main" id="{5F14EF32-D2D1-409C-8266-4D2E5DBEC48A}"/>
-              </a:ext>
-            </a:extLst>
-          </p:cNvPr>
-          <p:cNvPicPr>
-            <a:picLocks noGrp="1" noChangeAspect="1"/>
-          </p:cNvPicPr>
-          <p:nvPr>
-            <p:ph type="pic" sz="quarter" idx="10"/>
-          </p:nvPr>
-        </p:nvPicPr>
-        <p:blipFill>
-          <a:blip r:embed="rId2" cstate="screen">
-            <a:extLst>
-              <a:ext uri="{28A0092B-C50C-407E-A947-70E740481C1C}">
-                <a14:useLocalDpi xmlns:a14="http://schemas.microsoft.com/office/drawing/2010/main"/>
-              </a:ext>
-            </a:extLst>
-          </a:blip>
-          <a:srcRect/>
-          <a:stretch>
-            <a:fillRect/>
-          </a:stretch>
-        </p:blipFill>
-        <p:spPr/>
-      </p:pic>
-      <p:sp>
-        <p:nvSpPr>
-          <p:cNvPr id="6" name="Заголовок 5">
-            <a:extLst>
-              <a:ext uri="{FF2B5EF4-FFF2-40B4-BE49-F238E27FC236}">
-                <a16:creationId xmlns:a16="http://schemas.microsoft.com/office/drawing/2014/main" id="{7194A4E3-5AD2-417E-8A8A-F82C06AC8403}"/>
-              </a:ext>
-            </a:extLst>
-          </p:cNvPr>
-          <p:cNvSpPr>
-            <a:spLocks noGrp="1"/>
-          </p:cNvSpPr>
-          <p:nvPr>
-            <p:ph type="title"/>
-          </p:nvPr>
-        </p:nvSpPr>
-        <p:spPr/>
-        <p:txBody>
-          <a:bodyPr/>
-          <a:lstStyle/>
-          <a:p>
-            <a:r>
-              <a:rPr lang="ru-RU" dirty="0"/>
-              <a:t>Вставьте </a:t>
-            </a:r>
-            <a:br>
-              <a:rPr lang="en-US" dirty="0"/>
-            </a:br>
-            <a:r>
-              <a:rPr lang="ru-RU" dirty="0">
-                <a:solidFill>
-                  <a:schemeClr val="accent3"/>
-                </a:solidFill>
-              </a:rPr>
-              <a:t>заголовок слайда</a:t>
-            </a:r>
-            <a:endParaRPr lang="ru-RU" dirty="0"/>
-          </a:p>
-        </p:txBody>
-      </p:sp>
-      <p:pic>
-        <p:nvPicPr>
-          <p:cNvPr id="13" name="Рисунок 12">
-            <a:extLst>
-              <a:ext uri="{FF2B5EF4-FFF2-40B4-BE49-F238E27FC236}">
-                <a16:creationId xmlns:a16="http://schemas.microsoft.com/office/drawing/2014/main" id="{36323D0A-2C6F-4789-8C7E-9C02284554A9}"/>
-              </a:ext>
-            </a:extLst>
-          </p:cNvPr>
-          <p:cNvPicPr>
-            <a:picLocks noGrp="1" noChangeAspect="1"/>
-          </p:cNvPicPr>
-          <p:nvPr>
-            <p:ph type="pic" sz="quarter" idx="12"/>
-          </p:nvPr>
-        </p:nvPicPr>
-        <p:blipFill>
-          <a:blip r:embed="rId3" cstate="screen">
-            <a:extLst>
-              <a:ext uri="{28A0092B-C50C-407E-A947-70E740481C1C}">
-                <a14:useLocalDpi xmlns:a14="http://schemas.microsoft.com/office/drawing/2010/main"/>
-              </a:ext>
-            </a:extLst>
-          </a:blip>
-          <a:srcRect/>
-          <a:stretch>
-            <a:fillRect/>
-          </a:stretch>
-        </p:blipFill>
-        <p:spPr/>
-      </p:pic>
-      <p:sp>
-        <p:nvSpPr>
-          <p:cNvPr id="14" name="Текст 11">
-            <a:extLst>
-              <a:ext uri="{FF2B5EF4-FFF2-40B4-BE49-F238E27FC236}">
-                <a16:creationId xmlns:a16="http://schemas.microsoft.com/office/drawing/2014/main" id="{CAE7D754-7D65-49B0-A3EE-82146EF43286}"/>
-              </a:ext>
-            </a:extLst>
-          </p:cNvPr>
-          <p:cNvSpPr>
-            <a:spLocks noGrp="1"/>
-          </p:cNvSpPr>
-          <p:nvPr>
-            <p:ph type="body" sz="quarter" idx="11"/>
-          </p:nvPr>
-        </p:nvSpPr>
-        <p:spPr>
-          <a:xfrm>
-            <a:off x="665163" y="2154238"/>
-            <a:ext cx="5186362" cy="4049712"/>
-          </a:xfrm>
-        </p:spPr>
-        <p:txBody>
-          <a:bodyPr>
-            <a:normAutofit/>
-          </a:bodyPr>
-          <a:lstStyle/>
-          <a:p>
-            <a:pPr marL="0" indent="0">
-              <a:buNone/>
-            </a:pPr>
-            <a:r>
-              <a:rPr lang="en-US" sz="1800" dirty="0">
-                <a:solidFill>
-                  <a:schemeClr val="accent1"/>
-                </a:solidFill>
-              </a:rPr>
-              <a:t>Lorem ipsum dolor sit </a:t>
-            </a:r>
-            <a:r>
-              <a:rPr lang="en-US" sz="1800" dirty="0" err="1">
-                <a:solidFill>
-                  <a:schemeClr val="accent1"/>
-                </a:solidFill>
-              </a:rPr>
-              <a:t>amet</a:t>
-            </a:r>
-            <a:r>
-              <a:rPr lang="en-US" sz="1800" dirty="0">
-                <a:solidFill>
-                  <a:schemeClr val="accent1"/>
-                </a:solidFill>
-              </a:rPr>
-              <a:t>, </a:t>
-            </a:r>
-            <a:r>
-              <a:rPr lang="en-US" sz="1800" dirty="0" err="1">
-                <a:solidFill>
-                  <a:schemeClr val="accent1"/>
-                </a:solidFill>
-              </a:rPr>
-              <a:t>consectetur</a:t>
-            </a:r>
-            <a:r>
-              <a:rPr lang="en-US" sz="1800" dirty="0">
-                <a:solidFill>
-                  <a:schemeClr val="accent1"/>
-                </a:solidFill>
-              </a:rPr>
-              <a:t> </a:t>
-            </a:r>
-            <a:r>
-              <a:rPr lang="en-US" sz="1800" dirty="0" err="1">
-                <a:solidFill>
-                  <a:schemeClr val="accent1"/>
-                </a:solidFill>
-              </a:rPr>
-              <a:t>adipiscing</a:t>
-            </a:r>
-            <a:r>
-              <a:rPr lang="en-US" sz="1800" dirty="0">
-                <a:solidFill>
-                  <a:schemeClr val="accent1"/>
-                </a:solidFill>
-              </a:rPr>
-              <a:t> </a:t>
-            </a:r>
-            <a:r>
-              <a:rPr lang="en-US" sz="1800" dirty="0" err="1">
-                <a:solidFill>
-                  <a:schemeClr val="accent1"/>
-                </a:solidFill>
-              </a:rPr>
-              <a:t>elit</a:t>
-            </a:r>
-            <a:r>
-              <a:rPr lang="en-US" sz="1800" dirty="0">
-                <a:solidFill>
-                  <a:schemeClr val="accent1"/>
-                </a:solidFill>
-              </a:rPr>
-              <a:t>, sed do </a:t>
-            </a:r>
-            <a:r>
-              <a:rPr lang="en-US" sz="1800" dirty="0" err="1">
-                <a:solidFill>
-                  <a:schemeClr val="accent1"/>
-                </a:solidFill>
-              </a:rPr>
-              <a:t>eiusmod</a:t>
-            </a:r>
-            <a:r>
-              <a:rPr lang="en-US" sz="1800" dirty="0">
-                <a:solidFill>
-                  <a:schemeClr val="accent1"/>
-                </a:solidFill>
-              </a:rPr>
-              <a:t> </a:t>
-            </a:r>
-            <a:r>
-              <a:rPr lang="en-US" sz="1800" dirty="0" err="1">
-                <a:solidFill>
-                  <a:schemeClr val="accent1"/>
-                </a:solidFill>
-              </a:rPr>
-              <a:t>tempor</a:t>
-            </a:r>
-            <a:r>
-              <a:rPr lang="en-US" sz="1800" dirty="0">
-                <a:solidFill>
-                  <a:schemeClr val="accent1"/>
-                </a:solidFill>
-              </a:rPr>
-              <a:t> </a:t>
-            </a:r>
-            <a:r>
-              <a:rPr lang="en-US" sz="1800" dirty="0" err="1">
-                <a:solidFill>
-                  <a:schemeClr val="accent1"/>
-                </a:solidFill>
-              </a:rPr>
-              <a:t>incididunt</a:t>
-            </a:r>
-            <a:r>
-              <a:rPr lang="en-US" sz="1800" dirty="0">
-                <a:solidFill>
-                  <a:schemeClr val="accent1"/>
-                </a:solidFill>
-              </a:rPr>
-              <a:t> </a:t>
-            </a:r>
-            <a:r>
-              <a:rPr lang="en-US" sz="1800" dirty="0" err="1">
-                <a:solidFill>
-                  <a:schemeClr val="accent1"/>
-                </a:solidFill>
-              </a:rPr>
-              <a:t>ut</a:t>
-            </a:r>
-            <a:r>
-              <a:rPr lang="en-US" sz="1800" dirty="0">
-                <a:solidFill>
-                  <a:schemeClr val="accent1"/>
-                </a:solidFill>
-              </a:rPr>
-              <a:t> </a:t>
-            </a:r>
-            <a:r>
-              <a:rPr lang="en-US" sz="1800" dirty="0" err="1">
-                <a:solidFill>
-                  <a:schemeClr val="accent1"/>
-                </a:solidFill>
-              </a:rPr>
-              <a:t>labore</a:t>
-            </a:r>
-            <a:r>
-              <a:rPr lang="en-US" sz="1800" dirty="0">
-                <a:solidFill>
-                  <a:schemeClr val="accent1"/>
-                </a:solidFill>
-              </a:rPr>
-              <a:t> et dolore magna </a:t>
-            </a:r>
-            <a:r>
-              <a:rPr lang="en-US" sz="1800" dirty="0" err="1">
-                <a:solidFill>
-                  <a:schemeClr val="accent1"/>
-                </a:solidFill>
-              </a:rPr>
-              <a:t>aliqua</a:t>
-            </a:r>
-            <a:r>
-              <a:rPr lang="en-US" sz="1800" dirty="0">
-                <a:solidFill>
-                  <a:schemeClr val="accent1"/>
-                </a:solidFill>
-              </a:rPr>
-              <a:t>. </a:t>
-            </a:r>
-          </a:p>
-          <a:p>
-            <a:pPr marL="0" indent="0">
-              <a:buNone/>
-            </a:pPr>
-            <a:r>
-              <a:rPr lang="en-US" sz="1800" dirty="0">
-                <a:solidFill>
-                  <a:schemeClr val="accent1"/>
-                </a:solidFill>
-              </a:rPr>
-              <a:t>Ut </a:t>
-            </a:r>
-            <a:r>
-              <a:rPr lang="en-US" sz="1800" dirty="0" err="1">
-                <a:solidFill>
-                  <a:schemeClr val="accent1"/>
-                </a:solidFill>
-              </a:rPr>
-              <a:t>enim</a:t>
-            </a:r>
-            <a:r>
-              <a:rPr lang="en-US" sz="1800" dirty="0">
-                <a:solidFill>
-                  <a:schemeClr val="accent1"/>
-                </a:solidFill>
-              </a:rPr>
-              <a:t> ad minim </a:t>
-            </a:r>
-            <a:r>
-              <a:rPr lang="en-US" sz="1800" dirty="0" err="1">
-                <a:solidFill>
-                  <a:schemeClr val="accent1"/>
-                </a:solidFill>
-              </a:rPr>
-              <a:t>veniam</a:t>
-            </a:r>
-            <a:r>
-              <a:rPr lang="en-US" sz="1800" dirty="0">
-                <a:solidFill>
-                  <a:schemeClr val="accent1"/>
-                </a:solidFill>
-              </a:rPr>
-              <a:t>, </a:t>
-            </a:r>
-            <a:r>
-              <a:rPr lang="en-US" sz="1800" dirty="0" err="1">
-                <a:solidFill>
-                  <a:schemeClr val="accent1"/>
-                </a:solidFill>
-              </a:rPr>
-              <a:t>quis</a:t>
-            </a:r>
-            <a:r>
-              <a:rPr lang="en-US" sz="1800" dirty="0">
-                <a:solidFill>
-                  <a:schemeClr val="accent1"/>
-                </a:solidFill>
-              </a:rPr>
-              <a:t> </a:t>
-            </a:r>
-            <a:r>
-              <a:rPr lang="en-US" sz="1800" dirty="0" err="1">
-                <a:solidFill>
-                  <a:schemeClr val="accent1"/>
-                </a:solidFill>
-              </a:rPr>
-              <a:t>nostrud</a:t>
-            </a:r>
-            <a:r>
-              <a:rPr lang="en-US" sz="1800" dirty="0">
-                <a:solidFill>
-                  <a:schemeClr val="accent1"/>
-                </a:solidFill>
-              </a:rPr>
-              <a:t> exercitation </a:t>
-            </a:r>
-            <a:r>
-              <a:rPr lang="en-US" sz="1800" dirty="0" err="1">
-                <a:solidFill>
-                  <a:schemeClr val="accent1"/>
-                </a:solidFill>
-              </a:rPr>
-              <a:t>ullamco</a:t>
-            </a:r>
-            <a:r>
-              <a:rPr lang="en-US" sz="1800" dirty="0">
-                <a:solidFill>
-                  <a:schemeClr val="accent1"/>
-                </a:solidFill>
-              </a:rPr>
-              <a:t> </a:t>
-            </a:r>
-            <a:r>
-              <a:rPr lang="en-US" sz="1800" dirty="0" err="1">
-                <a:solidFill>
-                  <a:schemeClr val="accent1"/>
-                </a:solidFill>
-              </a:rPr>
-              <a:t>laboris</a:t>
-            </a:r>
-            <a:r>
-              <a:rPr lang="en-US" sz="1800" dirty="0">
-                <a:solidFill>
-                  <a:schemeClr val="accent1"/>
-                </a:solidFill>
-              </a:rPr>
-              <a:t> nisi </a:t>
-            </a:r>
-            <a:r>
-              <a:rPr lang="en-US" sz="1800" dirty="0" err="1">
-                <a:solidFill>
-                  <a:schemeClr val="accent1"/>
-                </a:solidFill>
-              </a:rPr>
-              <a:t>ut</a:t>
-            </a:r>
-            <a:r>
-              <a:rPr lang="en-US" sz="1800" dirty="0">
-                <a:solidFill>
-                  <a:schemeClr val="accent1"/>
-                </a:solidFill>
-              </a:rPr>
-              <a:t> </a:t>
-            </a:r>
-            <a:r>
-              <a:rPr lang="en-US" sz="1800" dirty="0" err="1">
-                <a:solidFill>
-                  <a:schemeClr val="accent1"/>
-                </a:solidFill>
-              </a:rPr>
-              <a:t>aliquip</a:t>
-            </a:r>
-            <a:r>
-              <a:rPr lang="en-US" sz="1800" dirty="0">
-                <a:solidFill>
-                  <a:schemeClr val="accent1"/>
-                </a:solidFill>
-              </a:rPr>
-              <a:t> ex </a:t>
-            </a:r>
-            <a:r>
-              <a:rPr lang="en-US" sz="1800" dirty="0" err="1">
-                <a:solidFill>
-                  <a:schemeClr val="accent1"/>
-                </a:solidFill>
-              </a:rPr>
-              <a:t>ea</a:t>
-            </a:r>
-            <a:r>
-              <a:rPr lang="en-US" sz="1800" dirty="0">
-                <a:solidFill>
-                  <a:schemeClr val="accent1"/>
-                </a:solidFill>
-              </a:rPr>
-              <a:t> </a:t>
-            </a:r>
-            <a:r>
-              <a:rPr lang="en-US" sz="1800" dirty="0" err="1">
-                <a:solidFill>
-                  <a:schemeClr val="accent1"/>
-                </a:solidFill>
-              </a:rPr>
-              <a:t>commodo</a:t>
-            </a:r>
-            <a:r>
-              <a:rPr lang="en-US" sz="1800" dirty="0">
-                <a:solidFill>
-                  <a:schemeClr val="accent1"/>
-                </a:solidFill>
-              </a:rPr>
-              <a:t> </a:t>
-            </a:r>
-            <a:r>
-              <a:rPr lang="en-US" sz="1800" dirty="0" err="1">
-                <a:solidFill>
-                  <a:schemeClr val="accent1"/>
-                </a:solidFill>
-              </a:rPr>
-              <a:t>consequat</a:t>
-            </a:r>
-            <a:r>
-              <a:rPr lang="en-US" sz="1800" dirty="0">
-                <a:solidFill>
-                  <a:schemeClr val="accent1"/>
-                </a:solidFill>
-              </a:rPr>
-              <a:t>. </a:t>
-            </a:r>
-          </a:p>
-          <a:p>
-            <a:pPr marL="0" indent="0">
-              <a:buNone/>
-            </a:pPr>
-            <a:r>
-              <a:rPr lang="en-US" sz="1800" dirty="0"/>
-              <a:t>Lorem ipsum dolor sit </a:t>
-            </a:r>
-            <a:r>
-              <a:rPr lang="en-US" sz="1800" dirty="0" err="1"/>
-              <a:t>amet</a:t>
-            </a:r>
-            <a:r>
-              <a:rPr lang="en-US" sz="1800" dirty="0"/>
-              <a:t>, </a:t>
-            </a:r>
-            <a:r>
-              <a:rPr lang="en-US" sz="1800" dirty="0" err="1"/>
-              <a:t>consectetur</a:t>
-            </a:r>
-            <a:r>
-              <a:rPr lang="en-US" sz="1800" dirty="0"/>
-              <a:t> </a:t>
-            </a:r>
-            <a:r>
-              <a:rPr lang="en-US" sz="1800" dirty="0" err="1"/>
-              <a:t>adipiscing</a:t>
-            </a:r>
-            <a:r>
-              <a:rPr lang="en-US" sz="1800" dirty="0"/>
-              <a:t> </a:t>
-            </a:r>
-            <a:r>
-              <a:rPr lang="en-US" sz="1800" dirty="0" err="1"/>
-              <a:t>elit</a:t>
-            </a:r>
-            <a:r>
-              <a:rPr lang="en-US" sz="1800" dirty="0"/>
-              <a:t>, sed do </a:t>
-            </a:r>
-            <a:r>
-              <a:rPr lang="en-US" sz="1800" dirty="0" err="1"/>
-              <a:t>eiusmod</a:t>
-            </a:r>
-            <a:r>
-              <a:rPr lang="en-US" sz="1800" dirty="0"/>
-              <a:t> </a:t>
-            </a:r>
-            <a:r>
-              <a:rPr lang="en-US" sz="1800" dirty="0" err="1"/>
-              <a:t>tempor</a:t>
-            </a:r>
-            <a:r>
-              <a:rPr lang="en-US" sz="1800" dirty="0"/>
-              <a:t> </a:t>
-            </a:r>
-            <a:r>
-              <a:rPr lang="en-US" sz="1800" dirty="0" err="1"/>
-              <a:t>incididunt</a:t>
-            </a:r>
-            <a:r>
-              <a:rPr lang="en-US" sz="1800" dirty="0"/>
-              <a:t> </a:t>
-            </a:r>
-            <a:r>
-              <a:rPr lang="en-US" sz="1800" dirty="0" err="1"/>
-              <a:t>ut</a:t>
-            </a:r>
-            <a:r>
-              <a:rPr lang="en-US" sz="1800" dirty="0"/>
-              <a:t> </a:t>
-            </a:r>
-            <a:r>
-              <a:rPr lang="en-US" sz="1800" dirty="0" err="1"/>
-              <a:t>labore</a:t>
-            </a:r>
-            <a:r>
-              <a:rPr lang="en-US" sz="1800" dirty="0"/>
-              <a:t> et dolore magna </a:t>
-            </a:r>
-            <a:r>
-              <a:rPr lang="en-US" sz="1800" dirty="0" err="1"/>
-              <a:t>aliqua</a:t>
-            </a:r>
-            <a:r>
-              <a:rPr lang="en-US" sz="1800" dirty="0"/>
-              <a:t>. </a:t>
-            </a:r>
-          </a:p>
-          <a:p>
-            <a:pPr marL="0" indent="0">
-              <a:buNone/>
-            </a:pPr>
-            <a:r>
-              <a:rPr lang="en-US" sz="1800" dirty="0"/>
-              <a:t>Ut </a:t>
-            </a:r>
-            <a:r>
-              <a:rPr lang="en-US" sz="1800" dirty="0" err="1"/>
-              <a:t>enim</a:t>
-            </a:r>
-            <a:r>
-              <a:rPr lang="en-US" sz="1800" dirty="0"/>
-              <a:t> ad minim </a:t>
-            </a:r>
-            <a:r>
-              <a:rPr lang="en-US" sz="1800" dirty="0" err="1"/>
-              <a:t>veniam</a:t>
-            </a:r>
-            <a:r>
-              <a:rPr lang="en-US" sz="1800" dirty="0"/>
-              <a:t>, </a:t>
-            </a:r>
-            <a:r>
-              <a:rPr lang="en-US" sz="1800" dirty="0" err="1"/>
-              <a:t>quis</a:t>
-            </a:r>
-            <a:r>
-              <a:rPr lang="en-US" sz="1800" dirty="0"/>
-              <a:t> </a:t>
-            </a:r>
-            <a:r>
-              <a:rPr lang="en-US" sz="1800" dirty="0" err="1"/>
-              <a:t>nostrud</a:t>
-            </a:r>
-            <a:r>
-              <a:rPr lang="en-US" sz="1800" dirty="0"/>
-              <a:t> exercitation </a:t>
-            </a:r>
-            <a:r>
-              <a:rPr lang="en-US" sz="1800" dirty="0" err="1"/>
-              <a:t>ullamco</a:t>
-            </a:r>
-            <a:r>
-              <a:rPr lang="en-US" sz="1800" dirty="0"/>
-              <a:t> </a:t>
-            </a:r>
-            <a:r>
-              <a:rPr lang="en-US" sz="1800" dirty="0" err="1"/>
-              <a:t>laboris</a:t>
-            </a:r>
-            <a:r>
-              <a:rPr lang="en-US" sz="1800" dirty="0"/>
-              <a:t> nisi </a:t>
-            </a:r>
-            <a:r>
-              <a:rPr lang="en-US" sz="1800" dirty="0" err="1"/>
-              <a:t>ut</a:t>
-            </a:r>
-            <a:r>
-              <a:rPr lang="en-US" sz="1800" dirty="0"/>
-              <a:t> </a:t>
-            </a:r>
-            <a:r>
-              <a:rPr lang="en-US" sz="1800" dirty="0" err="1"/>
-              <a:t>aliquip</a:t>
-            </a:r>
-            <a:r>
-              <a:rPr lang="en-US" sz="1800" dirty="0"/>
-              <a:t> ex </a:t>
-            </a:r>
-            <a:r>
-              <a:rPr lang="en-US" sz="1800" dirty="0" err="1"/>
-              <a:t>ea</a:t>
-            </a:r>
-            <a:r>
-              <a:rPr lang="en-US" sz="1800" dirty="0"/>
-              <a:t> </a:t>
-            </a:r>
-            <a:r>
-              <a:rPr lang="en-US" sz="1800" dirty="0" err="1"/>
-              <a:t>commodo</a:t>
-            </a:r>
-            <a:r>
-              <a:rPr lang="en-US" sz="1800" dirty="0"/>
-              <a:t> </a:t>
-            </a:r>
-            <a:r>
-              <a:rPr lang="en-US" sz="1800" dirty="0" err="1"/>
-              <a:t>consequat</a:t>
-            </a:r>
-            <a:r>
-              <a:rPr lang="en-US" sz="1800" dirty="0"/>
-              <a:t>. </a:t>
-            </a:r>
-          </a:p>
-          <a:p>
-            <a:pPr marL="0" indent="0">
-              <a:buNone/>
-            </a:pPr>
-            <a:endParaRPr lang="en-US" sz="1800" dirty="0">
-              <a:solidFill>
-                <a:schemeClr val="accent1"/>
-              </a:solidFill>
-            </a:endParaRPr>
-          </a:p>
-        </p:txBody>
-      </p:sp>
-    </p:spTree>
-    <p:extLst>
-      <p:ext uri="{BB962C8B-B14F-4D97-AF65-F5344CB8AC3E}">
-        <p14:creationId xmlns:p14="http://schemas.microsoft.com/office/powerpoint/2010/main" val="2315706636"/>
-      </p:ext>
-    </p:extLst>
-  </p:cSld>
-  <p:clrMapOvr>
-    <a:masterClrMapping/>
-  </p:clrMapOvr>
-  <mc:AlternateContent xmlns:mc="http://schemas.openxmlformats.org/markup-compatibility/2006" xmlns:p14="http://schemas.microsoft.com/office/powerpoint/2010/main">
-    <mc:Choice Requires="p14">
-      <p:transition spd="med" p14:dur="700">
-        <p:fade/>
-      </p:transition>
-    </mc:Choice>
-    <mc:Fallback xmlns="">
-      <p:transition spd="med">
-        <p:fade/>
-      </p:transition>
-    </mc:Fallback>
-  </mc:AlternateContent>
-</p:sld>
-</file>
-
-<file path=ppt/slides/slide12.xml><?xml version="1.0" encoding="utf-8"?>
-<p:sld xmlns:a="http://schemas.openxmlformats.org/drawingml/2006/main" xmlns:r="http://schemas.openxmlformats.org/officeDocument/2006/relationships" xmlns:p="http://schemas.openxmlformats.org/presentationml/2006/main" show="0">
-  <p:cSld>
-    <p:spTree>
-      <p:nvGrpSpPr>
-        <p:cNvPr id="1" name=""/>
-        <p:cNvGrpSpPr/>
-        <p:nvPr/>
-      </p:nvGrpSpPr>
-      <p:grpSpPr>
-        <a:xfrm>
-          <a:off x="0" y="0"/>
-          <a:ext cx="0" cy="0"/>
-          <a:chOff x="0" y="0"/>
-          <a:chExt cx="0" cy="0"/>
-        </a:xfrm>
-      </p:grpSpPr>
-      <p:sp>
-        <p:nvSpPr>
-          <p:cNvPr id="4" name="Заголовок 3">
-            <a:extLst>
-              <a:ext uri="{FF2B5EF4-FFF2-40B4-BE49-F238E27FC236}">
-                <a16:creationId xmlns:a16="http://schemas.microsoft.com/office/drawing/2014/main" id="{12A1E4A6-7EB5-43F2-AECE-2CE164D79456}"/>
-              </a:ext>
-            </a:extLst>
-          </p:cNvPr>
-          <p:cNvSpPr>
-            <a:spLocks noGrp="1"/>
-          </p:cNvSpPr>
-          <p:nvPr>
-            <p:ph type="title"/>
-          </p:nvPr>
-        </p:nvSpPr>
-        <p:spPr/>
-        <p:txBody>
-          <a:bodyPr>
-            <a:normAutofit/>
-          </a:bodyPr>
-          <a:lstStyle/>
-          <a:p>
-            <a:r>
-              <a:rPr lang="ru-RU" sz="5400" dirty="0"/>
-              <a:t>РЕСУРСЫ</a:t>
-            </a:r>
-          </a:p>
-        </p:txBody>
-      </p:sp>
-      <p:sp>
-        <p:nvSpPr>
-          <p:cNvPr id="5" name="Объект 4">
-            <a:extLst>
-              <a:ext uri="{FF2B5EF4-FFF2-40B4-BE49-F238E27FC236}">
-                <a16:creationId xmlns:a16="http://schemas.microsoft.com/office/drawing/2014/main" id="{4E5203F6-9308-471D-930E-01AB4FE482F3}"/>
-              </a:ext>
-            </a:extLst>
-          </p:cNvPr>
-          <p:cNvSpPr>
-            <a:spLocks noGrp="1"/>
-          </p:cNvSpPr>
-          <p:nvPr>
-            <p:ph idx="1"/>
-          </p:nvPr>
-        </p:nvSpPr>
-        <p:spPr/>
-        <p:txBody>
-          <a:bodyPr/>
-          <a:lstStyle/>
-          <a:p>
-            <a:r>
-              <a:rPr lang="ru-RU" dirty="0"/>
-              <a:t>Бесплатные шаблоны с сайта </a:t>
-            </a:r>
-            <a:r>
-              <a:rPr lang="en-US" dirty="0">
-                <a:hlinkClick r:id="rId2"/>
-              </a:rPr>
-              <a:t>presentation-creation.ru</a:t>
-            </a:r>
-            <a:endParaRPr lang="ru-RU" dirty="0"/>
-          </a:p>
-          <a:p>
-            <a:r>
-              <a:rPr lang="en-US" dirty="0"/>
-              <a:t>Icons made by </a:t>
-            </a:r>
-            <a:r>
-              <a:rPr lang="en-US" dirty="0" err="1">
-                <a:hlinkClick r:id="rId3"/>
-              </a:rPr>
-              <a:t>Freepik</a:t>
-            </a:r>
-            <a:r>
-              <a:rPr lang="en-US" dirty="0"/>
-              <a:t> from </a:t>
-            </a:r>
-            <a:r>
-              <a:rPr lang="en-US" dirty="0">
-                <a:hlinkClick r:id="rId4"/>
-              </a:rPr>
-              <a:t>www.flaticon.com</a:t>
-            </a:r>
-            <a:endParaRPr lang="ru-RU" dirty="0"/>
-          </a:p>
-        </p:txBody>
-      </p:sp>
-    </p:spTree>
-    <p:extLst>
-      <p:ext uri="{BB962C8B-B14F-4D97-AF65-F5344CB8AC3E}">
-        <p14:creationId xmlns:p14="http://schemas.microsoft.com/office/powerpoint/2010/main" val="1682337959"/>
-      </p:ext>
-    </p:extLst>
-  </p:cSld>
-  <p:clrMapOvr>
-    <a:masterClrMapping/>
-  </p:clrMapOvr>
-  <mc:AlternateContent xmlns:mc="http://schemas.openxmlformats.org/markup-compatibility/2006" xmlns:p14="http://schemas.microsoft.com/office/powerpoint/2010/main">
-    <mc:Choice Requires="p14">
-      <p:transition spd="med" p14:dur="700">
-        <p:fade/>
-      </p:transition>
-    </mc:Choice>
-    <mc:Fallback xmlns="">
-      <p:transition spd="med">
-        <p:fade/>
-      </p:transition>
-    </mc:Fallback>
-  </mc:AlternateContent>
-</p:sld>
-</file>
-
 <file path=ppt/slides/slide2.xml><?xml version="1.0" encoding="utf-8"?>
 <p:sld xmlns:a="http://schemas.openxmlformats.org/drawingml/2006/main" xmlns:r="http://schemas.openxmlformats.org/officeDocument/2006/relationships" xmlns:p="http://schemas.openxmlformats.org/presentationml/2006/main">
   <p:cSld>
@@ -14573,7 +12103,7 @@
         </p:nvSpPr>
         <p:spPr>
           <a:xfrm>
-            <a:off x="4387467" y="5739251"/>
+            <a:off x="4387467" y="5668761"/>
             <a:ext cx="3732107" cy="523220"/>
           </a:xfrm>
           <a:prstGeom prst="rect">
@@ -15482,7 +13012,7 @@
           <p:nvPr/>
         </p:nvPicPr>
         <p:blipFill>
-          <a:blip r:embed="rId2">
+          <a:blip r:embed="rId3">
             <a:extLst>
               <a:ext uri="{28A0092B-C50C-407E-A947-70E740481C1C}">
                 <a14:useLocalDpi xmlns:a14="http://schemas.microsoft.com/office/drawing/2010/main" val="0"/>
@@ -15529,7 +13059,7 @@
           <p:nvPr/>
         </p:nvPicPr>
         <p:blipFill rotWithShape="1">
-          <a:blip r:embed="rId3">
+          <a:blip r:embed="rId4">
             <a:extLst>
               <a:ext uri="{28A0092B-C50C-407E-A947-70E740481C1C}">
                 <a14:useLocalDpi xmlns:a14="http://schemas.microsoft.com/office/drawing/2010/main" val="0"/>
@@ -15574,7 +13104,7 @@
           <p:nvPr/>
         </p:nvPicPr>
         <p:blipFill rotWithShape="1">
-          <a:blip r:embed="rId4">
+          <a:blip r:embed="rId5">
             <a:extLst>
               <a:ext uri="{28A0092B-C50C-407E-A947-70E740481C1C}">
                 <a14:useLocalDpi xmlns:a14="http://schemas.microsoft.com/office/drawing/2010/main" val="0"/>
@@ -15705,2845 +13235,6 @@
   <p:transition spd="slow">
     <p:push dir="u"/>
   </p:transition>
-</p:sld>
-</file>
-
-<file path=ppt/slides/slide7.xml><?xml version="1.0" encoding="utf-8"?>
-<p:sld xmlns:a="http://schemas.openxmlformats.org/drawingml/2006/main" xmlns:r="http://schemas.openxmlformats.org/officeDocument/2006/relationships" xmlns:p="http://schemas.openxmlformats.org/presentationml/2006/main" show="0">
-  <p:cSld>
-    <p:spTree>
-      <p:nvGrpSpPr>
-        <p:cNvPr id="1" name=""/>
-        <p:cNvGrpSpPr/>
-        <p:nvPr/>
-      </p:nvGrpSpPr>
-      <p:grpSpPr>
-        <a:xfrm>
-          <a:off x="0" y="0"/>
-          <a:ext cx="0" cy="0"/>
-          <a:chOff x="0" y="0"/>
-          <a:chExt cx="0" cy="0"/>
-        </a:xfrm>
-      </p:grpSpPr>
-      <p:sp>
-        <p:nvSpPr>
-          <p:cNvPr id="6" name="Заголовок 5">
-            <a:extLst>
-              <a:ext uri="{FF2B5EF4-FFF2-40B4-BE49-F238E27FC236}">
-                <a16:creationId xmlns:a16="http://schemas.microsoft.com/office/drawing/2014/main" id="{12084735-0FBD-40D7-8737-954EEEC2919D}"/>
-              </a:ext>
-            </a:extLst>
-          </p:cNvPr>
-          <p:cNvSpPr>
-            <a:spLocks noGrp="1"/>
-          </p:cNvSpPr>
-          <p:nvPr>
-            <p:ph type="title"/>
-          </p:nvPr>
-        </p:nvSpPr>
-        <p:spPr/>
-        <p:txBody>
-          <a:bodyPr/>
-          <a:lstStyle/>
-          <a:p>
-            <a:r>
-              <a:rPr lang="ru-RU" b="1" dirty="0"/>
-              <a:t>Решение</a:t>
-            </a:r>
-            <a:endParaRPr lang="ru-RU" dirty="0"/>
-          </a:p>
-        </p:txBody>
-      </p:sp>
-      <p:sp>
-        <p:nvSpPr>
-          <p:cNvPr id="13" name="Текст 12">
-            <a:extLst>
-              <a:ext uri="{FF2B5EF4-FFF2-40B4-BE49-F238E27FC236}">
-                <a16:creationId xmlns:a16="http://schemas.microsoft.com/office/drawing/2014/main" id="{352D1394-ECF3-4B9F-88E4-F7CF9D6B2706}"/>
-              </a:ext>
-            </a:extLst>
-          </p:cNvPr>
-          <p:cNvSpPr>
-            <a:spLocks noGrp="1"/>
-          </p:cNvSpPr>
-          <p:nvPr>
-            <p:ph type="body" sz="quarter" idx="19"/>
-          </p:nvPr>
-        </p:nvSpPr>
-        <p:spPr>
-          <a:xfrm>
-            <a:off x="425450" y="3244375"/>
-            <a:ext cx="5490614" cy="627062"/>
-          </a:xfrm>
-        </p:spPr>
-        <p:txBody>
-          <a:bodyPr>
-            <a:normAutofit/>
-          </a:bodyPr>
-          <a:lstStyle/>
-          <a:p>
-            <a:pPr algn="ctr"/>
-            <a:r>
-              <a:rPr lang="ru-RU" dirty="0"/>
-              <a:t>Пользовательский интерфейс</a:t>
-            </a:r>
-          </a:p>
-        </p:txBody>
-      </p:sp>
-      <p:pic>
-        <p:nvPicPr>
-          <p:cNvPr id="20" name="Рисунок 19">
-            <a:extLst>
-              <a:ext uri="{FF2B5EF4-FFF2-40B4-BE49-F238E27FC236}">
-                <a16:creationId xmlns:a16="http://schemas.microsoft.com/office/drawing/2014/main" id="{4122C245-D6FC-4EA2-973F-171E20E3F66B}"/>
-              </a:ext>
-            </a:extLst>
-          </p:cNvPr>
-          <p:cNvPicPr>
-            <a:picLocks noChangeAspect="1"/>
-          </p:cNvPicPr>
-          <p:nvPr/>
-        </p:nvPicPr>
-        <p:blipFill>
-          <a:blip r:embed="rId2"/>
-          <a:stretch>
-            <a:fillRect/>
-          </a:stretch>
-        </p:blipFill>
-        <p:spPr>
-          <a:xfrm>
-            <a:off x="6501000" y="241255"/>
-            <a:ext cx="4978069" cy="5968025"/>
-          </a:xfrm>
-          <a:prstGeom prst="rect">
-            <a:avLst/>
-          </a:prstGeom>
-        </p:spPr>
-      </p:pic>
-    </p:spTree>
-    <p:extLst>
-      <p:ext uri="{BB962C8B-B14F-4D97-AF65-F5344CB8AC3E}">
-        <p14:creationId xmlns:p14="http://schemas.microsoft.com/office/powerpoint/2010/main" val="4115958542"/>
-      </p:ext>
-    </p:extLst>
-  </p:cSld>
-  <p:clrMapOvr>
-    <a:masterClrMapping/>
-  </p:clrMapOvr>
-  <p:transition spd="slow">
-    <p:push dir="u"/>
-  </p:transition>
-</p:sld>
-</file>
-
-<file path=ppt/slides/slide8.xml><?xml version="1.0" encoding="utf-8"?>
-<p:sld xmlns:a="http://schemas.openxmlformats.org/drawingml/2006/main" xmlns:r="http://schemas.openxmlformats.org/officeDocument/2006/relationships" xmlns:p="http://schemas.openxmlformats.org/presentationml/2006/main" show="0">
-  <p:cSld>
-    <p:spTree>
-      <p:nvGrpSpPr>
-        <p:cNvPr id="1" name=""/>
-        <p:cNvGrpSpPr/>
-        <p:nvPr/>
-      </p:nvGrpSpPr>
-      <p:grpSpPr>
-        <a:xfrm>
-          <a:off x="0" y="0"/>
-          <a:ext cx="0" cy="0"/>
-          <a:chOff x="0" y="0"/>
-          <a:chExt cx="0" cy="0"/>
-        </a:xfrm>
-      </p:grpSpPr>
-      <p:pic>
-        <p:nvPicPr>
-          <p:cNvPr id="6148" name="Picture 4" descr="Researchers Have Successfully Tested a &amp;#39;Men in Black&amp;#39;-Style Memory Eraser">
-            <a:extLst>
-              <a:ext uri="{FF2B5EF4-FFF2-40B4-BE49-F238E27FC236}">
-                <a16:creationId xmlns:a16="http://schemas.microsoft.com/office/drawing/2014/main" id="{30DD10F6-28A3-40D4-B05D-809E651636E2}"/>
-              </a:ext>
-            </a:extLst>
-          </p:cNvPr>
-          <p:cNvPicPr>
-            <a:picLocks noChangeAspect="1" noChangeArrowheads="1"/>
-          </p:cNvPicPr>
-          <p:nvPr/>
-        </p:nvPicPr>
-        <p:blipFill>
-          <a:blip r:embed="rId2">
-            <a:extLst>
-              <a:ext uri="{28A0092B-C50C-407E-A947-70E740481C1C}">
-                <a14:useLocalDpi xmlns:a14="http://schemas.microsoft.com/office/drawing/2010/main" val="0"/>
-              </a:ext>
-            </a:extLst>
-          </a:blip>
-          <a:srcRect/>
-          <a:stretch>
-            <a:fillRect/>
-          </a:stretch>
-        </p:blipFill>
-        <p:spPr bwMode="auto">
-          <a:xfrm>
-            <a:off x="381000" y="428625"/>
-            <a:ext cx="11430000" cy="6000750"/>
-          </a:xfrm>
-          <a:prstGeom prst="rect">
-            <a:avLst/>
-          </a:prstGeom>
-          <a:noFill/>
-          <a:extLst>
-            <a:ext uri="{909E8E84-426E-40DD-AFC4-6F175D3DCCD1}">
-              <a14:hiddenFill xmlns:a14="http://schemas.microsoft.com/office/drawing/2010/main">
-                <a:solidFill>
-                  <a:srgbClr val="FFFFFF"/>
-                </a:solidFill>
-              </a14:hiddenFill>
-            </a:ext>
-          </a:extLst>
-        </p:spPr>
-      </p:pic>
-      <p:sp>
-        <p:nvSpPr>
-          <p:cNvPr id="5" name="Заголовок 9">
-            <a:extLst>
-              <a:ext uri="{FF2B5EF4-FFF2-40B4-BE49-F238E27FC236}">
-                <a16:creationId xmlns:a16="http://schemas.microsoft.com/office/drawing/2014/main" id="{E893E3A9-6396-47AA-8648-E22DFF86D681}"/>
-              </a:ext>
-            </a:extLst>
-          </p:cNvPr>
-          <p:cNvSpPr txBox="1">
-            <a:spLocks/>
-          </p:cNvSpPr>
-          <p:nvPr/>
-        </p:nvSpPr>
-        <p:spPr>
-          <a:xfrm>
-            <a:off x="6366000" y="2889000"/>
-            <a:ext cx="6300000" cy="1395000"/>
-          </a:xfrm>
-          <a:prstGeom prst="rect">
-            <a:avLst/>
-          </a:prstGeom>
-        </p:spPr>
-        <p:txBody>
-          <a:bodyPr/>
-          <a:lstStyle>
-            <a:lvl1pPr algn="l" defTabSz="914400" rtl="0" eaLnBrk="1" latinLnBrk="0" hangingPunct="1">
-              <a:lnSpc>
-                <a:spcPct val="90000"/>
-              </a:lnSpc>
-              <a:spcBef>
-                <a:spcPct val="0"/>
-              </a:spcBef>
-              <a:buNone/>
-              <a:defRPr sz="4400" kern="1200">
-                <a:solidFill>
-                  <a:schemeClr val="tx1"/>
-                </a:solidFill>
-                <a:latin typeface="+mj-lt"/>
-                <a:ea typeface="+mj-ea"/>
-                <a:cs typeface="+mj-cs"/>
-              </a:defRPr>
-            </a:lvl1pPr>
-          </a:lstStyle>
-          <a:p>
-            <a:pPr algn="ctr"/>
-            <a:r>
-              <a:rPr lang="ru-RU" b="1" dirty="0">
-                <a:solidFill>
-                  <a:schemeClr val="bg1"/>
-                </a:solidFill>
-              </a:rPr>
-              <a:t>СПАСИБО</a:t>
-            </a:r>
-          </a:p>
-          <a:p>
-            <a:pPr algn="ctr"/>
-            <a:r>
-              <a:rPr lang="ru-RU" b="1" dirty="0">
-                <a:solidFill>
-                  <a:schemeClr val="bg1"/>
-                </a:solidFill>
-              </a:rPr>
-              <a:t>ЗА ВНИМАНИЕ!</a:t>
-            </a:r>
-          </a:p>
-        </p:txBody>
-      </p:sp>
-      <p:sp>
-        <p:nvSpPr>
-          <p:cNvPr id="4" name="Прямоугольник 3">
-            <a:extLst>
-              <a:ext uri="{FF2B5EF4-FFF2-40B4-BE49-F238E27FC236}">
-                <a16:creationId xmlns:a16="http://schemas.microsoft.com/office/drawing/2014/main" id="{45EA4839-D613-4B7B-8844-9E0FF8856DB8}"/>
-              </a:ext>
-            </a:extLst>
-          </p:cNvPr>
-          <p:cNvSpPr/>
-          <p:nvPr/>
-        </p:nvSpPr>
-        <p:spPr>
-          <a:xfrm>
-            <a:off x="0" y="0"/>
-            <a:ext cx="12192000" cy="6858000"/>
-          </a:xfrm>
-          <a:prstGeom prst="rect">
-            <a:avLst/>
-          </a:prstGeom>
-          <a:solidFill>
-            <a:schemeClr val="bg1"/>
-          </a:solidFill>
-          <a:ln>
-            <a:noFill/>
-          </a:ln>
-        </p:spPr>
-        <p:style>
-          <a:lnRef idx="2">
-            <a:schemeClr val="accent1">
-              <a:shade val="50000"/>
-            </a:schemeClr>
-          </a:lnRef>
-          <a:fillRef idx="1">
-            <a:schemeClr val="accent1"/>
-          </a:fillRef>
-          <a:effectRef idx="0">
-            <a:schemeClr val="accent1"/>
-          </a:effectRef>
-          <a:fontRef idx="minor">
-            <a:schemeClr val="lt1"/>
-          </a:fontRef>
-        </p:style>
-        <p:txBody>
-          <a:bodyPr rtlCol="0" anchor="ctr"/>
-          <a:lstStyle/>
-          <a:p>
-            <a:pPr algn="ctr"/>
-            <a:endParaRPr lang="ru-RU"/>
-          </a:p>
-        </p:txBody>
-      </p:sp>
-    </p:spTree>
-    <p:extLst>
-      <p:ext uri="{BB962C8B-B14F-4D97-AF65-F5344CB8AC3E}">
-        <p14:creationId xmlns:p14="http://schemas.microsoft.com/office/powerpoint/2010/main" val="2510694948"/>
-      </p:ext>
-    </p:extLst>
-  </p:cSld>
-  <p:clrMapOvr>
-    <a:masterClrMapping/>
-  </p:clrMapOvr>
-  <mc:AlternateContent xmlns:mc="http://schemas.openxmlformats.org/markup-compatibility/2006" xmlns:p14="http://schemas.microsoft.com/office/powerpoint/2010/main">
-    <mc:Choice Requires="p14">
-      <p:transition spd="med" p14:dur="700">
-        <p:fade/>
-      </p:transition>
-    </mc:Choice>
-    <mc:Fallback xmlns="">
-      <p:transition spd="med">
-        <p:fade/>
-      </p:transition>
-    </mc:Fallback>
-  </mc:AlternateContent>
-  <p:timing>
-    <p:tnLst>
-      <p:par>
-        <p:cTn id="1" dur="indefinite" restart="never" nodeType="tmRoot">
-          <p:childTnLst>
-            <p:seq concurrent="1" nextAc="seek">
-              <p:cTn id="2" dur="indefinite" nodeType="mainSeq">
-                <p:childTnLst>
-                  <p:par>
-                    <p:cTn id="3" fill="hold">
-                      <p:stCondLst>
-                        <p:cond delay="indefinite"/>
-                        <p:cond evt="onBegin" delay="0">
-                          <p:tn val="2"/>
-                        </p:cond>
-                      </p:stCondLst>
-                      <p:childTnLst>
-                        <p:par>
-                          <p:cTn id="4" fill="hold">
-                            <p:stCondLst>
-                              <p:cond delay="0"/>
-                            </p:stCondLst>
-                            <p:childTnLst>
-                              <p:par>
-                                <p:cTn id="5" presetID="1" presetClass="entr" presetSubtype="0" fill="hold" grpId="0" nodeType="afterEffect">
-                                  <p:stCondLst>
-                                    <p:cond delay="1000"/>
-                                  </p:stCondLst>
-                                  <p:childTnLst>
-                                    <p:set>
-                                      <p:cBhvr>
-                                        <p:cTn id="6" dur="1" fill="hold">
-                                          <p:stCondLst>
-                                            <p:cond delay="499"/>
-                                          </p:stCondLst>
-                                        </p:cTn>
-                                        <p:tgtEl>
-                                          <p:spTgt spid="4"/>
-                                        </p:tgtEl>
-                                        <p:attrNameLst>
-                                          <p:attrName>style.visibility</p:attrName>
-                                        </p:attrNameLst>
-                                      </p:cBhvr>
-                                      <p:to>
-                                        <p:strVal val="visible"/>
-                                      </p:to>
-                                    </p:set>
-                                  </p:childTnLst>
-                                </p:cTn>
-                              </p:par>
-                            </p:childTnLst>
-                          </p:cTn>
-                        </p:par>
-                        <p:par>
-                          <p:cTn id="7" fill="hold">
-                            <p:stCondLst>
-                              <p:cond delay="1500"/>
-                            </p:stCondLst>
-                            <p:childTnLst>
-                              <p:par>
-                                <p:cTn id="8" presetID="1" presetClass="exit" presetSubtype="0" fill="hold" grpId="1" nodeType="afterEffect">
-                                  <p:stCondLst>
-                                    <p:cond delay="250"/>
-                                  </p:stCondLst>
-                                  <p:childTnLst>
-                                    <p:set>
-                                      <p:cBhvr>
-                                        <p:cTn id="9" dur="1" fill="hold">
-                                          <p:stCondLst>
-                                            <p:cond delay="0"/>
-                                          </p:stCondLst>
-                                        </p:cTn>
-                                        <p:tgtEl>
-                                          <p:spTgt spid="4"/>
-                                        </p:tgtEl>
-                                        <p:attrNameLst>
-                                          <p:attrName>style.visibility</p:attrName>
-                                        </p:attrNameLst>
-                                      </p:cBhvr>
-                                      <p:to>
-                                        <p:strVal val="hidden"/>
-                                      </p:to>
-                                    </p:set>
-                                  </p:childTnLst>
-                                </p:cTn>
-                              </p:par>
-                            </p:childTnLst>
-                          </p:cTn>
-                        </p:par>
-                      </p:childTnLst>
-                    </p:cTn>
-                  </p:par>
-                </p:childTnLst>
-              </p:cTn>
-              <p:prevCondLst>
-                <p:cond evt="onPrev" delay="0">
-                  <p:tgtEl>
-                    <p:sldTgt/>
-                  </p:tgtEl>
-                </p:cond>
-              </p:prevCondLst>
-              <p:nextCondLst>
-                <p:cond evt="onNext" delay="0">
-                  <p:tgtEl>
-                    <p:sldTgt/>
-                  </p:tgtEl>
-                </p:cond>
-              </p:nextCondLst>
-            </p:seq>
-          </p:childTnLst>
-        </p:cTn>
-      </p:par>
-    </p:tnLst>
-    <p:bldLst>
-      <p:bldP spid="4" grpId="0" animBg="1"/>
-      <p:bldP spid="4" grpId="1" animBg="1"/>
-    </p:bldLst>
-  </p:timing>
-</p:sld>
-</file>
-
-<file path=ppt/slides/slide9.xml><?xml version="1.0" encoding="utf-8"?>
-<p:sld xmlns:a="http://schemas.openxmlformats.org/drawingml/2006/main" xmlns:r="http://schemas.openxmlformats.org/officeDocument/2006/relationships" xmlns:p="http://schemas.openxmlformats.org/presentationml/2006/main" show="0">
-  <p:cSld>
-    <p:spTree>
-      <p:nvGrpSpPr>
-        <p:cNvPr id="1" name=""/>
-        <p:cNvGrpSpPr/>
-        <p:nvPr/>
-      </p:nvGrpSpPr>
-      <p:grpSpPr>
-        <a:xfrm>
-          <a:off x="0" y="0"/>
-          <a:ext cx="0" cy="0"/>
-          <a:chOff x="0" y="0"/>
-          <a:chExt cx="0" cy="0"/>
-        </a:xfrm>
-      </p:grpSpPr>
-      <p:sp>
-        <p:nvSpPr>
-          <p:cNvPr id="4" name="Заголовок 3">
-            <a:extLst>
-              <a:ext uri="{FF2B5EF4-FFF2-40B4-BE49-F238E27FC236}">
-                <a16:creationId xmlns:a16="http://schemas.microsoft.com/office/drawing/2014/main" id="{719296DE-E499-4BFB-9D6C-B12516A12004}"/>
-              </a:ext>
-            </a:extLst>
-          </p:cNvPr>
-          <p:cNvSpPr>
-            <a:spLocks noGrp="1"/>
-          </p:cNvSpPr>
-          <p:nvPr>
-            <p:ph type="title"/>
-          </p:nvPr>
-        </p:nvSpPr>
-        <p:spPr/>
-        <p:txBody>
-          <a:bodyPr/>
-          <a:lstStyle/>
-          <a:p>
-            <a:r>
-              <a:rPr lang="ru-RU" dirty="0"/>
-              <a:t>Вставьте </a:t>
-            </a:r>
-            <a:r>
-              <a:rPr lang="ru-RU" dirty="0">
-                <a:solidFill>
-                  <a:schemeClr val="accent3"/>
-                </a:solidFill>
-              </a:rPr>
-              <a:t>заголовок слайда</a:t>
-            </a:r>
-            <a:endParaRPr lang="ru-RU" dirty="0">
-              <a:solidFill>
-                <a:schemeClr val="accent5"/>
-              </a:solidFill>
-            </a:endParaRPr>
-          </a:p>
-        </p:txBody>
-      </p:sp>
-      <p:sp>
-        <p:nvSpPr>
-          <p:cNvPr id="6" name="Стрелка: вправо 5">
-            <a:extLst>
-              <a:ext uri="{FF2B5EF4-FFF2-40B4-BE49-F238E27FC236}">
-                <a16:creationId xmlns:a16="http://schemas.microsoft.com/office/drawing/2014/main" id="{36A185A8-DC91-4856-8667-DAB40D56ABA5}"/>
-              </a:ext>
-            </a:extLst>
-          </p:cNvPr>
-          <p:cNvSpPr/>
-          <p:nvPr/>
-        </p:nvSpPr>
-        <p:spPr>
-          <a:xfrm>
-            <a:off x="8301000" y="2574000"/>
-            <a:ext cx="2745000" cy="1485000"/>
-          </a:xfrm>
-          <a:prstGeom prst="rightArrow">
-            <a:avLst/>
-          </a:prstGeom>
-          <a:solidFill>
-            <a:schemeClr val="accent5"/>
-          </a:solidFill>
-          <a:ln>
-            <a:noFill/>
-          </a:ln>
-        </p:spPr>
-        <p:style>
-          <a:lnRef idx="2">
-            <a:schemeClr val="accent1">
-              <a:shade val="50000"/>
-            </a:schemeClr>
-          </a:lnRef>
-          <a:fillRef idx="1">
-            <a:schemeClr val="accent1"/>
-          </a:fillRef>
-          <a:effectRef idx="0">
-            <a:schemeClr val="accent1"/>
-          </a:effectRef>
-          <a:fontRef idx="minor">
-            <a:schemeClr val="lt1"/>
-          </a:fontRef>
-        </p:style>
-        <p:txBody>
-          <a:bodyPr rtlCol="0" anchor="ctr"/>
-          <a:lstStyle/>
-          <a:p>
-            <a:pPr algn="ctr"/>
-            <a:endParaRPr lang="ru-RU"/>
-          </a:p>
-        </p:txBody>
-      </p:sp>
-      <p:sp>
-        <p:nvSpPr>
-          <p:cNvPr id="7" name="Прямоугольник 6">
-            <a:extLst>
-              <a:ext uri="{FF2B5EF4-FFF2-40B4-BE49-F238E27FC236}">
-                <a16:creationId xmlns:a16="http://schemas.microsoft.com/office/drawing/2014/main" id="{CCB32D1A-C350-4449-B81A-F1886A7ED552}"/>
-              </a:ext>
-            </a:extLst>
-          </p:cNvPr>
-          <p:cNvSpPr/>
-          <p:nvPr/>
-        </p:nvSpPr>
-        <p:spPr>
-          <a:xfrm>
-            <a:off x="6616850" y="2945765"/>
-            <a:ext cx="1690500" cy="740410"/>
-          </a:xfrm>
-          <a:prstGeom prst="rect">
-            <a:avLst/>
-          </a:prstGeom>
-          <a:solidFill>
-            <a:schemeClr val="accent6"/>
-          </a:solidFill>
-          <a:ln>
-            <a:noFill/>
-          </a:ln>
-        </p:spPr>
-        <p:style>
-          <a:lnRef idx="2">
-            <a:schemeClr val="accent1">
-              <a:shade val="50000"/>
-            </a:schemeClr>
-          </a:lnRef>
-          <a:fillRef idx="1">
-            <a:schemeClr val="accent1"/>
-          </a:fillRef>
-          <a:effectRef idx="0">
-            <a:schemeClr val="accent1"/>
-          </a:effectRef>
-          <a:fontRef idx="minor">
-            <a:schemeClr val="lt1"/>
-          </a:fontRef>
-        </p:style>
-        <p:txBody>
-          <a:bodyPr rtlCol="0" anchor="ctr"/>
-          <a:lstStyle/>
-          <a:p>
-            <a:pPr algn="ctr"/>
-            <a:endParaRPr lang="ru-RU">
-              <a:solidFill>
-                <a:schemeClr val="accent6"/>
-              </a:solidFill>
-            </a:endParaRPr>
-          </a:p>
-        </p:txBody>
-      </p:sp>
-      <p:sp>
-        <p:nvSpPr>
-          <p:cNvPr id="11" name="Прямоугольник 10">
-            <a:extLst>
-              <a:ext uri="{FF2B5EF4-FFF2-40B4-BE49-F238E27FC236}">
-                <a16:creationId xmlns:a16="http://schemas.microsoft.com/office/drawing/2014/main" id="{5A892C0F-0900-4E39-B2D8-1D77BE49C9AC}"/>
-              </a:ext>
-            </a:extLst>
-          </p:cNvPr>
-          <p:cNvSpPr/>
-          <p:nvPr/>
-        </p:nvSpPr>
-        <p:spPr>
-          <a:xfrm>
-            <a:off x="4929525" y="2945764"/>
-            <a:ext cx="1690500" cy="740410"/>
-          </a:xfrm>
-          <a:prstGeom prst="rect">
-            <a:avLst/>
-          </a:prstGeom>
-          <a:solidFill>
-            <a:schemeClr val="accent3"/>
-          </a:solidFill>
-          <a:ln>
-            <a:noFill/>
-          </a:ln>
-        </p:spPr>
-        <p:style>
-          <a:lnRef idx="2">
-            <a:schemeClr val="accent1">
-              <a:shade val="50000"/>
-            </a:schemeClr>
-          </a:lnRef>
-          <a:fillRef idx="1">
-            <a:schemeClr val="accent1"/>
-          </a:fillRef>
-          <a:effectRef idx="0">
-            <a:schemeClr val="accent1"/>
-          </a:effectRef>
-          <a:fontRef idx="minor">
-            <a:schemeClr val="lt1"/>
-          </a:fontRef>
-        </p:style>
-        <p:txBody>
-          <a:bodyPr rtlCol="0" anchor="ctr"/>
-          <a:lstStyle/>
-          <a:p>
-            <a:pPr algn="ctr"/>
-            <a:endParaRPr lang="ru-RU"/>
-          </a:p>
-        </p:txBody>
-      </p:sp>
-      <p:sp>
-        <p:nvSpPr>
-          <p:cNvPr id="12" name="Прямоугольник 11">
-            <a:extLst>
-              <a:ext uri="{FF2B5EF4-FFF2-40B4-BE49-F238E27FC236}">
-                <a16:creationId xmlns:a16="http://schemas.microsoft.com/office/drawing/2014/main" id="{D53CCA7F-518A-4905-9462-40C1C1D8B904}"/>
-              </a:ext>
-            </a:extLst>
-          </p:cNvPr>
-          <p:cNvSpPr/>
-          <p:nvPr/>
-        </p:nvSpPr>
-        <p:spPr>
-          <a:xfrm>
-            <a:off x="3243305" y="2945764"/>
-            <a:ext cx="1690500" cy="740410"/>
-          </a:xfrm>
-          <a:prstGeom prst="rect">
-            <a:avLst/>
-          </a:prstGeom>
-          <a:solidFill>
-            <a:schemeClr val="accent2"/>
-          </a:solidFill>
-          <a:ln>
-            <a:noFill/>
-          </a:ln>
-        </p:spPr>
-        <p:style>
-          <a:lnRef idx="2">
-            <a:schemeClr val="accent1">
-              <a:shade val="50000"/>
-            </a:schemeClr>
-          </a:lnRef>
-          <a:fillRef idx="1">
-            <a:schemeClr val="accent1"/>
-          </a:fillRef>
-          <a:effectRef idx="0">
-            <a:schemeClr val="accent1"/>
-          </a:effectRef>
-          <a:fontRef idx="minor">
-            <a:schemeClr val="lt1"/>
-          </a:fontRef>
-        </p:style>
-        <p:txBody>
-          <a:bodyPr rtlCol="0" anchor="ctr"/>
-          <a:lstStyle/>
-          <a:p>
-            <a:pPr algn="ctr"/>
-            <a:endParaRPr lang="ru-RU"/>
-          </a:p>
-        </p:txBody>
-      </p:sp>
-      <p:sp>
-        <p:nvSpPr>
-          <p:cNvPr id="13" name="Прямоугольник 12">
-            <a:extLst>
-              <a:ext uri="{FF2B5EF4-FFF2-40B4-BE49-F238E27FC236}">
-                <a16:creationId xmlns:a16="http://schemas.microsoft.com/office/drawing/2014/main" id="{B01E228C-E55A-4C8B-8D8F-F8DDEAD1B1AD}"/>
-              </a:ext>
-            </a:extLst>
-          </p:cNvPr>
-          <p:cNvSpPr/>
-          <p:nvPr/>
-        </p:nvSpPr>
-        <p:spPr>
-          <a:xfrm>
-            <a:off x="1552805" y="2945764"/>
-            <a:ext cx="1690500" cy="740410"/>
-          </a:xfrm>
-          <a:prstGeom prst="rect">
-            <a:avLst/>
-          </a:prstGeom>
-          <a:solidFill>
-            <a:schemeClr val="accent1"/>
-          </a:solidFill>
-          <a:ln>
-            <a:noFill/>
-          </a:ln>
-        </p:spPr>
-        <p:style>
-          <a:lnRef idx="2">
-            <a:schemeClr val="accent1">
-              <a:shade val="50000"/>
-            </a:schemeClr>
-          </a:lnRef>
-          <a:fillRef idx="1">
-            <a:schemeClr val="accent1"/>
-          </a:fillRef>
-          <a:effectRef idx="0">
-            <a:schemeClr val="accent1"/>
-          </a:effectRef>
-          <a:fontRef idx="minor">
-            <a:schemeClr val="lt1"/>
-          </a:fontRef>
-        </p:style>
-        <p:txBody>
-          <a:bodyPr rtlCol="0" anchor="ctr"/>
-          <a:lstStyle/>
-          <a:p>
-            <a:pPr algn="ctr"/>
-            <a:endParaRPr lang="ru-RU">
-              <a:solidFill>
-                <a:schemeClr val="accent1"/>
-              </a:solidFill>
-            </a:endParaRPr>
-          </a:p>
-        </p:txBody>
-      </p:sp>
-      <p:sp>
-        <p:nvSpPr>
-          <p:cNvPr id="14" name="TextBox 13">
-            <a:extLst>
-              <a:ext uri="{FF2B5EF4-FFF2-40B4-BE49-F238E27FC236}">
-                <a16:creationId xmlns:a16="http://schemas.microsoft.com/office/drawing/2014/main" id="{68E8157E-8A3E-4BDC-9129-09AC347B28A9}"/>
-              </a:ext>
-            </a:extLst>
-          </p:cNvPr>
-          <p:cNvSpPr txBox="1"/>
-          <p:nvPr/>
-        </p:nvSpPr>
-        <p:spPr>
-          <a:xfrm>
-            <a:off x="8571000" y="2992804"/>
-            <a:ext cx="1120820" cy="646331"/>
-          </a:xfrm>
-          <a:prstGeom prst="rect">
-            <a:avLst/>
-          </a:prstGeom>
-          <a:noFill/>
-        </p:spPr>
-        <p:txBody>
-          <a:bodyPr wrap="none" rtlCol="0">
-            <a:spAutoFit/>
-          </a:bodyPr>
-          <a:lstStyle/>
-          <a:p>
-            <a:r>
-              <a:rPr lang="en-US" sz="3600" dirty="0">
-                <a:solidFill>
-                  <a:schemeClr val="bg2"/>
-                </a:solidFill>
-              </a:rPr>
-              <a:t>2025</a:t>
-            </a:r>
-            <a:endParaRPr lang="ru-RU" sz="3600" dirty="0">
-              <a:solidFill>
-                <a:schemeClr val="bg2"/>
-              </a:solidFill>
-            </a:endParaRPr>
-          </a:p>
-        </p:txBody>
-      </p:sp>
-      <p:sp>
-        <p:nvSpPr>
-          <p:cNvPr id="15" name="TextBox 14">
-            <a:extLst>
-              <a:ext uri="{FF2B5EF4-FFF2-40B4-BE49-F238E27FC236}">
-                <a16:creationId xmlns:a16="http://schemas.microsoft.com/office/drawing/2014/main" id="{4E5C48BA-14E7-4EF6-81A2-D62869D8A099}"/>
-              </a:ext>
-            </a:extLst>
-          </p:cNvPr>
-          <p:cNvSpPr txBox="1"/>
-          <p:nvPr/>
-        </p:nvSpPr>
-        <p:spPr>
-          <a:xfrm>
-            <a:off x="6916530" y="3004754"/>
-            <a:ext cx="1120820" cy="646331"/>
-          </a:xfrm>
-          <a:prstGeom prst="rect">
-            <a:avLst/>
-          </a:prstGeom>
-          <a:noFill/>
-        </p:spPr>
-        <p:txBody>
-          <a:bodyPr wrap="none" rtlCol="0">
-            <a:spAutoFit/>
-          </a:bodyPr>
-          <a:lstStyle/>
-          <a:p>
-            <a:r>
-              <a:rPr lang="en-US" sz="3600" dirty="0">
-                <a:solidFill>
-                  <a:schemeClr val="bg2"/>
-                </a:solidFill>
-              </a:rPr>
-              <a:t>2020</a:t>
-            </a:r>
-            <a:endParaRPr lang="ru-RU" sz="3600" dirty="0">
-              <a:solidFill>
-                <a:schemeClr val="bg2"/>
-              </a:solidFill>
-            </a:endParaRPr>
-          </a:p>
-        </p:txBody>
-      </p:sp>
-      <p:sp>
-        <p:nvSpPr>
-          <p:cNvPr id="16" name="TextBox 15">
-            <a:extLst>
-              <a:ext uri="{FF2B5EF4-FFF2-40B4-BE49-F238E27FC236}">
-                <a16:creationId xmlns:a16="http://schemas.microsoft.com/office/drawing/2014/main" id="{C70970A3-B863-4131-80E4-3C38EDAB317F}"/>
-              </a:ext>
-            </a:extLst>
-          </p:cNvPr>
-          <p:cNvSpPr txBox="1"/>
-          <p:nvPr/>
-        </p:nvSpPr>
-        <p:spPr>
-          <a:xfrm>
-            <a:off x="5219680" y="3004753"/>
-            <a:ext cx="1120820" cy="646331"/>
-          </a:xfrm>
-          <a:prstGeom prst="rect">
-            <a:avLst/>
-          </a:prstGeom>
-          <a:noFill/>
-        </p:spPr>
-        <p:txBody>
-          <a:bodyPr wrap="none" rtlCol="0">
-            <a:spAutoFit/>
-          </a:bodyPr>
-          <a:lstStyle/>
-          <a:p>
-            <a:r>
-              <a:rPr lang="en-US" sz="3600" dirty="0">
-                <a:solidFill>
-                  <a:schemeClr val="bg2"/>
-                </a:solidFill>
-              </a:rPr>
-              <a:t>2015</a:t>
-            </a:r>
-            <a:endParaRPr lang="ru-RU" sz="3600" dirty="0">
-              <a:solidFill>
-                <a:schemeClr val="bg2"/>
-              </a:solidFill>
-            </a:endParaRPr>
-          </a:p>
-        </p:txBody>
-      </p:sp>
-      <p:sp>
-        <p:nvSpPr>
-          <p:cNvPr id="17" name="TextBox 16">
-            <a:extLst>
-              <a:ext uri="{FF2B5EF4-FFF2-40B4-BE49-F238E27FC236}">
-                <a16:creationId xmlns:a16="http://schemas.microsoft.com/office/drawing/2014/main" id="{D46A4802-354D-4E30-A70E-2E0867306A6B}"/>
-              </a:ext>
-            </a:extLst>
-          </p:cNvPr>
-          <p:cNvSpPr txBox="1"/>
-          <p:nvPr/>
-        </p:nvSpPr>
-        <p:spPr>
-          <a:xfrm>
-            <a:off x="3522830" y="3004752"/>
-            <a:ext cx="1120820" cy="646331"/>
-          </a:xfrm>
-          <a:prstGeom prst="rect">
-            <a:avLst/>
-          </a:prstGeom>
-          <a:noFill/>
-        </p:spPr>
-        <p:txBody>
-          <a:bodyPr wrap="none" rtlCol="0">
-            <a:spAutoFit/>
-          </a:bodyPr>
-          <a:lstStyle/>
-          <a:p>
-            <a:r>
-              <a:rPr lang="en-US" sz="3600" dirty="0">
-                <a:solidFill>
-                  <a:schemeClr val="bg2"/>
-                </a:solidFill>
-              </a:rPr>
-              <a:t>2010</a:t>
-            </a:r>
-            <a:endParaRPr lang="ru-RU" sz="3600" dirty="0">
-              <a:solidFill>
-                <a:schemeClr val="bg2"/>
-              </a:solidFill>
-            </a:endParaRPr>
-          </a:p>
-        </p:txBody>
-      </p:sp>
-      <p:sp>
-        <p:nvSpPr>
-          <p:cNvPr id="18" name="TextBox 17">
-            <a:extLst>
-              <a:ext uri="{FF2B5EF4-FFF2-40B4-BE49-F238E27FC236}">
-                <a16:creationId xmlns:a16="http://schemas.microsoft.com/office/drawing/2014/main" id="{6AB68477-9A1C-4631-AB71-AF54F11DABFD}"/>
-              </a:ext>
-            </a:extLst>
-          </p:cNvPr>
-          <p:cNvSpPr txBox="1"/>
-          <p:nvPr/>
-        </p:nvSpPr>
-        <p:spPr>
-          <a:xfrm>
-            <a:off x="1825980" y="3004751"/>
-            <a:ext cx="1120820" cy="646331"/>
-          </a:xfrm>
-          <a:prstGeom prst="rect">
-            <a:avLst/>
-          </a:prstGeom>
-          <a:noFill/>
-        </p:spPr>
-        <p:txBody>
-          <a:bodyPr wrap="none" rtlCol="0">
-            <a:spAutoFit/>
-          </a:bodyPr>
-          <a:lstStyle/>
-          <a:p>
-            <a:r>
-              <a:rPr lang="en-US" sz="3600" dirty="0">
-                <a:solidFill>
-                  <a:schemeClr val="bg2"/>
-                </a:solidFill>
-              </a:rPr>
-              <a:t>2005</a:t>
-            </a:r>
-            <a:endParaRPr lang="ru-RU" sz="3600" dirty="0">
-              <a:solidFill>
-                <a:schemeClr val="bg2"/>
-              </a:solidFill>
-            </a:endParaRPr>
-          </a:p>
-        </p:txBody>
-      </p:sp>
-      <p:sp>
-        <p:nvSpPr>
-          <p:cNvPr id="19" name="Прямоугольник: скругленные углы 18">
-            <a:extLst>
-              <a:ext uri="{FF2B5EF4-FFF2-40B4-BE49-F238E27FC236}">
-                <a16:creationId xmlns:a16="http://schemas.microsoft.com/office/drawing/2014/main" id="{2E0A16A9-138B-45FC-80A2-76C1B73C2294}"/>
-              </a:ext>
-            </a:extLst>
-          </p:cNvPr>
-          <p:cNvSpPr/>
-          <p:nvPr/>
-        </p:nvSpPr>
-        <p:spPr>
-          <a:xfrm>
-            <a:off x="2157298" y="4098034"/>
-            <a:ext cx="481514" cy="455966"/>
-          </a:xfrm>
-          <a:prstGeom prst="roundRect">
-            <a:avLst>
-              <a:gd name="adj" fmla="val 15755"/>
-            </a:avLst>
-          </a:prstGeom>
-          <a:solidFill>
-            <a:schemeClr val="accent1"/>
-          </a:solidFill>
-          <a:ln>
-            <a:noFill/>
-          </a:ln>
-        </p:spPr>
-        <p:style>
-          <a:lnRef idx="2">
-            <a:schemeClr val="accent1">
-              <a:shade val="50000"/>
-            </a:schemeClr>
-          </a:lnRef>
-          <a:fillRef idx="1">
-            <a:schemeClr val="accent1"/>
-          </a:fillRef>
-          <a:effectRef idx="0">
-            <a:schemeClr val="accent1"/>
-          </a:effectRef>
-          <a:fontRef idx="minor">
-            <a:schemeClr val="lt1"/>
-          </a:fontRef>
-        </p:style>
-        <p:txBody>
-          <a:bodyPr rtlCol="0" anchor="ctr"/>
-          <a:lstStyle/>
-          <a:p>
-            <a:pPr algn="ctr"/>
-            <a:endParaRPr lang="ru-RU"/>
-          </a:p>
-        </p:txBody>
-      </p:sp>
-      <p:sp>
-        <p:nvSpPr>
-          <p:cNvPr id="20" name="Прямоугольник: скругленные углы 19">
-            <a:extLst>
-              <a:ext uri="{FF2B5EF4-FFF2-40B4-BE49-F238E27FC236}">
-                <a16:creationId xmlns:a16="http://schemas.microsoft.com/office/drawing/2014/main" id="{AA0421E0-93B2-4F81-9128-BA728844BD48}"/>
-              </a:ext>
-            </a:extLst>
-          </p:cNvPr>
-          <p:cNvSpPr/>
-          <p:nvPr/>
-        </p:nvSpPr>
-        <p:spPr>
-          <a:xfrm>
-            <a:off x="3836099" y="4098034"/>
-            <a:ext cx="488110" cy="455966"/>
-          </a:xfrm>
-          <a:prstGeom prst="roundRect">
-            <a:avLst>
-              <a:gd name="adj" fmla="val 18919"/>
-            </a:avLst>
-          </a:prstGeom>
-          <a:solidFill>
-            <a:schemeClr val="accent2"/>
-          </a:solidFill>
-          <a:ln>
-            <a:noFill/>
-          </a:ln>
-        </p:spPr>
-        <p:style>
-          <a:lnRef idx="2">
-            <a:schemeClr val="accent1">
-              <a:shade val="50000"/>
-            </a:schemeClr>
-          </a:lnRef>
-          <a:fillRef idx="1">
-            <a:schemeClr val="accent1"/>
-          </a:fillRef>
-          <a:effectRef idx="0">
-            <a:schemeClr val="accent1"/>
-          </a:effectRef>
-          <a:fontRef idx="minor">
-            <a:schemeClr val="lt1"/>
-          </a:fontRef>
-        </p:style>
-        <p:txBody>
-          <a:bodyPr rtlCol="0" anchor="ctr"/>
-          <a:lstStyle/>
-          <a:p>
-            <a:pPr algn="ctr"/>
-            <a:endParaRPr lang="ru-RU"/>
-          </a:p>
-        </p:txBody>
-      </p:sp>
-      <p:sp>
-        <p:nvSpPr>
-          <p:cNvPr id="21" name="Прямоугольник: скругленные углы 20">
-            <a:extLst>
-              <a:ext uri="{FF2B5EF4-FFF2-40B4-BE49-F238E27FC236}">
-                <a16:creationId xmlns:a16="http://schemas.microsoft.com/office/drawing/2014/main" id="{E0F5B768-F24E-48F9-BF47-91F79A8A22E5}"/>
-              </a:ext>
-            </a:extLst>
-          </p:cNvPr>
-          <p:cNvSpPr/>
-          <p:nvPr/>
-        </p:nvSpPr>
-        <p:spPr>
-          <a:xfrm>
-            <a:off x="5529885" y="4094850"/>
-            <a:ext cx="483280" cy="455966"/>
-          </a:xfrm>
-          <a:prstGeom prst="roundRect">
-            <a:avLst>
-              <a:gd name="adj" fmla="val 17012"/>
-            </a:avLst>
-          </a:prstGeom>
-          <a:solidFill>
-            <a:schemeClr val="accent3"/>
-          </a:solidFill>
-          <a:ln>
-            <a:noFill/>
-          </a:ln>
-        </p:spPr>
-        <p:style>
-          <a:lnRef idx="2">
-            <a:schemeClr val="accent1">
-              <a:shade val="50000"/>
-            </a:schemeClr>
-          </a:lnRef>
-          <a:fillRef idx="1">
-            <a:schemeClr val="accent1"/>
-          </a:fillRef>
-          <a:effectRef idx="0">
-            <a:schemeClr val="accent1"/>
-          </a:effectRef>
-          <a:fontRef idx="minor">
-            <a:schemeClr val="lt1"/>
-          </a:fontRef>
-        </p:style>
-        <p:txBody>
-          <a:bodyPr rtlCol="0" anchor="ctr"/>
-          <a:lstStyle/>
-          <a:p>
-            <a:pPr algn="ctr"/>
-            <a:endParaRPr lang="ru-RU"/>
-          </a:p>
-        </p:txBody>
-      </p:sp>
-      <p:sp>
-        <p:nvSpPr>
-          <p:cNvPr id="22" name="Прямоугольник: скругленные углы 21">
-            <a:extLst>
-              <a:ext uri="{FF2B5EF4-FFF2-40B4-BE49-F238E27FC236}">
-                <a16:creationId xmlns:a16="http://schemas.microsoft.com/office/drawing/2014/main" id="{39C41BB8-404E-4311-B307-8E6957CA6CAF}"/>
-              </a:ext>
-            </a:extLst>
-          </p:cNvPr>
-          <p:cNvSpPr/>
-          <p:nvPr/>
-        </p:nvSpPr>
-        <p:spPr>
-          <a:xfrm>
-            <a:off x="7221343" y="4094851"/>
-            <a:ext cx="481514" cy="455966"/>
-          </a:xfrm>
-          <a:prstGeom prst="roundRect">
-            <a:avLst>
-              <a:gd name="adj" fmla="val 18185"/>
-            </a:avLst>
-          </a:prstGeom>
-          <a:solidFill>
-            <a:schemeClr val="accent6"/>
-          </a:solidFill>
-          <a:ln>
-            <a:noFill/>
-          </a:ln>
-        </p:spPr>
-        <p:style>
-          <a:lnRef idx="2">
-            <a:schemeClr val="accent1">
-              <a:shade val="50000"/>
-            </a:schemeClr>
-          </a:lnRef>
-          <a:fillRef idx="1">
-            <a:schemeClr val="accent1"/>
-          </a:fillRef>
-          <a:effectRef idx="0">
-            <a:schemeClr val="accent1"/>
-          </a:effectRef>
-          <a:fontRef idx="minor">
-            <a:schemeClr val="lt1"/>
-          </a:fontRef>
-        </p:style>
-        <p:txBody>
-          <a:bodyPr rtlCol="0" anchor="ctr"/>
-          <a:lstStyle/>
-          <a:p>
-            <a:pPr algn="ctr"/>
-            <a:endParaRPr lang="ru-RU"/>
-          </a:p>
-        </p:txBody>
-      </p:sp>
-      <p:sp>
-        <p:nvSpPr>
-          <p:cNvPr id="23" name="Прямоугольник: скругленные углы 22">
-            <a:extLst>
-              <a:ext uri="{FF2B5EF4-FFF2-40B4-BE49-F238E27FC236}">
-                <a16:creationId xmlns:a16="http://schemas.microsoft.com/office/drawing/2014/main" id="{FDCD1812-C871-4BD1-A197-D87B9B5820AA}"/>
-              </a:ext>
-            </a:extLst>
-          </p:cNvPr>
-          <p:cNvSpPr/>
-          <p:nvPr/>
-        </p:nvSpPr>
-        <p:spPr>
-          <a:xfrm>
-            <a:off x="8902233" y="4094850"/>
-            <a:ext cx="481514" cy="455966"/>
-          </a:xfrm>
-          <a:prstGeom prst="roundRect">
-            <a:avLst>
-              <a:gd name="adj" fmla="val 16645"/>
-            </a:avLst>
-          </a:prstGeom>
-          <a:solidFill>
-            <a:schemeClr val="accent5"/>
-          </a:solidFill>
-          <a:ln>
-            <a:noFill/>
-          </a:ln>
-        </p:spPr>
-        <p:style>
-          <a:lnRef idx="2">
-            <a:schemeClr val="accent1">
-              <a:shade val="50000"/>
-            </a:schemeClr>
-          </a:lnRef>
-          <a:fillRef idx="1">
-            <a:schemeClr val="accent1"/>
-          </a:fillRef>
-          <a:effectRef idx="0">
-            <a:schemeClr val="accent1"/>
-          </a:effectRef>
-          <a:fontRef idx="minor">
-            <a:schemeClr val="lt1"/>
-          </a:fontRef>
-        </p:style>
-        <p:txBody>
-          <a:bodyPr rtlCol="0" anchor="ctr"/>
-          <a:lstStyle/>
-          <a:p>
-            <a:pPr algn="ctr"/>
-            <a:endParaRPr lang="ru-RU"/>
-          </a:p>
-        </p:txBody>
-      </p:sp>
-      <p:sp>
-        <p:nvSpPr>
-          <p:cNvPr id="24" name="Прямоугольник 23">
-            <a:extLst>
-              <a:ext uri="{FF2B5EF4-FFF2-40B4-BE49-F238E27FC236}">
-                <a16:creationId xmlns:a16="http://schemas.microsoft.com/office/drawing/2014/main" id="{75001D4B-7744-4E9E-BC5B-5A740F69572F}"/>
-              </a:ext>
-            </a:extLst>
-          </p:cNvPr>
-          <p:cNvSpPr/>
-          <p:nvPr/>
-        </p:nvSpPr>
-        <p:spPr>
-          <a:xfrm>
-            <a:off x="1585803" y="4775467"/>
-            <a:ext cx="1624504" cy="1077218"/>
-          </a:xfrm>
-          <a:prstGeom prst="rect">
-            <a:avLst/>
-          </a:prstGeom>
-        </p:spPr>
-        <p:txBody>
-          <a:bodyPr wrap="square">
-            <a:spAutoFit/>
-          </a:bodyPr>
-          <a:lstStyle/>
-          <a:p>
-            <a:pPr algn="ctr"/>
-            <a:r>
-              <a:rPr lang="ru-RU" sz="1600" dirty="0" err="1">
-                <a:solidFill>
-                  <a:schemeClr val="tx2"/>
-                </a:solidFill>
-              </a:rPr>
-              <a:t>Lorem</a:t>
-            </a:r>
-            <a:r>
-              <a:rPr lang="ru-RU" sz="1600" dirty="0">
-                <a:solidFill>
-                  <a:schemeClr val="tx2"/>
-                </a:solidFill>
-              </a:rPr>
-              <a:t> </a:t>
-            </a:r>
-            <a:r>
-              <a:rPr lang="ru-RU" sz="1600" dirty="0" err="1">
-                <a:solidFill>
-                  <a:schemeClr val="tx2"/>
-                </a:solidFill>
-              </a:rPr>
-              <a:t>ipsum</a:t>
-            </a:r>
-            <a:r>
-              <a:rPr lang="ru-RU" sz="1600" dirty="0">
-                <a:solidFill>
-                  <a:schemeClr val="tx2"/>
-                </a:solidFill>
-              </a:rPr>
-              <a:t> </a:t>
-            </a:r>
-            <a:r>
-              <a:rPr lang="ru-RU" sz="1600" dirty="0" err="1">
-                <a:solidFill>
-                  <a:schemeClr val="tx2"/>
-                </a:solidFill>
-              </a:rPr>
-              <a:t>dolor</a:t>
-            </a:r>
-            <a:r>
-              <a:rPr lang="ru-RU" sz="1600" dirty="0">
-                <a:solidFill>
-                  <a:schemeClr val="tx2"/>
-                </a:solidFill>
-              </a:rPr>
-              <a:t> </a:t>
-            </a:r>
-            <a:r>
-              <a:rPr lang="ru-RU" sz="1600" dirty="0" err="1">
-                <a:solidFill>
-                  <a:schemeClr val="tx2"/>
-                </a:solidFill>
-              </a:rPr>
-              <a:t>sit</a:t>
-            </a:r>
-            <a:r>
-              <a:rPr lang="ru-RU" sz="1600" dirty="0">
-                <a:solidFill>
-                  <a:schemeClr val="tx2"/>
-                </a:solidFill>
-              </a:rPr>
-              <a:t> </a:t>
-            </a:r>
-            <a:r>
-              <a:rPr lang="ru-RU" sz="1600" dirty="0" err="1">
-                <a:solidFill>
-                  <a:schemeClr val="tx2"/>
-                </a:solidFill>
-              </a:rPr>
-              <a:t>amet</a:t>
-            </a:r>
-            <a:r>
-              <a:rPr lang="ru-RU" sz="1600" dirty="0">
-                <a:solidFill>
-                  <a:schemeClr val="tx2"/>
-                </a:solidFill>
-              </a:rPr>
-              <a:t>, </a:t>
-            </a:r>
-            <a:r>
-              <a:rPr lang="ru-RU" sz="1600" dirty="0" err="1">
-                <a:solidFill>
-                  <a:schemeClr val="tx2"/>
-                </a:solidFill>
-              </a:rPr>
-              <a:t>consectetur</a:t>
-            </a:r>
-            <a:r>
-              <a:rPr lang="ru-RU" sz="1600" dirty="0">
-                <a:solidFill>
-                  <a:schemeClr val="tx2"/>
-                </a:solidFill>
-              </a:rPr>
-              <a:t> </a:t>
-            </a:r>
-            <a:r>
-              <a:rPr lang="ru-RU" sz="1600" dirty="0" err="1">
-                <a:solidFill>
-                  <a:schemeClr val="tx2"/>
-                </a:solidFill>
-              </a:rPr>
-              <a:t>adipiscing</a:t>
-            </a:r>
-            <a:r>
-              <a:rPr lang="ru-RU" sz="1600" dirty="0">
-                <a:solidFill>
-                  <a:schemeClr val="tx2"/>
-                </a:solidFill>
-              </a:rPr>
-              <a:t> </a:t>
-            </a:r>
-            <a:r>
-              <a:rPr lang="ru-RU" sz="1600" dirty="0" err="1">
-                <a:solidFill>
-                  <a:schemeClr val="tx2"/>
-                </a:solidFill>
-              </a:rPr>
-              <a:t>elit</a:t>
-            </a:r>
-            <a:r>
-              <a:rPr lang="ru-RU" sz="1600" dirty="0">
-                <a:solidFill>
-                  <a:schemeClr val="tx2"/>
-                </a:solidFill>
-              </a:rPr>
-              <a:t>. </a:t>
-            </a:r>
-          </a:p>
-        </p:txBody>
-      </p:sp>
-      <p:sp>
-        <p:nvSpPr>
-          <p:cNvPr id="25" name="Прямоугольник 24">
-            <a:extLst>
-              <a:ext uri="{FF2B5EF4-FFF2-40B4-BE49-F238E27FC236}">
-                <a16:creationId xmlns:a16="http://schemas.microsoft.com/office/drawing/2014/main" id="{AE738C91-0FFF-4C01-84DB-43CCC6A79D47}"/>
-              </a:ext>
-            </a:extLst>
-          </p:cNvPr>
-          <p:cNvSpPr/>
-          <p:nvPr/>
-        </p:nvSpPr>
-        <p:spPr>
-          <a:xfrm>
-            <a:off x="3280798" y="4778909"/>
-            <a:ext cx="1624504" cy="1077218"/>
-          </a:xfrm>
-          <a:prstGeom prst="rect">
-            <a:avLst/>
-          </a:prstGeom>
-        </p:spPr>
-        <p:txBody>
-          <a:bodyPr wrap="square">
-            <a:spAutoFit/>
-          </a:bodyPr>
-          <a:lstStyle/>
-          <a:p>
-            <a:pPr algn="ctr"/>
-            <a:r>
-              <a:rPr lang="ru-RU" sz="1600" dirty="0" err="1">
-                <a:solidFill>
-                  <a:schemeClr val="tx2"/>
-                </a:solidFill>
-              </a:rPr>
-              <a:t>Lorem</a:t>
-            </a:r>
-            <a:r>
-              <a:rPr lang="ru-RU" sz="1600" dirty="0">
-                <a:solidFill>
-                  <a:schemeClr val="tx2"/>
-                </a:solidFill>
-              </a:rPr>
-              <a:t> </a:t>
-            </a:r>
-            <a:r>
-              <a:rPr lang="ru-RU" sz="1600" dirty="0" err="1">
-                <a:solidFill>
-                  <a:schemeClr val="tx2"/>
-                </a:solidFill>
-              </a:rPr>
-              <a:t>ipsum</a:t>
-            </a:r>
-            <a:r>
-              <a:rPr lang="ru-RU" sz="1600" dirty="0">
-                <a:solidFill>
-                  <a:schemeClr val="tx2"/>
-                </a:solidFill>
-              </a:rPr>
-              <a:t> </a:t>
-            </a:r>
-            <a:r>
-              <a:rPr lang="ru-RU" sz="1600" dirty="0" err="1">
-                <a:solidFill>
-                  <a:schemeClr val="tx2"/>
-                </a:solidFill>
-              </a:rPr>
-              <a:t>dolor</a:t>
-            </a:r>
-            <a:r>
-              <a:rPr lang="ru-RU" sz="1600" dirty="0">
-                <a:solidFill>
-                  <a:schemeClr val="tx2"/>
-                </a:solidFill>
-              </a:rPr>
-              <a:t> </a:t>
-            </a:r>
-            <a:r>
-              <a:rPr lang="ru-RU" sz="1600" dirty="0" err="1">
-                <a:solidFill>
-                  <a:schemeClr val="tx2"/>
-                </a:solidFill>
-              </a:rPr>
-              <a:t>sit</a:t>
-            </a:r>
-            <a:r>
-              <a:rPr lang="ru-RU" sz="1600" dirty="0">
-                <a:solidFill>
-                  <a:schemeClr val="tx2"/>
-                </a:solidFill>
-              </a:rPr>
-              <a:t> </a:t>
-            </a:r>
-            <a:r>
-              <a:rPr lang="ru-RU" sz="1600" dirty="0" err="1">
-                <a:solidFill>
-                  <a:schemeClr val="tx2"/>
-                </a:solidFill>
-              </a:rPr>
-              <a:t>amet</a:t>
-            </a:r>
-            <a:r>
-              <a:rPr lang="ru-RU" sz="1600" dirty="0">
-                <a:solidFill>
-                  <a:schemeClr val="tx2"/>
-                </a:solidFill>
-              </a:rPr>
-              <a:t>, </a:t>
-            </a:r>
-            <a:r>
-              <a:rPr lang="ru-RU" sz="1600" dirty="0" err="1">
-                <a:solidFill>
-                  <a:schemeClr val="tx2"/>
-                </a:solidFill>
-              </a:rPr>
-              <a:t>consectetur</a:t>
-            </a:r>
-            <a:r>
-              <a:rPr lang="ru-RU" sz="1600" dirty="0">
-                <a:solidFill>
-                  <a:schemeClr val="tx2"/>
-                </a:solidFill>
-              </a:rPr>
-              <a:t> </a:t>
-            </a:r>
-            <a:r>
-              <a:rPr lang="ru-RU" sz="1600" dirty="0" err="1">
-                <a:solidFill>
-                  <a:schemeClr val="tx2"/>
-                </a:solidFill>
-              </a:rPr>
-              <a:t>adipiscing</a:t>
-            </a:r>
-            <a:r>
-              <a:rPr lang="ru-RU" sz="1600" dirty="0">
-                <a:solidFill>
-                  <a:schemeClr val="tx2"/>
-                </a:solidFill>
-              </a:rPr>
-              <a:t> </a:t>
-            </a:r>
-            <a:r>
-              <a:rPr lang="ru-RU" sz="1600" dirty="0" err="1">
-                <a:solidFill>
-                  <a:schemeClr val="tx2"/>
-                </a:solidFill>
-              </a:rPr>
-              <a:t>elit</a:t>
-            </a:r>
-            <a:r>
-              <a:rPr lang="ru-RU" sz="1600" dirty="0">
-                <a:solidFill>
-                  <a:schemeClr val="tx2"/>
-                </a:solidFill>
-              </a:rPr>
-              <a:t>. </a:t>
-            </a:r>
-          </a:p>
-        </p:txBody>
-      </p:sp>
-      <p:sp>
-        <p:nvSpPr>
-          <p:cNvPr id="26" name="Прямоугольник 25">
-            <a:extLst>
-              <a:ext uri="{FF2B5EF4-FFF2-40B4-BE49-F238E27FC236}">
-                <a16:creationId xmlns:a16="http://schemas.microsoft.com/office/drawing/2014/main" id="{22B017D2-DD05-4C04-AAE8-C00D46138F46}"/>
-              </a:ext>
-            </a:extLst>
-          </p:cNvPr>
-          <p:cNvSpPr/>
-          <p:nvPr/>
-        </p:nvSpPr>
-        <p:spPr>
-          <a:xfrm>
-            <a:off x="4959273" y="4775467"/>
-            <a:ext cx="1624504" cy="1077218"/>
-          </a:xfrm>
-          <a:prstGeom prst="rect">
-            <a:avLst/>
-          </a:prstGeom>
-        </p:spPr>
-        <p:txBody>
-          <a:bodyPr wrap="square">
-            <a:spAutoFit/>
-          </a:bodyPr>
-          <a:lstStyle/>
-          <a:p>
-            <a:pPr algn="ctr"/>
-            <a:r>
-              <a:rPr lang="ru-RU" sz="1600" dirty="0" err="1">
-                <a:solidFill>
-                  <a:schemeClr val="tx2"/>
-                </a:solidFill>
-              </a:rPr>
-              <a:t>Lorem</a:t>
-            </a:r>
-            <a:r>
-              <a:rPr lang="ru-RU" sz="1600" dirty="0">
-                <a:solidFill>
-                  <a:schemeClr val="tx2"/>
-                </a:solidFill>
-              </a:rPr>
-              <a:t> </a:t>
-            </a:r>
-            <a:r>
-              <a:rPr lang="ru-RU" sz="1600" dirty="0" err="1">
-                <a:solidFill>
-                  <a:schemeClr val="tx2"/>
-                </a:solidFill>
-              </a:rPr>
-              <a:t>ipsum</a:t>
-            </a:r>
-            <a:r>
-              <a:rPr lang="ru-RU" sz="1600" dirty="0">
-                <a:solidFill>
-                  <a:schemeClr val="tx2"/>
-                </a:solidFill>
-              </a:rPr>
-              <a:t> </a:t>
-            </a:r>
-            <a:r>
-              <a:rPr lang="ru-RU" sz="1600" dirty="0" err="1">
-                <a:solidFill>
-                  <a:schemeClr val="tx2"/>
-                </a:solidFill>
-              </a:rPr>
-              <a:t>dolor</a:t>
-            </a:r>
-            <a:r>
-              <a:rPr lang="ru-RU" sz="1600" dirty="0">
-                <a:solidFill>
-                  <a:schemeClr val="tx2"/>
-                </a:solidFill>
-              </a:rPr>
-              <a:t> </a:t>
-            </a:r>
-            <a:r>
-              <a:rPr lang="ru-RU" sz="1600" dirty="0" err="1">
-                <a:solidFill>
-                  <a:schemeClr val="tx2"/>
-                </a:solidFill>
-              </a:rPr>
-              <a:t>sit</a:t>
-            </a:r>
-            <a:r>
-              <a:rPr lang="ru-RU" sz="1600" dirty="0">
-                <a:solidFill>
-                  <a:schemeClr val="tx2"/>
-                </a:solidFill>
-              </a:rPr>
-              <a:t> </a:t>
-            </a:r>
-            <a:r>
-              <a:rPr lang="ru-RU" sz="1600" dirty="0" err="1">
-                <a:solidFill>
-                  <a:schemeClr val="tx2"/>
-                </a:solidFill>
-              </a:rPr>
-              <a:t>amet</a:t>
-            </a:r>
-            <a:r>
-              <a:rPr lang="ru-RU" sz="1600" dirty="0">
-                <a:solidFill>
-                  <a:schemeClr val="tx2"/>
-                </a:solidFill>
-              </a:rPr>
-              <a:t>, </a:t>
-            </a:r>
-            <a:r>
-              <a:rPr lang="ru-RU" sz="1600" dirty="0" err="1">
-                <a:solidFill>
-                  <a:schemeClr val="tx2"/>
-                </a:solidFill>
-              </a:rPr>
-              <a:t>consectetur</a:t>
-            </a:r>
-            <a:r>
-              <a:rPr lang="ru-RU" sz="1600" dirty="0">
-                <a:solidFill>
-                  <a:schemeClr val="tx2"/>
-                </a:solidFill>
-              </a:rPr>
-              <a:t> </a:t>
-            </a:r>
-            <a:r>
-              <a:rPr lang="ru-RU" sz="1600" dirty="0" err="1">
-                <a:solidFill>
-                  <a:schemeClr val="tx2"/>
-                </a:solidFill>
-              </a:rPr>
-              <a:t>adipiscing</a:t>
-            </a:r>
-            <a:r>
-              <a:rPr lang="ru-RU" sz="1600" dirty="0">
-                <a:solidFill>
-                  <a:schemeClr val="tx2"/>
-                </a:solidFill>
-              </a:rPr>
-              <a:t> </a:t>
-            </a:r>
-            <a:r>
-              <a:rPr lang="ru-RU" sz="1600" dirty="0" err="1">
-                <a:solidFill>
-                  <a:schemeClr val="tx2"/>
-                </a:solidFill>
-              </a:rPr>
-              <a:t>elit</a:t>
-            </a:r>
-            <a:r>
-              <a:rPr lang="ru-RU" sz="1600" dirty="0">
-                <a:solidFill>
-                  <a:schemeClr val="tx2"/>
-                </a:solidFill>
-              </a:rPr>
-              <a:t>. </a:t>
-            </a:r>
-          </a:p>
-        </p:txBody>
-      </p:sp>
-      <p:sp>
-        <p:nvSpPr>
-          <p:cNvPr id="27" name="Прямоугольник 26">
-            <a:extLst>
-              <a:ext uri="{FF2B5EF4-FFF2-40B4-BE49-F238E27FC236}">
-                <a16:creationId xmlns:a16="http://schemas.microsoft.com/office/drawing/2014/main" id="{3441A7D3-7964-4A03-A946-334D00629139}"/>
-              </a:ext>
-            </a:extLst>
-          </p:cNvPr>
-          <p:cNvSpPr/>
-          <p:nvPr/>
-        </p:nvSpPr>
-        <p:spPr>
-          <a:xfrm>
-            <a:off x="6654268" y="4775467"/>
-            <a:ext cx="1624504" cy="1077218"/>
-          </a:xfrm>
-          <a:prstGeom prst="rect">
-            <a:avLst/>
-          </a:prstGeom>
-        </p:spPr>
-        <p:txBody>
-          <a:bodyPr wrap="square">
-            <a:spAutoFit/>
-          </a:bodyPr>
-          <a:lstStyle/>
-          <a:p>
-            <a:pPr algn="ctr"/>
-            <a:r>
-              <a:rPr lang="ru-RU" sz="1600" dirty="0" err="1">
-                <a:solidFill>
-                  <a:schemeClr val="tx2"/>
-                </a:solidFill>
-              </a:rPr>
-              <a:t>Lorem</a:t>
-            </a:r>
-            <a:r>
-              <a:rPr lang="ru-RU" sz="1600" dirty="0">
-                <a:solidFill>
-                  <a:schemeClr val="tx2"/>
-                </a:solidFill>
-              </a:rPr>
-              <a:t> </a:t>
-            </a:r>
-            <a:r>
-              <a:rPr lang="ru-RU" sz="1600" dirty="0" err="1">
-                <a:solidFill>
-                  <a:schemeClr val="tx2"/>
-                </a:solidFill>
-              </a:rPr>
-              <a:t>ipsum</a:t>
-            </a:r>
-            <a:r>
-              <a:rPr lang="ru-RU" sz="1600" dirty="0">
-                <a:solidFill>
-                  <a:schemeClr val="tx2"/>
-                </a:solidFill>
-              </a:rPr>
-              <a:t> </a:t>
-            </a:r>
-            <a:r>
-              <a:rPr lang="ru-RU" sz="1600" dirty="0" err="1">
-                <a:solidFill>
-                  <a:schemeClr val="tx2"/>
-                </a:solidFill>
-              </a:rPr>
-              <a:t>dolor</a:t>
-            </a:r>
-            <a:r>
-              <a:rPr lang="ru-RU" sz="1600" dirty="0">
-                <a:solidFill>
-                  <a:schemeClr val="tx2"/>
-                </a:solidFill>
-              </a:rPr>
-              <a:t> </a:t>
-            </a:r>
-            <a:r>
-              <a:rPr lang="ru-RU" sz="1600" dirty="0" err="1">
-                <a:solidFill>
-                  <a:schemeClr val="tx2"/>
-                </a:solidFill>
-              </a:rPr>
-              <a:t>sit</a:t>
-            </a:r>
-            <a:r>
-              <a:rPr lang="ru-RU" sz="1600" dirty="0">
-                <a:solidFill>
-                  <a:schemeClr val="tx2"/>
-                </a:solidFill>
-              </a:rPr>
-              <a:t> </a:t>
-            </a:r>
-            <a:r>
-              <a:rPr lang="ru-RU" sz="1600" dirty="0" err="1">
-                <a:solidFill>
-                  <a:schemeClr val="tx2"/>
-                </a:solidFill>
-              </a:rPr>
-              <a:t>amet</a:t>
-            </a:r>
-            <a:r>
-              <a:rPr lang="ru-RU" sz="1600" dirty="0">
-                <a:solidFill>
-                  <a:schemeClr val="tx2"/>
-                </a:solidFill>
-              </a:rPr>
-              <a:t>, </a:t>
-            </a:r>
-            <a:r>
-              <a:rPr lang="ru-RU" sz="1600" dirty="0" err="1">
-                <a:solidFill>
-                  <a:schemeClr val="tx2"/>
-                </a:solidFill>
-              </a:rPr>
-              <a:t>consectetur</a:t>
-            </a:r>
-            <a:r>
-              <a:rPr lang="ru-RU" sz="1600" dirty="0">
-                <a:solidFill>
-                  <a:schemeClr val="tx2"/>
-                </a:solidFill>
-              </a:rPr>
-              <a:t> </a:t>
-            </a:r>
-            <a:r>
-              <a:rPr lang="ru-RU" sz="1600" dirty="0" err="1">
-                <a:solidFill>
-                  <a:schemeClr val="tx2"/>
-                </a:solidFill>
-              </a:rPr>
-              <a:t>adipiscing</a:t>
-            </a:r>
-            <a:r>
-              <a:rPr lang="ru-RU" sz="1600" dirty="0">
-                <a:solidFill>
-                  <a:schemeClr val="tx2"/>
-                </a:solidFill>
-              </a:rPr>
-              <a:t> </a:t>
-            </a:r>
-            <a:r>
-              <a:rPr lang="ru-RU" sz="1600" dirty="0" err="1">
-                <a:solidFill>
-                  <a:schemeClr val="tx2"/>
-                </a:solidFill>
-              </a:rPr>
-              <a:t>elit</a:t>
-            </a:r>
-            <a:r>
-              <a:rPr lang="ru-RU" sz="1600" dirty="0">
-                <a:solidFill>
-                  <a:schemeClr val="tx2"/>
-                </a:solidFill>
-              </a:rPr>
-              <a:t>. </a:t>
-            </a:r>
-          </a:p>
-        </p:txBody>
-      </p:sp>
-      <p:sp>
-        <p:nvSpPr>
-          <p:cNvPr id="28" name="Прямоугольник 27">
-            <a:extLst>
-              <a:ext uri="{FF2B5EF4-FFF2-40B4-BE49-F238E27FC236}">
-                <a16:creationId xmlns:a16="http://schemas.microsoft.com/office/drawing/2014/main" id="{7BA29522-6DA2-4C94-998F-1CD0B72C4D76}"/>
-              </a:ext>
-            </a:extLst>
-          </p:cNvPr>
-          <p:cNvSpPr/>
-          <p:nvPr/>
-        </p:nvSpPr>
-        <p:spPr>
-          <a:xfrm>
-            <a:off x="8330738" y="4775467"/>
-            <a:ext cx="1624504" cy="1077218"/>
-          </a:xfrm>
-          <a:prstGeom prst="rect">
-            <a:avLst/>
-          </a:prstGeom>
-        </p:spPr>
-        <p:txBody>
-          <a:bodyPr wrap="square">
-            <a:spAutoFit/>
-          </a:bodyPr>
-          <a:lstStyle/>
-          <a:p>
-            <a:pPr algn="ctr"/>
-            <a:r>
-              <a:rPr lang="ru-RU" sz="1600" dirty="0" err="1">
-                <a:solidFill>
-                  <a:schemeClr val="tx2"/>
-                </a:solidFill>
-              </a:rPr>
-              <a:t>Lorem</a:t>
-            </a:r>
-            <a:r>
-              <a:rPr lang="ru-RU" sz="1600" dirty="0">
-                <a:solidFill>
-                  <a:schemeClr val="tx2"/>
-                </a:solidFill>
-              </a:rPr>
-              <a:t> </a:t>
-            </a:r>
-            <a:r>
-              <a:rPr lang="ru-RU" sz="1600" dirty="0" err="1">
-                <a:solidFill>
-                  <a:schemeClr val="tx2"/>
-                </a:solidFill>
-              </a:rPr>
-              <a:t>ipsum</a:t>
-            </a:r>
-            <a:r>
-              <a:rPr lang="ru-RU" sz="1600" dirty="0">
-                <a:solidFill>
-                  <a:schemeClr val="tx2"/>
-                </a:solidFill>
-              </a:rPr>
-              <a:t> </a:t>
-            </a:r>
-            <a:r>
-              <a:rPr lang="ru-RU" sz="1600" dirty="0" err="1">
-                <a:solidFill>
-                  <a:schemeClr val="tx2"/>
-                </a:solidFill>
-              </a:rPr>
-              <a:t>dolor</a:t>
-            </a:r>
-            <a:r>
-              <a:rPr lang="ru-RU" sz="1600" dirty="0">
-                <a:solidFill>
-                  <a:schemeClr val="tx2"/>
-                </a:solidFill>
-              </a:rPr>
-              <a:t> </a:t>
-            </a:r>
-            <a:r>
-              <a:rPr lang="ru-RU" sz="1600" dirty="0" err="1">
-                <a:solidFill>
-                  <a:schemeClr val="tx2"/>
-                </a:solidFill>
-              </a:rPr>
-              <a:t>sit</a:t>
-            </a:r>
-            <a:r>
-              <a:rPr lang="ru-RU" sz="1600" dirty="0">
-                <a:solidFill>
-                  <a:schemeClr val="tx2"/>
-                </a:solidFill>
-              </a:rPr>
-              <a:t> </a:t>
-            </a:r>
-            <a:r>
-              <a:rPr lang="ru-RU" sz="1600" dirty="0" err="1">
-                <a:solidFill>
-                  <a:schemeClr val="tx2"/>
-                </a:solidFill>
-              </a:rPr>
-              <a:t>amet</a:t>
-            </a:r>
-            <a:r>
-              <a:rPr lang="ru-RU" sz="1600" dirty="0">
-                <a:solidFill>
-                  <a:schemeClr val="tx2"/>
-                </a:solidFill>
-              </a:rPr>
-              <a:t>, </a:t>
-            </a:r>
-            <a:r>
-              <a:rPr lang="ru-RU" sz="1600" dirty="0" err="1">
-                <a:solidFill>
-                  <a:schemeClr val="tx2"/>
-                </a:solidFill>
-              </a:rPr>
-              <a:t>consectetur</a:t>
-            </a:r>
-            <a:r>
-              <a:rPr lang="ru-RU" sz="1600" dirty="0">
-                <a:solidFill>
-                  <a:schemeClr val="tx2"/>
-                </a:solidFill>
-              </a:rPr>
-              <a:t> </a:t>
-            </a:r>
-            <a:r>
-              <a:rPr lang="ru-RU" sz="1600" dirty="0" err="1">
-                <a:solidFill>
-                  <a:schemeClr val="tx2"/>
-                </a:solidFill>
-              </a:rPr>
-              <a:t>adipiscing</a:t>
-            </a:r>
-            <a:r>
-              <a:rPr lang="ru-RU" sz="1600" dirty="0">
-                <a:solidFill>
-                  <a:schemeClr val="tx2"/>
-                </a:solidFill>
-              </a:rPr>
-              <a:t> </a:t>
-            </a:r>
-            <a:r>
-              <a:rPr lang="ru-RU" sz="1600" dirty="0" err="1">
-                <a:solidFill>
-                  <a:schemeClr val="tx2"/>
-                </a:solidFill>
-              </a:rPr>
-              <a:t>elit</a:t>
-            </a:r>
-            <a:r>
-              <a:rPr lang="ru-RU" sz="1600" dirty="0">
-                <a:solidFill>
-                  <a:schemeClr val="tx2"/>
-                </a:solidFill>
-              </a:rPr>
-              <a:t>. </a:t>
-            </a:r>
-          </a:p>
-        </p:txBody>
-      </p:sp>
-      <p:pic>
-        <p:nvPicPr>
-          <p:cNvPr id="29" name="Рисунок 28">
-            <a:extLst>
-              <a:ext uri="{FF2B5EF4-FFF2-40B4-BE49-F238E27FC236}">
-                <a16:creationId xmlns:a16="http://schemas.microsoft.com/office/drawing/2014/main" id="{CF51D321-C115-4CD0-ADE8-3BF5F430838F}"/>
-              </a:ext>
-            </a:extLst>
-          </p:cNvPr>
-          <p:cNvPicPr>
-            <a:picLocks noChangeAspect="1"/>
-          </p:cNvPicPr>
-          <p:nvPr/>
-        </p:nvPicPr>
-        <p:blipFill>
-          <a:blip r:embed="rId2" cstate="screen">
-            <a:extLst>
-              <a:ext uri="{28A0092B-C50C-407E-A947-70E740481C1C}">
-                <a14:useLocalDpi xmlns:a14="http://schemas.microsoft.com/office/drawing/2010/main"/>
-              </a:ext>
-              <a:ext uri="{96DAC541-7B7A-43D3-8B79-37D633B846F1}">
-                <asvg:svgBlip xmlns:asvg="http://schemas.microsoft.com/office/drawing/2016/SVG/main" r:embed="rId3"/>
-              </a:ext>
-            </a:extLst>
-          </a:blip>
-          <a:stretch>
-            <a:fillRect/>
-          </a:stretch>
-        </p:blipFill>
-        <p:spPr>
-          <a:xfrm>
-            <a:off x="2224307" y="4138956"/>
-            <a:ext cx="360000" cy="360000"/>
-          </a:xfrm>
-          <a:prstGeom prst="rect">
-            <a:avLst/>
-          </a:prstGeom>
-        </p:spPr>
-      </p:pic>
-      <p:pic>
-        <p:nvPicPr>
-          <p:cNvPr id="30" name="Рисунок 29">
-            <a:extLst>
-              <a:ext uri="{FF2B5EF4-FFF2-40B4-BE49-F238E27FC236}">
-                <a16:creationId xmlns:a16="http://schemas.microsoft.com/office/drawing/2014/main" id="{9D0EAC36-D4EE-4708-9DF9-E3833D12C9F6}"/>
-              </a:ext>
-            </a:extLst>
-          </p:cNvPr>
-          <p:cNvPicPr>
-            <a:picLocks noChangeAspect="1"/>
-          </p:cNvPicPr>
-          <p:nvPr/>
-        </p:nvPicPr>
-        <p:blipFill>
-          <a:blip r:embed="rId4" cstate="screen">
-            <a:extLst>
-              <a:ext uri="{28A0092B-C50C-407E-A947-70E740481C1C}">
-                <a14:useLocalDpi xmlns:a14="http://schemas.microsoft.com/office/drawing/2010/main"/>
-              </a:ext>
-              <a:ext uri="{96DAC541-7B7A-43D3-8B79-37D633B846F1}">
-                <asvg:svgBlip xmlns:asvg="http://schemas.microsoft.com/office/drawing/2016/SVG/main" r:embed="rId5"/>
-              </a:ext>
-            </a:extLst>
-          </a:blip>
-          <a:stretch>
-            <a:fillRect/>
-          </a:stretch>
-        </p:blipFill>
-        <p:spPr>
-          <a:xfrm>
-            <a:off x="3900154" y="4138408"/>
-            <a:ext cx="360000" cy="360000"/>
-          </a:xfrm>
-          <a:prstGeom prst="rect">
-            <a:avLst/>
-          </a:prstGeom>
-        </p:spPr>
-      </p:pic>
-      <p:pic>
-        <p:nvPicPr>
-          <p:cNvPr id="31" name="Рисунок 30">
-            <a:extLst>
-              <a:ext uri="{FF2B5EF4-FFF2-40B4-BE49-F238E27FC236}">
-                <a16:creationId xmlns:a16="http://schemas.microsoft.com/office/drawing/2014/main" id="{4723C090-9F7E-4F0A-A3CF-C8490CE9969C}"/>
-              </a:ext>
-            </a:extLst>
-          </p:cNvPr>
-          <p:cNvPicPr>
-            <a:picLocks noChangeAspect="1"/>
-          </p:cNvPicPr>
-          <p:nvPr/>
-        </p:nvPicPr>
-        <p:blipFill>
-          <a:blip r:embed="rId6" cstate="screen">
-            <a:extLst>
-              <a:ext uri="{28A0092B-C50C-407E-A947-70E740481C1C}">
-                <a14:useLocalDpi xmlns:a14="http://schemas.microsoft.com/office/drawing/2010/main"/>
-              </a:ext>
-              <a:ext uri="{96DAC541-7B7A-43D3-8B79-37D633B846F1}">
-                <asvg:svgBlip xmlns:asvg="http://schemas.microsoft.com/office/drawing/2016/SVG/main" r:embed="rId7"/>
-              </a:ext>
-            </a:extLst>
-          </a:blip>
-          <a:srcRect/>
-          <a:stretch/>
-        </p:blipFill>
-        <p:spPr>
-          <a:xfrm>
-            <a:off x="5600090" y="4137784"/>
-            <a:ext cx="360000" cy="360000"/>
-          </a:xfrm>
-          <a:prstGeom prst="rect">
-            <a:avLst/>
-          </a:prstGeom>
-        </p:spPr>
-      </p:pic>
-      <p:pic>
-        <p:nvPicPr>
-          <p:cNvPr id="32" name="Рисунок 31">
-            <a:extLst>
-              <a:ext uri="{FF2B5EF4-FFF2-40B4-BE49-F238E27FC236}">
-                <a16:creationId xmlns:a16="http://schemas.microsoft.com/office/drawing/2014/main" id="{16FF53AA-8FA2-4363-AF5D-D8A03899A76F}"/>
-              </a:ext>
-            </a:extLst>
-          </p:cNvPr>
-          <p:cNvPicPr>
-            <a:picLocks noChangeAspect="1"/>
-          </p:cNvPicPr>
-          <p:nvPr/>
-        </p:nvPicPr>
-        <p:blipFill>
-          <a:blip r:embed="rId8" cstate="screen">
-            <a:extLst>
-              <a:ext uri="{28A0092B-C50C-407E-A947-70E740481C1C}">
-                <a14:useLocalDpi xmlns:a14="http://schemas.microsoft.com/office/drawing/2010/main"/>
-              </a:ext>
-              <a:ext uri="{96DAC541-7B7A-43D3-8B79-37D633B846F1}">
-                <asvg:svgBlip xmlns:asvg="http://schemas.microsoft.com/office/drawing/2016/SVG/main" r:embed="rId9"/>
-              </a:ext>
-            </a:extLst>
-          </a:blip>
-          <a:srcRect/>
-          <a:stretch/>
-        </p:blipFill>
-        <p:spPr>
-          <a:xfrm>
-            <a:off x="7279961" y="4137784"/>
-            <a:ext cx="360000" cy="360000"/>
-          </a:xfrm>
-          <a:prstGeom prst="rect">
-            <a:avLst/>
-          </a:prstGeom>
-        </p:spPr>
-      </p:pic>
-      <p:pic>
-        <p:nvPicPr>
-          <p:cNvPr id="36" name="Рисунок 35">
-            <a:extLst>
-              <a:ext uri="{FF2B5EF4-FFF2-40B4-BE49-F238E27FC236}">
-                <a16:creationId xmlns:a16="http://schemas.microsoft.com/office/drawing/2014/main" id="{E1BA2ED8-45A9-441E-B8F1-86714B82DA10}"/>
-              </a:ext>
-            </a:extLst>
-          </p:cNvPr>
-          <p:cNvPicPr>
-            <a:picLocks noChangeAspect="1"/>
-          </p:cNvPicPr>
-          <p:nvPr/>
-        </p:nvPicPr>
-        <p:blipFill>
-          <a:blip r:embed="rId10" cstate="screen">
-            <a:extLst>
-              <a:ext uri="{28A0092B-C50C-407E-A947-70E740481C1C}">
-                <a14:useLocalDpi xmlns:a14="http://schemas.microsoft.com/office/drawing/2010/main"/>
-              </a:ext>
-              <a:ext uri="{96DAC541-7B7A-43D3-8B79-37D633B846F1}">
-                <asvg:svgBlip xmlns:asvg="http://schemas.microsoft.com/office/drawing/2016/SVG/main" r:embed="rId11"/>
-              </a:ext>
-            </a:extLst>
-          </a:blip>
-          <a:stretch>
-            <a:fillRect/>
-          </a:stretch>
-        </p:blipFill>
-        <p:spPr>
-          <a:xfrm>
-            <a:off x="8966850" y="4151781"/>
-            <a:ext cx="360000" cy="360000"/>
-          </a:xfrm>
-          <a:prstGeom prst="rect">
-            <a:avLst/>
-          </a:prstGeom>
-        </p:spPr>
-      </p:pic>
-      <p:sp>
-        <p:nvSpPr>
-          <p:cNvPr id="33" name="Текст 11">
-            <a:extLst>
-              <a:ext uri="{FF2B5EF4-FFF2-40B4-BE49-F238E27FC236}">
-                <a16:creationId xmlns:a16="http://schemas.microsoft.com/office/drawing/2014/main" id="{C3CE619A-4CA1-4861-BEDC-636AA31BED4A}"/>
-              </a:ext>
-            </a:extLst>
-          </p:cNvPr>
-          <p:cNvSpPr txBox="1">
-            <a:spLocks/>
-          </p:cNvSpPr>
-          <p:nvPr/>
-        </p:nvSpPr>
-        <p:spPr>
-          <a:xfrm>
-            <a:off x="763586" y="1592195"/>
-            <a:ext cx="10664825" cy="1080298"/>
-          </a:xfrm>
-          <a:prstGeom prst="rect">
-            <a:avLst/>
-          </a:prstGeom>
-        </p:spPr>
-        <p:txBody>
-          <a:bodyPr>
-            <a:normAutofit fontScale="92500" lnSpcReduction="10000"/>
-          </a:bodyPr>
-          <a:lstStyle>
-            <a:lvl1pPr marL="228600" indent="-228600" algn="l" defTabSz="914400" rtl="0" eaLnBrk="1" latinLnBrk="0" hangingPunct="1">
-              <a:lnSpc>
-                <a:spcPct val="90000"/>
-              </a:lnSpc>
-              <a:spcBef>
-                <a:spcPts val="1000"/>
-              </a:spcBef>
-              <a:buFont typeface="Arial" panose="020B0604020202020204" pitchFamily="34" charset="0"/>
-              <a:buChar char="•"/>
-              <a:defRPr sz="2800" kern="1200">
-                <a:solidFill>
-                  <a:schemeClr val="tx1"/>
-                </a:solidFill>
-                <a:latin typeface="+mn-lt"/>
-                <a:ea typeface="+mn-ea"/>
-                <a:cs typeface="+mn-cs"/>
-              </a:defRPr>
-            </a:lvl1pPr>
-            <a:lvl2pPr marL="685800" indent="-228600" algn="l" defTabSz="914400" rtl="0" eaLnBrk="1" latinLnBrk="0" hangingPunct="1">
-              <a:lnSpc>
-                <a:spcPct val="90000"/>
-              </a:lnSpc>
-              <a:spcBef>
-                <a:spcPts val="500"/>
-              </a:spcBef>
-              <a:buFont typeface="Arial" panose="020B0604020202020204" pitchFamily="34" charset="0"/>
-              <a:buChar char="•"/>
-              <a:defRPr sz="2400" kern="1200">
-                <a:solidFill>
-                  <a:schemeClr val="tx1"/>
-                </a:solidFill>
-                <a:latin typeface="+mn-lt"/>
-                <a:ea typeface="+mn-ea"/>
-                <a:cs typeface="+mn-cs"/>
-              </a:defRPr>
-            </a:lvl2pPr>
-            <a:lvl3pPr marL="1143000" indent="-228600" algn="l" defTabSz="914400" rtl="0" eaLnBrk="1" latinLnBrk="0" hangingPunct="1">
-              <a:lnSpc>
-                <a:spcPct val="90000"/>
-              </a:lnSpc>
-              <a:spcBef>
-                <a:spcPts val="500"/>
-              </a:spcBef>
-              <a:buFont typeface="Arial" panose="020B0604020202020204" pitchFamily="34" charset="0"/>
-              <a:buChar char="•"/>
-              <a:defRPr sz="2000" kern="1200">
-                <a:solidFill>
-                  <a:schemeClr val="tx1"/>
-                </a:solidFill>
-                <a:latin typeface="+mn-lt"/>
-                <a:ea typeface="+mn-ea"/>
-                <a:cs typeface="+mn-cs"/>
-              </a:defRPr>
-            </a:lvl3pPr>
-            <a:lvl4pPr marL="1600200" indent="-228600" algn="l" defTabSz="914400" rtl="0" eaLnBrk="1" latinLnBrk="0" hangingPunct="1">
-              <a:lnSpc>
-                <a:spcPct val="90000"/>
-              </a:lnSpc>
-              <a:spcBef>
-                <a:spcPts val="500"/>
-              </a:spcBef>
-              <a:buFont typeface="Arial" panose="020B0604020202020204" pitchFamily="34" charset="0"/>
-              <a:buChar char="•"/>
-              <a:defRPr sz="1800" kern="1200">
-                <a:solidFill>
-                  <a:schemeClr val="tx1"/>
-                </a:solidFill>
-                <a:latin typeface="+mn-lt"/>
-                <a:ea typeface="+mn-ea"/>
-                <a:cs typeface="+mn-cs"/>
-              </a:defRPr>
-            </a:lvl4pPr>
-            <a:lvl5pPr marL="2057400" indent="-228600" algn="l" defTabSz="914400" rtl="0" eaLnBrk="1" latinLnBrk="0" hangingPunct="1">
-              <a:lnSpc>
-                <a:spcPct val="90000"/>
-              </a:lnSpc>
-              <a:spcBef>
-                <a:spcPts val="500"/>
-              </a:spcBef>
-              <a:buFont typeface="Arial" panose="020B0604020202020204" pitchFamily="34" charset="0"/>
-              <a:buChar char="•"/>
-              <a:defRPr sz="1800" kern="1200">
-                <a:solidFill>
-                  <a:schemeClr val="tx1"/>
-                </a:solidFill>
-                <a:latin typeface="+mn-lt"/>
-                <a:ea typeface="+mn-ea"/>
-                <a:cs typeface="+mn-cs"/>
-              </a:defRPr>
-            </a:lvl5pPr>
-            <a:lvl6pPr marL="2514600" indent="-228600" algn="l" defTabSz="914400" rtl="0" eaLnBrk="1" latinLnBrk="0" hangingPunct="1">
-              <a:lnSpc>
-                <a:spcPct val="90000"/>
-              </a:lnSpc>
-              <a:spcBef>
-                <a:spcPts val="500"/>
-              </a:spcBef>
-              <a:buFont typeface="Arial" panose="020B0604020202020204" pitchFamily="34" charset="0"/>
-              <a:buChar char="•"/>
-              <a:defRPr sz="1800" kern="1200">
-                <a:solidFill>
-                  <a:schemeClr val="tx1"/>
-                </a:solidFill>
-                <a:latin typeface="+mn-lt"/>
-                <a:ea typeface="+mn-ea"/>
-                <a:cs typeface="+mn-cs"/>
-              </a:defRPr>
-            </a:lvl6pPr>
-            <a:lvl7pPr marL="2971800" indent="-228600" algn="l" defTabSz="914400" rtl="0" eaLnBrk="1" latinLnBrk="0" hangingPunct="1">
-              <a:lnSpc>
-                <a:spcPct val="90000"/>
-              </a:lnSpc>
-              <a:spcBef>
-                <a:spcPts val="500"/>
-              </a:spcBef>
-              <a:buFont typeface="Arial" panose="020B0604020202020204" pitchFamily="34" charset="0"/>
-              <a:buChar char="•"/>
-              <a:defRPr sz="1800" kern="1200">
-                <a:solidFill>
-                  <a:schemeClr val="tx1"/>
-                </a:solidFill>
-                <a:latin typeface="+mn-lt"/>
-                <a:ea typeface="+mn-ea"/>
-                <a:cs typeface="+mn-cs"/>
-              </a:defRPr>
-            </a:lvl7pPr>
-            <a:lvl8pPr marL="3429000" indent="-228600" algn="l" defTabSz="914400" rtl="0" eaLnBrk="1" latinLnBrk="0" hangingPunct="1">
-              <a:lnSpc>
-                <a:spcPct val="90000"/>
-              </a:lnSpc>
-              <a:spcBef>
-                <a:spcPts val="500"/>
-              </a:spcBef>
-              <a:buFont typeface="Arial" panose="020B0604020202020204" pitchFamily="34" charset="0"/>
-              <a:buChar char="•"/>
-              <a:defRPr sz="1800" kern="1200">
-                <a:solidFill>
-                  <a:schemeClr val="tx1"/>
-                </a:solidFill>
-                <a:latin typeface="+mn-lt"/>
-                <a:ea typeface="+mn-ea"/>
-                <a:cs typeface="+mn-cs"/>
-              </a:defRPr>
-            </a:lvl8pPr>
-            <a:lvl9pPr marL="3886200" indent="-228600" algn="l" defTabSz="914400" rtl="0" eaLnBrk="1" latinLnBrk="0" hangingPunct="1">
-              <a:lnSpc>
-                <a:spcPct val="90000"/>
-              </a:lnSpc>
-              <a:spcBef>
-                <a:spcPts val="500"/>
-              </a:spcBef>
-              <a:buFont typeface="Arial" panose="020B0604020202020204" pitchFamily="34" charset="0"/>
-              <a:buChar char="•"/>
-              <a:defRPr sz="1800" kern="1200">
-                <a:solidFill>
-                  <a:schemeClr val="tx1"/>
-                </a:solidFill>
-                <a:latin typeface="+mn-lt"/>
-                <a:ea typeface="+mn-ea"/>
-                <a:cs typeface="+mn-cs"/>
-              </a:defRPr>
-            </a:lvl9pPr>
-          </a:lstStyle>
-          <a:p>
-            <a:pPr marL="0" indent="0">
-              <a:buNone/>
-            </a:pPr>
-            <a:r>
-              <a:rPr lang="en-US" sz="1800" dirty="0">
-                <a:solidFill>
-                  <a:schemeClr val="accent1"/>
-                </a:solidFill>
-              </a:rPr>
-              <a:t>Lorem ipsum dolor sit </a:t>
-            </a:r>
-            <a:r>
-              <a:rPr lang="en-US" sz="1800" dirty="0" err="1">
-                <a:solidFill>
-                  <a:schemeClr val="accent1"/>
-                </a:solidFill>
-              </a:rPr>
-              <a:t>amet</a:t>
-            </a:r>
-            <a:r>
-              <a:rPr lang="en-US" sz="1800" dirty="0">
-                <a:solidFill>
-                  <a:schemeClr val="accent1"/>
-                </a:solidFill>
-              </a:rPr>
-              <a:t>, </a:t>
-            </a:r>
-            <a:r>
-              <a:rPr lang="en-US" sz="1800" dirty="0" err="1">
-                <a:solidFill>
-                  <a:schemeClr val="accent1"/>
-                </a:solidFill>
-              </a:rPr>
-              <a:t>consectetur</a:t>
-            </a:r>
-            <a:r>
-              <a:rPr lang="en-US" sz="1800" dirty="0">
-                <a:solidFill>
-                  <a:schemeClr val="accent1"/>
-                </a:solidFill>
-              </a:rPr>
-              <a:t> </a:t>
-            </a:r>
-            <a:r>
-              <a:rPr lang="en-US" sz="1800" dirty="0" err="1">
-                <a:solidFill>
-                  <a:schemeClr val="accent1"/>
-                </a:solidFill>
-              </a:rPr>
-              <a:t>adipiscing</a:t>
-            </a:r>
-            <a:r>
-              <a:rPr lang="en-US" sz="1800" dirty="0">
-                <a:solidFill>
-                  <a:schemeClr val="accent1"/>
-                </a:solidFill>
-              </a:rPr>
-              <a:t> </a:t>
-            </a:r>
-            <a:r>
-              <a:rPr lang="en-US" sz="1800" dirty="0" err="1">
-                <a:solidFill>
-                  <a:schemeClr val="accent1"/>
-                </a:solidFill>
-              </a:rPr>
-              <a:t>elit</a:t>
-            </a:r>
-            <a:r>
-              <a:rPr lang="en-US" sz="1800" dirty="0">
-                <a:solidFill>
-                  <a:schemeClr val="accent1"/>
-                </a:solidFill>
-              </a:rPr>
-              <a:t>, sed do </a:t>
-            </a:r>
-            <a:r>
-              <a:rPr lang="en-US" sz="1800" dirty="0" err="1">
-                <a:solidFill>
-                  <a:schemeClr val="accent1"/>
-                </a:solidFill>
-              </a:rPr>
-              <a:t>eiusmod</a:t>
-            </a:r>
-            <a:r>
-              <a:rPr lang="en-US" sz="1800" dirty="0">
-                <a:solidFill>
-                  <a:schemeClr val="accent1"/>
-                </a:solidFill>
-              </a:rPr>
-              <a:t> </a:t>
-            </a:r>
-            <a:r>
-              <a:rPr lang="en-US" sz="1800" dirty="0" err="1">
-                <a:solidFill>
-                  <a:schemeClr val="accent1"/>
-                </a:solidFill>
-              </a:rPr>
-              <a:t>tempor</a:t>
-            </a:r>
-            <a:r>
-              <a:rPr lang="en-US" sz="1800" dirty="0">
-                <a:solidFill>
-                  <a:schemeClr val="accent1"/>
-                </a:solidFill>
-              </a:rPr>
-              <a:t> </a:t>
-            </a:r>
-            <a:r>
-              <a:rPr lang="en-US" sz="1800" dirty="0" err="1">
-                <a:solidFill>
-                  <a:schemeClr val="accent1"/>
-                </a:solidFill>
-              </a:rPr>
-              <a:t>incididunt</a:t>
-            </a:r>
-            <a:r>
-              <a:rPr lang="en-US" sz="1800" dirty="0">
-                <a:solidFill>
-                  <a:schemeClr val="accent1"/>
-                </a:solidFill>
-              </a:rPr>
-              <a:t> </a:t>
-            </a:r>
-            <a:r>
-              <a:rPr lang="en-US" sz="1800" dirty="0" err="1">
-                <a:solidFill>
-                  <a:schemeClr val="accent1"/>
-                </a:solidFill>
-              </a:rPr>
-              <a:t>ut</a:t>
-            </a:r>
-            <a:r>
-              <a:rPr lang="en-US" sz="1800" dirty="0">
-                <a:solidFill>
-                  <a:schemeClr val="accent1"/>
-                </a:solidFill>
-              </a:rPr>
-              <a:t> </a:t>
-            </a:r>
-            <a:r>
-              <a:rPr lang="en-US" sz="1800" dirty="0" err="1">
-                <a:solidFill>
-                  <a:schemeClr val="accent1"/>
-                </a:solidFill>
-              </a:rPr>
-              <a:t>labore</a:t>
-            </a:r>
-            <a:r>
-              <a:rPr lang="en-US" sz="1800" dirty="0">
-                <a:solidFill>
-                  <a:schemeClr val="accent1"/>
-                </a:solidFill>
-              </a:rPr>
-              <a:t> et dolore magna </a:t>
-            </a:r>
-            <a:r>
-              <a:rPr lang="en-US" sz="1800" dirty="0" err="1">
-                <a:solidFill>
-                  <a:schemeClr val="accent1"/>
-                </a:solidFill>
-              </a:rPr>
-              <a:t>aliqua</a:t>
-            </a:r>
-            <a:r>
-              <a:rPr lang="en-US" sz="1800" dirty="0">
-                <a:solidFill>
-                  <a:schemeClr val="accent1"/>
-                </a:solidFill>
-              </a:rPr>
-              <a:t>. </a:t>
-            </a:r>
-          </a:p>
-          <a:p>
-            <a:pPr marL="0" indent="0">
-              <a:buNone/>
-            </a:pPr>
-            <a:r>
-              <a:rPr lang="en-US" sz="1800" dirty="0">
-                <a:solidFill>
-                  <a:schemeClr val="accent1"/>
-                </a:solidFill>
-              </a:rPr>
-              <a:t>Ut </a:t>
-            </a:r>
-            <a:r>
-              <a:rPr lang="en-US" sz="1800" dirty="0" err="1">
-                <a:solidFill>
-                  <a:schemeClr val="accent1"/>
-                </a:solidFill>
-              </a:rPr>
-              <a:t>enim</a:t>
-            </a:r>
-            <a:r>
-              <a:rPr lang="en-US" sz="1800" dirty="0">
-                <a:solidFill>
-                  <a:schemeClr val="accent1"/>
-                </a:solidFill>
-              </a:rPr>
-              <a:t> ad minim </a:t>
-            </a:r>
-            <a:r>
-              <a:rPr lang="en-US" sz="1800" dirty="0" err="1">
-                <a:solidFill>
-                  <a:schemeClr val="accent1"/>
-                </a:solidFill>
-              </a:rPr>
-              <a:t>veniam</a:t>
-            </a:r>
-            <a:r>
-              <a:rPr lang="en-US" sz="1800" dirty="0">
-                <a:solidFill>
-                  <a:schemeClr val="accent1"/>
-                </a:solidFill>
-              </a:rPr>
-              <a:t>, </a:t>
-            </a:r>
-            <a:r>
-              <a:rPr lang="en-US" sz="1800" dirty="0" err="1">
-                <a:solidFill>
-                  <a:schemeClr val="accent1"/>
-                </a:solidFill>
-              </a:rPr>
-              <a:t>quis</a:t>
-            </a:r>
-            <a:r>
-              <a:rPr lang="en-US" sz="1800" dirty="0">
-                <a:solidFill>
-                  <a:schemeClr val="accent1"/>
-                </a:solidFill>
-              </a:rPr>
-              <a:t> </a:t>
-            </a:r>
-            <a:r>
-              <a:rPr lang="en-US" sz="1800" dirty="0" err="1">
-                <a:solidFill>
-                  <a:schemeClr val="accent1"/>
-                </a:solidFill>
-              </a:rPr>
-              <a:t>nostrud</a:t>
-            </a:r>
-            <a:r>
-              <a:rPr lang="en-US" sz="1800" dirty="0">
-                <a:solidFill>
-                  <a:schemeClr val="accent1"/>
-                </a:solidFill>
-              </a:rPr>
-              <a:t> exercitation </a:t>
-            </a:r>
-            <a:r>
-              <a:rPr lang="en-US" sz="1800" dirty="0" err="1">
-                <a:solidFill>
-                  <a:schemeClr val="accent1"/>
-                </a:solidFill>
-              </a:rPr>
-              <a:t>ullamco</a:t>
-            </a:r>
-            <a:r>
-              <a:rPr lang="en-US" sz="1800" dirty="0">
-                <a:solidFill>
-                  <a:schemeClr val="accent1"/>
-                </a:solidFill>
-              </a:rPr>
-              <a:t> </a:t>
-            </a:r>
-            <a:r>
-              <a:rPr lang="en-US" sz="1800" dirty="0" err="1">
-                <a:solidFill>
-                  <a:schemeClr val="accent1"/>
-                </a:solidFill>
-              </a:rPr>
-              <a:t>laboris</a:t>
-            </a:r>
-            <a:r>
-              <a:rPr lang="en-US" sz="1800" dirty="0">
-                <a:solidFill>
-                  <a:schemeClr val="accent1"/>
-                </a:solidFill>
-              </a:rPr>
-              <a:t> nisi </a:t>
-            </a:r>
-            <a:r>
-              <a:rPr lang="en-US" sz="1800" dirty="0" err="1">
-                <a:solidFill>
-                  <a:schemeClr val="accent1"/>
-                </a:solidFill>
-              </a:rPr>
-              <a:t>ut</a:t>
-            </a:r>
-            <a:r>
-              <a:rPr lang="en-US" sz="1800" dirty="0">
-                <a:solidFill>
-                  <a:schemeClr val="accent1"/>
-                </a:solidFill>
-              </a:rPr>
-              <a:t> </a:t>
-            </a:r>
-            <a:r>
-              <a:rPr lang="en-US" sz="1800" dirty="0" err="1">
-                <a:solidFill>
-                  <a:schemeClr val="accent1"/>
-                </a:solidFill>
-              </a:rPr>
-              <a:t>aliquip</a:t>
-            </a:r>
-            <a:r>
-              <a:rPr lang="en-US" sz="1800" dirty="0">
-                <a:solidFill>
-                  <a:schemeClr val="accent1"/>
-                </a:solidFill>
-              </a:rPr>
-              <a:t> ex </a:t>
-            </a:r>
-            <a:r>
-              <a:rPr lang="en-US" sz="1800" dirty="0" err="1">
-                <a:solidFill>
-                  <a:schemeClr val="accent1"/>
-                </a:solidFill>
-              </a:rPr>
-              <a:t>ea</a:t>
-            </a:r>
-            <a:r>
-              <a:rPr lang="en-US" sz="1800" dirty="0">
-                <a:solidFill>
-                  <a:schemeClr val="accent1"/>
-                </a:solidFill>
-              </a:rPr>
-              <a:t> </a:t>
-            </a:r>
-            <a:r>
-              <a:rPr lang="en-US" sz="1800" dirty="0" err="1">
-                <a:solidFill>
-                  <a:schemeClr val="accent1"/>
-                </a:solidFill>
-              </a:rPr>
-              <a:t>commodo</a:t>
-            </a:r>
-            <a:r>
-              <a:rPr lang="en-US" sz="1800" dirty="0">
-                <a:solidFill>
-                  <a:schemeClr val="accent1"/>
-                </a:solidFill>
-              </a:rPr>
-              <a:t> </a:t>
-            </a:r>
-            <a:r>
-              <a:rPr lang="en-US" sz="1800" dirty="0" err="1">
-                <a:solidFill>
-                  <a:schemeClr val="accent1"/>
-                </a:solidFill>
-              </a:rPr>
-              <a:t>consequat</a:t>
-            </a:r>
-            <a:r>
-              <a:rPr lang="en-US" sz="1800" dirty="0">
-                <a:solidFill>
-                  <a:schemeClr val="accent1"/>
-                </a:solidFill>
-              </a:rPr>
-              <a:t>. </a:t>
-            </a:r>
-          </a:p>
-        </p:txBody>
-      </p:sp>
-    </p:spTree>
-    <p:extLst>
-      <p:ext uri="{BB962C8B-B14F-4D97-AF65-F5344CB8AC3E}">
-        <p14:creationId xmlns:p14="http://schemas.microsoft.com/office/powerpoint/2010/main" val="2854469812"/>
-      </p:ext>
-    </p:extLst>
-  </p:cSld>
-  <p:clrMapOvr>
-    <a:masterClrMapping/>
-  </p:clrMapOvr>
-  <mc:AlternateContent xmlns:mc="http://schemas.openxmlformats.org/markup-compatibility/2006" xmlns:p14="http://schemas.microsoft.com/office/powerpoint/2010/main">
-    <mc:Choice Requires="p14">
-      <p:transition spd="med" p14:dur="700">
-        <p:fade/>
-      </p:transition>
-    </mc:Choice>
-    <mc:Fallback xmlns="">
-      <p:transition spd="med">
-        <p:fade/>
-      </p:transition>
-    </mc:Fallback>
-  </mc:AlternateContent>
 </p:sld>
 </file>
 
